--- a/CSC-520/Final Report/Student Polling Application.pptx
+++ b/CSC-520/Final Report/Student Polling Application.pptx
@@ -1,50 +1,57 @@
 
 <file path=ppt/presentation.xml><?xml version="1.0" encoding="utf-8"?>
-<p:presentation xmlns:a="http://schemas.openxmlformats.org/drawingml/2006/main" xmlns:r="http://schemas.openxmlformats.org/officeDocument/2006/relationships" xmlns:mc="http://schemas.openxmlformats.org/markup-compatibility/2006" xmlns:mv="urn:schemas-microsoft-com:mac:vml" xmlns:p="http://schemas.openxmlformats.org/presentationml/2006/main" xmlns:c="http://schemas.openxmlformats.org/drawingml/2006/chart" xmlns:dgm="http://schemas.openxmlformats.org/drawingml/2006/diagram" xmlns:o="urn:schemas-microsoft-com:office:office" xmlns:v="urn:schemas-microsoft-com:vml" xmlns:pvml="urn:schemas-microsoft-com:office:powerpoint" xmlns:com="http://schemas.openxmlformats.org/drawingml/2006/compatibility" xmlns:p14="http://schemas.microsoft.com/office/powerpoint/2010/main" xmlns:p15="http://schemas.microsoft.com/office/powerpoint/2012/main" autoCompressPictures="0" embedTrueTypeFonts="1" strictFirstAndLastChars="0" saveSubsetFonts="1" showSpecialPlsOnTitleSld="0">
+<p:presentation xmlns:a="http://schemas.openxmlformats.org/drawingml/2006/main" xmlns:r="http://schemas.openxmlformats.org/officeDocument/2006/relationships" xmlns:p="http://schemas.openxmlformats.org/presentationml/2006/main" showSpecialPlsOnTitleSld="0" strictFirstAndLastChars="0" embedTrueTypeFonts="1" saveSubsetFonts="1" autoCompressPictures="0">
   <p:sldMasterIdLst>
-    <p:sldMasterId id="2147483657" r:id="rId4"/>
+    <p:sldMasterId id="2147483657" r:id="rId1"/>
   </p:sldMasterIdLst>
   <p:notesMasterIdLst>
-    <p:notesMasterId r:id="rId5"/>
+    <p:notesMasterId r:id="rId18"/>
   </p:notesMasterIdLst>
   <p:sldIdLst>
-    <p:sldId id="256" r:id="rId6"/>
-    <p:sldId id="257" r:id="rId7"/>
-    <p:sldId id="258" r:id="rId8"/>
-    <p:sldId id="259" r:id="rId9"/>
-    <p:sldId id="260" r:id="rId10"/>
-    <p:sldId id="261" r:id="rId11"/>
-    <p:sldId id="262" r:id="rId12"/>
-    <p:sldId id="263" r:id="rId13"/>
-    <p:sldId id="264" r:id="rId14"/>
-    <p:sldId id="265" r:id="rId15"/>
-    <p:sldId id="266" r:id="rId16"/>
-    <p:sldId id="267" r:id="rId17"/>
-    <p:sldId id="268" r:id="rId18"/>
-    <p:sldId id="269" r:id="rId19"/>
-    <p:sldId id="270" r:id="rId20"/>
-    <p:sldId id="271" r:id="rId21"/>
+    <p:sldId id="256" r:id="rId2"/>
+    <p:sldId id="257" r:id="rId3"/>
+    <p:sldId id="258" r:id="rId4"/>
+    <p:sldId id="259" r:id="rId5"/>
+    <p:sldId id="260" r:id="rId6"/>
+    <p:sldId id="261" r:id="rId7"/>
+    <p:sldId id="262" r:id="rId8"/>
+    <p:sldId id="263" r:id="rId9"/>
+    <p:sldId id="264" r:id="rId10"/>
+    <p:sldId id="265" r:id="rId11"/>
+    <p:sldId id="266" r:id="rId12"/>
+    <p:sldId id="267" r:id="rId13"/>
+    <p:sldId id="268" r:id="rId14"/>
+    <p:sldId id="269" r:id="rId15"/>
+    <p:sldId id="270" r:id="rId16"/>
+    <p:sldId id="271" r:id="rId17"/>
   </p:sldIdLst>
-  <p:sldSz cy="5143500" cx="9144000"/>
+  <p:sldSz cx="9144000" cy="5143500" type="screen16x9"/>
   <p:notesSz cx="6858000" cy="9144000"/>
   <p:embeddedFontLst>
     <p:embeddedFont>
-      <p:font typeface="Titillium Web"/>
-      <p:regular r:id="rId22"/>
-      <p:bold r:id="rId23"/>
-      <p:italic r:id="rId24"/>
-      <p:boldItalic r:id="rId25"/>
+      <p:font typeface="Calibri" panose="020F0502020204030204" pitchFamily="34" charset="0"/>
+      <p:regular r:id="rId19"/>
+      <p:bold r:id="rId20"/>
+      <p:italic r:id="rId21"/>
+      <p:boldItalic r:id="rId22"/>
     </p:embeddedFont>
     <p:embeddedFont>
-      <p:font typeface="Titillium Web Light"/>
-      <p:regular r:id="rId26"/>
-      <p:bold r:id="rId27"/>
-      <p:italic r:id="rId28"/>
-      <p:boldItalic r:id="rId29"/>
+      <p:font typeface="Titillium Web" panose="020B0604020202020204" charset="0"/>
+      <p:regular r:id="rId23"/>
+      <p:bold r:id="rId24"/>
+      <p:italic r:id="rId25"/>
+      <p:boldItalic r:id="rId26"/>
+    </p:embeddedFont>
+    <p:embeddedFont>
+      <p:font typeface="Titillium Web Light" panose="020B0604020202020204" charset="0"/>
+      <p:regular r:id="rId27"/>
+      <p:bold r:id="rId28"/>
+      <p:italic r:id="rId29"/>
+      <p:boldItalic r:id="rId30"/>
     </p:embeddedFont>
   </p:embeddedFontLst>
   <p:defaultTextStyle>
-    <a:defPPr lvl="0" marR="0" rtl="0" algn="l">
+    <a:defPPr marR="0" lvl="0" algn="l" rtl="0">
       <a:lnSpc>
         <a:spcPct val="100000"/>
       </a:lnSpc>
@@ -55,7 +62,7 @@
         <a:spcPts val="0"/>
       </a:spcAft>
     </a:defPPr>
-    <a:lvl1pPr lvl="0" marR="0" rtl="0" algn="l">
+    <a:lvl1pPr marR="0" lvl="0" algn="l" rtl="0">
       <a:lnSpc>
         <a:spcPct val="100000"/>
       </a:lnSpc>
@@ -69,7 +76,7 @@
         <a:srgbClr val="000000"/>
       </a:buClr>
       <a:buFont typeface="Arial"/>
-      <a:defRPr b="0" i="0" sz="1400" u="none" cap="none" strike="noStrike">
+      <a:defRPr sz="1400" b="0" i="0" u="none" strike="noStrike" cap="none">
         <a:solidFill>
           <a:srgbClr val="000000"/>
         </a:solidFill>
@@ -79,7 +86,7 @@
         <a:sym typeface="Arial"/>
       </a:defRPr>
     </a:lvl1pPr>
-    <a:lvl2pPr lvl="1" marR="0" rtl="0" algn="l">
+    <a:lvl2pPr marR="0" lvl="1" algn="l" rtl="0">
       <a:lnSpc>
         <a:spcPct val="100000"/>
       </a:lnSpc>
@@ -93,7 +100,7 @@
         <a:srgbClr val="000000"/>
       </a:buClr>
       <a:buFont typeface="Arial"/>
-      <a:defRPr b="0" i="0" sz="1400" u="none" cap="none" strike="noStrike">
+      <a:defRPr sz="1400" b="0" i="0" u="none" strike="noStrike" cap="none">
         <a:solidFill>
           <a:srgbClr val="000000"/>
         </a:solidFill>
@@ -103,7 +110,7 @@
         <a:sym typeface="Arial"/>
       </a:defRPr>
     </a:lvl2pPr>
-    <a:lvl3pPr lvl="2" marR="0" rtl="0" algn="l">
+    <a:lvl3pPr marR="0" lvl="2" algn="l" rtl="0">
       <a:lnSpc>
         <a:spcPct val="100000"/>
       </a:lnSpc>
@@ -117,7 +124,7 @@
         <a:srgbClr val="000000"/>
       </a:buClr>
       <a:buFont typeface="Arial"/>
-      <a:defRPr b="0" i="0" sz="1400" u="none" cap="none" strike="noStrike">
+      <a:defRPr sz="1400" b="0" i="0" u="none" strike="noStrike" cap="none">
         <a:solidFill>
           <a:srgbClr val="000000"/>
         </a:solidFill>
@@ -127,7 +134,7 @@
         <a:sym typeface="Arial"/>
       </a:defRPr>
     </a:lvl3pPr>
-    <a:lvl4pPr lvl="3" marR="0" rtl="0" algn="l">
+    <a:lvl4pPr marR="0" lvl="3" algn="l" rtl="0">
       <a:lnSpc>
         <a:spcPct val="100000"/>
       </a:lnSpc>
@@ -141,7 +148,7 @@
         <a:srgbClr val="000000"/>
       </a:buClr>
       <a:buFont typeface="Arial"/>
-      <a:defRPr b="0" i="0" sz="1400" u="none" cap="none" strike="noStrike">
+      <a:defRPr sz="1400" b="0" i="0" u="none" strike="noStrike" cap="none">
         <a:solidFill>
           <a:srgbClr val="000000"/>
         </a:solidFill>
@@ -151,7 +158,7 @@
         <a:sym typeface="Arial"/>
       </a:defRPr>
     </a:lvl4pPr>
-    <a:lvl5pPr lvl="4" marR="0" rtl="0" algn="l">
+    <a:lvl5pPr marR="0" lvl="4" algn="l" rtl="0">
       <a:lnSpc>
         <a:spcPct val="100000"/>
       </a:lnSpc>
@@ -165,7 +172,7 @@
         <a:srgbClr val="000000"/>
       </a:buClr>
       <a:buFont typeface="Arial"/>
-      <a:defRPr b="0" i="0" sz="1400" u="none" cap="none" strike="noStrike">
+      <a:defRPr sz="1400" b="0" i="0" u="none" strike="noStrike" cap="none">
         <a:solidFill>
           <a:srgbClr val="000000"/>
         </a:solidFill>
@@ -175,7 +182,7 @@
         <a:sym typeface="Arial"/>
       </a:defRPr>
     </a:lvl5pPr>
-    <a:lvl6pPr lvl="5" marR="0" rtl="0" algn="l">
+    <a:lvl6pPr marR="0" lvl="5" algn="l" rtl="0">
       <a:lnSpc>
         <a:spcPct val="100000"/>
       </a:lnSpc>
@@ -189,7 +196,7 @@
         <a:srgbClr val="000000"/>
       </a:buClr>
       <a:buFont typeface="Arial"/>
-      <a:defRPr b="0" i="0" sz="1400" u="none" cap="none" strike="noStrike">
+      <a:defRPr sz="1400" b="0" i="0" u="none" strike="noStrike" cap="none">
         <a:solidFill>
           <a:srgbClr val="000000"/>
         </a:solidFill>
@@ -199,7 +206,7 @@
         <a:sym typeface="Arial"/>
       </a:defRPr>
     </a:lvl6pPr>
-    <a:lvl7pPr lvl="6" marR="0" rtl="0" algn="l">
+    <a:lvl7pPr marR="0" lvl="6" algn="l" rtl="0">
       <a:lnSpc>
         <a:spcPct val="100000"/>
       </a:lnSpc>
@@ -213,7 +220,7 @@
         <a:srgbClr val="000000"/>
       </a:buClr>
       <a:buFont typeface="Arial"/>
-      <a:defRPr b="0" i="0" sz="1400" u="none" cap="none" strike="noStrike">
+      <a:defRPr sz="1400" b="0" i="0" u="none" strike="noStrike" cap="none">
         <a:solidFill>
           <a:srgbClr val="000000"/>
         </a:solidFill>
@@ -223,7 +230,7 @@
         <a:sym typeface="Arial"/>
       </a:defRPr>
     </a:lvl7pPr>
-    <a:lvl8pPr lvl="7" marR="0" rtl="0" algn="l">
+    <a:lvl8pPr marR="0" lvl="7" algn="l" rtl="0">
       <a:lnSpc>
         <a:spcPct val="100000"/>
       </a:lnSpc>
@@ -237,7 +244,7 @@
         <a:srgbClr val="000000"/>
       </a:buClr>
       <a:buFont typeface="Arial"/>
-      <a:defRPr b="0" i="0" sz="1400" u="none" cap="none" strike="noStrike">
+      <a:defRPr sz="1400" b="0" i="0" u="none" strike="noStrike" cap="none">
         <a:solidFill>
           <a:srgbClr val="000000"/>
         </a:solidFill>
@@ -247,7 +254,7 @@
         <a:sym typeface="Arial"/>
       </a:defRPr>
     </a:lvl8pPr>
-    <a:lvl9pPr lvl="8" marR="0" rtl="0" algn="l">
+    <a:lvl9pPr marR="0" lvl="8" algn="l" rtl="0">
       <a:lnSpc>
         <a:spcPct val="100000"/>
       </a:lnSpc>
@@ -261,7 +268,7 @@
         <a:srgbClr val="000000"/>
       </a:buClr>
       <a:buFont typeface="Arial"/>
-      <a:defRPr b="0" i="0" sz="1400" u="none" cap="none" strike="noStrike">
+      <a:defRPr sz="1400" b="0" i="0" u="none" strike="noStrike" cap="none">
         <a:solidFill>
           <a:srgbClr val="000000"/>
         </a:solidFill>
@@ -276,11 +283,16 @@
 </file>
 
 <file path=ppt/notesMasters/notesMaster1.xml><?xml version="1.0" encoding="utf-8"?>
-<p:notesMaster xmlns:a="http://schemas.openxmlformats.org/drawingml/2006/main" xmlns:r="http://schemas.openxmlformats.org/officeDocument/2006/relationships" xmlns:mc="http://schemas.openxmlformats.org/markup-compatibility/2006" xmlns:mv="urn:schemas-microsoft-com:mac:vml" xmlns:p="http://schemas.openxmlformats.org/presentationml/2006/main" xmlns:c="http://schemas.openxmlformats.org/drawingml/2006/chart" xmlns:dgm="http://schemas.openxmlformats.org/drawingml/2006/diagram" xmlns:o="urn:schemas-microsoft-com:office:office" xmlns:v="urn:schemas-microsoft-com:vml" xmlns:pvml="urn:schemas-microsoft-com:office:powerpoint" xmlns:com="http://schemas.openxmlformats.org/drawingml/2006/compatibility" xmlns:p14="http://schemas.microsoft.com/office/powerpoint/2010/main" xmlns:p15="http://schemas.microsoft.com/office/powerpoint/2012/main">
+<p:notesMaster xmlns:a="http://schemas.openxmlformats.org/drawingml/2006/main" xmlns:r="http://schemas.openxmlformats.org/officeDocument/2006/relationships" xmlns:p="http://schemas.openxmlformats.org/presentationml/2006/main">
   <p:cSld>
+    <p:bg>
+      <p:bgRef idx="1001">
+        <a:schemeClr val="bg1"/>
+      </p:bgRef>
+    </p:bg>
     <p:spTree>
       <p:nvGrpSpPr>
-        <p:cNvPr id="2" name="Shape 2"/>
+        <p:cNvPr id="1" name="Shape 2"/>
         <p:cNvGrpSpPr/>
         <p:nvPr/>
       </p:nvGrpSpPr>
@@ -295,9 +307,11 @@
       <p:sp>
         <p:nvSpPr>
           <p:cNvPr id="3" name="Google Shape;3;n"/>
-          <p:cNvSpPr/>
+          <p:cNvSpPr>
+            <a:spLocks noGrp="1" noRot="1" noChangeAspect="1"/>
+          </p:cNvSpPr>
           <p:nvPr>
-            <p:ph idx="2" type="sldImg"/>
+            <p:ph type="sldImg" idx="2"/>
           </p:nvPr>
         </p:nvSpPr>
         <p:spPr>
@@ -306,9 +320,13 @@
             <a:ext cx="6096300" cy="3429000"/>
           </a:xfrm>
           <a:custGeom>
-            <a:rect b="b" l="l" r="r" t="t"/>
+            <a:avLst/>
+            <a:gdLst/>
+            <a:ahLst/>
+            <a:cxnLst/>
+            <a:rect l="l" t="t" r="r" b="b"/>
             <a:pathLst>
-              <a:path extrusionOk="0" h="120000" w="120000">
+              <a:path w="120000" h="120000" extrusionOk="0">
                 <a:moveTo>
                   <a:pt x="0" y="0"/>
                 </a:moveTo>
@@ -326,23 +344,25 @@
             </a:pathLst>
           </a:custGeom>
           <a:noFill/>
-          <a:ln cap="flat" cmpd="sng" w="9525">
+          <a:ln w="9525" cap="flat" cmpd="sng">
             <a:solidFill>
               <a:srgbClr val="000000"/>
             </a:solidFill>
             <a:prstDash val="solid"/>
             <a:round/>
-            <a:headEnd len="sm" w="sm" type="none"/>
-            <a:tailEnd len="sm" w="sm" type="none"/>
+            <a:headEnd type="none" w="sm" len="sm"/>
+            <a:tailEnd type="none" w="sm" len="sm"/>
           </a:ln>
         </p:spPr>
       </p:sp>
       <p:sp>
         <p:nvSpPr>
           <p:cNvPr id="4" name="Google Shape;4;n"/>
-          <p:cNvSpPr txBox="1"/>
+          <p:cNvSpPr txBox="1">
+            <a:spLocks noGrp="1"/>
+          </p:cNvSpPr>
           <p:nvPr>
-            <p:ph idx="1" type="body"/>
+            <p:ph type="body" idx="1"/>
           </p:nvPr>
         </p:nvSpPr>
         <p:spPr>
@@ -359,11 +379,11 @@
           </a:ln>
         </p:spPr>
         <p:txBody>
-          <a:bodyPr anchorCtr="0" anchor="t" bIns="91425" lIns="91425" spcFirstLastPara="1" rIns="91425" wrap="square" tIns="91425">
+          <a:bodyPr spcFirstLastPara="1" wrap="square" lIns="91425" tIns="91425" rIns="91425" bIns="91425" anchor="t" anchorCtr="0">
             <a:noAutofit/>
           </a:bodyPr>
           <a:lstStyle>
-            <a:lvl1pPr indent="-317500" lvl="0" marL="457200">
+            <a:lvl1pPr marL="457200" lvl="0" indent="-317500">
               <a:spcBef>
                 <a:spcPts val="0"/>
               </a:spcBef>
@@ -374,7 +394,7 @@
               <a:buChar char="●"/>
               <a:defRPr sz="1100"/>
             </a:lvl1pPr>
-            <a:lvl2pPr indent="-317500" lvl="1" marL="914400">
+            <a:lvl2pPr marL="914400" lvl="1" indent="-317500">
               <a:spcBef>
                 <a:spcPts val="0"/>
               </a:spcBef>
@@ -385,7 +405,7 @@
               <a:buChar char="○"/>
               <a:defRPr sz="1100"/>
             </a:lvl2pPr>
-            <a:lvl3pPr indent="-317500" lvl="2" marL="1371600">
+            <a:lvl3pPr marL="1371600" lvl="2" indent="-317500">
               <a:spcBef>
                 <a:spcPts val="0"/>
               </a:spcBef>
@@ -396,7 +416,7 @@
               <a:buChar char="■"/>
               <a:defRPr sz="1100"/>
             </a:lvl3pPr>
-            <a:lvl4pPr indent="-317500" lvl="3" marL="1828800">
+            <a:lvl4pPr marL="1828800" lvl="3" indent="-317500">
               <a:spcBef>
                 <a:spcPts val="0"/>
               </a:spcBef>
@@ -407,7 +427,7 @@
               <a:buChar char="●"/>
               <a:defRPr sz="1100"/>
             </a:lvl4pPr>
-            <a:lvl5pPr indent="-317500" lvl="4" marL="2286000">
+            <a:lvl5pPr marL="2286000" lvl="4" indent="-317500">
               <a:spcBef>
                 <a:spcPts val="0"/>
               </a:spcBef>
@@ -418,7 +438,7 @@
               <a:buChar char="○"/>
               <a:defRPr sz="1100"/>
             </a:lvl5pPr>
-            <a:lvl6pPr indent="-317500" lvl="5" marL="2743200">
+            <a:lvl6pPr marL="2743200" lvl="5" indent="-317500">
               <a:spcBef>
                 <a:spcPts val="0"/>
               </a:spcBef>
@@ -429,7 +449,7 @@
               <a:buChar char="■"/>
               <a:defRPr sz="1100"/>
             </a:lvl6pPr>
-            <a:lvl7pPr indent="-317500" lvl="6" marL="3200400">
+            <a:lvl7pPr marL="3200400" lvl="6" indent="-317500">
               <a:spcBef>
                 <a:spcPts val="0"/>
               </a:spcBef>
@@ -440,7 +460,7 @@
               <a:buChar char="●"/>
               <a:defRPr sz="1100"/>
             </a:lvl7pPr>
-            <a:lvl8pPr indent="-317500" lvl="7" marL="3657600">
+            <a:lvl8pPr marL="3657600" lvl="7" indent="-317500">
               <a:spcBef>
                 <a:spcPts val="0"/>
               </a:spcBef>
@@ -451,7 +471,7 @@
               <a:buChar char="○"/>
               <a:defRPr sz="1100"/>
             </a:lvl8pPr>
-            <a:lvl9pPr indent="-317500" lvl="8" marL="4114800">
+            <a:lvl9pPr marL="4114800" lvl="8" indent="-317500">
               <a:spcBef>
                 <a:spcPts val="0"/>
               </a:spcBef>
@@ -463,14 +483,16 @@
               <a:defRPr sz="1100"/>
             </a:lvl9pPr>
           </a:lstStyle>
-          <a:p/>
+          <a:p>
+            <a:endParaRPr/>
+          </a:p>
         </p:txBody>
       </p:sp>
     </p:spTree>
   </p:cSld>
-  <p:clrMap accent1="accent1" accent2="accent2" accent3="accent3" accent4="accent4" accent5="accent5" accent6="accent6" bg1="lt1" bg2="dk2" tx1="dk1" tx2="lt2" folHlink="folHlink" hlink="hlink"/>
+  <p:clrMap bg1="lt1" tx1="dk1" bg2="dk2" tx2="lt2" accent1="accent1" accent2="accent2" accent3="accent3" accent4="accent4" accent5="accent5" accent6="accent6" hlink="hlink" folHlink="folHlink"/>
   <p:notesStyle>
-    <a:defPPr lvl="0" marR="0" rtl="0" algn="l">
+    <a:defPPr marR="0" lvl="0" algn="l" rtl="0">
       <a:lnSpc>
         <a:spcPct val="100000"/>
       </a:lnSpc>
@@ -481,7 +503,7 @@
         <a:spcPts val="0"/>
       </a:spcAft>
     </a:defPPr>
-    <a:lvl1pPr lvl="0" marR="0" rtl="0" algn="l">
+    <a:lvl1pPr marR="0" lvl="0" algn="l" rtl="0">
       <a:lnSpc>
         <a:spcPct val="100000"/>
       </a:lnSpc>
@@ -495,7 +517,7 @@
         <a:srgbClr val="000000"/>
       </a:buClr>
       <a:buFont typeface="Arial"/>
-      <a:defRPr b="0" i="0" sz="1400" u="none" cap="none" strike="noStrike">
+      <a:defRPr sz="1400" b="0" i="0" u="none" strike="noStrike" cap="none">
         <a:solidFill>
           <a:srgbClr val="000000"/>
         </a:solidFill>
@@ -505,7 +527,7 @@
         <a:sym typeface="Arial"/>
       </a:defRPr>
     </a:lvl1pPr>
-    <a:lvl2pPr lvl="1" marR="0" rtl="0" algn="l">
+    <a:lvl2pPr marR="0" lvl="1" algn="l" rtl="0">
       <a:lnSpc>
         <a:spcPct val="100000"/>
       </a:lnSpc>
@@ -519,7 +541,7 @@
         <a:srgbClr val="000000"/>
       </a:buClr>
       <a:buFont typeface="Arial"/>
-      <a:defRPr b="0" i="0" sz="1400" u="none" cap="none" strike="noStrike">
+      <a:defRPr sz="1400" b="0" i="0" u="none" strike="noStrike" cap="none">
         <a:solidFill>
           <a:srgbClr val="000000"/>
         </a:solidFill>
@@ -529,7 +551,7 @@
         <a:sym typeface="Arial"/>
       </a:defRPr>
     </a:lvl2pPr>
-    <a:lvl3pPr lvl="2" marR="0" rtl="0" algn="l">
+    <a:lvl3pPr marR="0" lvl="2" algn="l" rtl="0">
       <a:lnSpc>
         <a:spcPct val="100000"/>
       </a:lnSpc>
@@ -543,7 +565,7 @@
         <a:srgbClr val="000000"/>
       </a:buClr>
       <a:buFont typeface="Arial"/>
-      <a:defRPr b="0" i="0" sz="1400" u="none" cap="none" strike="noStrike">
+      <a:defRPr sz="1400" b="0" i="0" u="none" strike="noStrike" cap="none">
         <a:solidFill>
           <a:srgbClr val="000000"/>
         </a:solidFill>
@@ -553,7 +575,7 @@
         <a:sym typeface="Arial"/>
       </a:defRPr>
     </a:lvl3pPr>
-    <a:lvl4pPr lvl="3" marR="0" rtl="0" algn="l">
+    <a:lvl4pPr marR="0" lvl="3" algn="l" rtl="0">
       <a:lnSpc>
         <a:spcPct val="100000"/>
       </a:lnSpc>
@@ -567,7 +589,7 @@
         <a:srgbClr val="000000"/>
       </a:buClr>
       <a:buFont typeface="Arial"/>
-      <a:defRPr b="0" i="0" sz="1400" u="none" cap="none" strike="noStrike">
+      <a:defRPr sz="1400" b="0" i="0" u="none" strike="noStrike" cap="none">
         <a:solidFill>
           <a:srgbClr val="000000"/>
         </a:solidFill>
@@ -577,7 +599,7 @@
         <a:sym typeface="Arial"/>
       </a:defRPr>
     </a:lvl4pPr>
-    <a:lvl5pPr lvl="4" marR="0" rtl="0" algn="l">
+    <a:lvl5pPr marR="0" lvl="4" algn="l" rtl="0">
       <a:lnSpc>
         <a:spcPct val="100000"/>
       </a:lnSpc>
@@ -591,7 +613,7 @@
         <a:srgbClr val="000000"/>
       </a:buClr>
       <a:buFont typeface="Arial"/>
-      <a:defRPr b="0" i="0" sz="1400" u="none" cap="none" strike="noStrike">
+      <a:defRPr sz="1400" b="0" i="0" u="none" strike="noStrike" cap="none">
         <a:solidFill>
           <a:srgbClr val="000000"/>
         </a:solidFill>
@@ -601,7 +623,7 @@
         <a:sym typeface="Arial"/>
       </a:defRPr>
     </a:lvl5pPr>
-    <a:lvl6pPr lvl="5" marR="0" rtl="0" algn="l">
+    <a:lvl6pPr marR="0" lvl="5" algn="l" rtl="0">
       <a:lnSpc>
         <a:spcPct val="100000"/>
       </a:lnSpc>
@@ -615,7 +637,7 @@
         <a:srgbClr val="000000"/>
       </a:buClr>
       <a:buFont typeface="Arial"/>
-      <a:defRPr b="0" i="0" sz="1400" u="none" cap="none" strike="noStrike">
+      <a:defRPr sz="1400" b="0" i="0" u="none" strike="noStrike" cap="none">
         <a:solidFill>
           <a:srgbClr val="000000"/>
         </a:solidFill>
@@ -625,7 +647,7 @@
         <a:sym typeface="Arial"/>
       </a:defRPr>
     </a:lvl6pPr>
-    <a:lvl7pPr lvl="6" marR="0" rtl="0" algn="l">
+    <a:lvl7pPr marR="0" lvl="6" algn="l" rtl="0">
       <a:lnSpc>
         <a:spcPct val="100000"/>
       </a:lnSpc>
@@ -639,7 +661,7 @@
         <a:srgbClr val="000000"/>
       </a:buClr>
       <a:buFont typeface="Arial"/>
-      <a:defRPr b="0" i="0" sz="1400" u="none" cap="none" strike="noStrike">
+      <a:defRPr sz="1400" b="0" i="0" u="none" strike="noStrike" cap="none">
         <a:solidFill>
           <a:srgbClr val="000000"/>
         </a:solidFill>
@@ -649,7 +671,7 @@
         <a:sym typeface="Arial"/>
       </a:defRPr>
     </a:lvl7pPr>
-    <a:lvl8pPr lvl="7" marR="0" rtl="0" algn="l">
+    <a:lvl8pPr marR="0" lvl="7" algn="l" rtl="0">
       <a:lnSpc>
         <a:spcPct val="100000"/>
       </a:lnSpc>
@@ -663,7 +685,7 @@
         <a:srgbClr val="000000"/>
       </a:buClr>
       <a:buFont typeface="Arial"/>
-      <a:defRPr b="0" i="0" sz="1400" u="none" cap="none" strike="noStrike">
+      <a:defRPr sz="1400" b="0" i="0" u="none" strike="noStrike" cap="none">
         <a:solidFill>
           <a:srgbClr val="000000"/>
         </a:solidFill>
@@ -673,7 +695,7 @@
         <a:sym typeface="Arial"/>
       </a:defRPr>
     </a:lvl8pPr>
-    <a:lvl9pPr lvl="8" marR="0" rtl="0" algn="l">
+    <a:lvl9pPr marR="0" lvl="8" algn="l" rtl="0">
       <a:lnSpc>
         <a:spcPct val="100000"/>
       </a:lnSpc>
@@ -687,7 +709,7 @@
         <a:srgbClr val="000000"/>
       </a:buClr>
       <a:buFont typeface="Arial"/>
-      <a:defRPr b="0" i="0" sz="1400" u="none" cap="none" strike="noStrike">
+      <a:defRPr sz="1400" b="0" i="0" u="none" strike="noStrike" cap="none">
         <a:solidFill>
           <a:srgbClr val="000000"/>
         </a:solidFill>
@@ -702,11 +724,11 @@
 </file>
 
 <file path=ppt/notesSlides/notesSlide1.xml><?xml version="1.0" encoding="utf-8"?>
-<p:notes xmlns:a="http://schemas.openxmlformats.org/drawingml/2006/main" xmlns:r="http://schemas.openxmlformats.org/officeDocument/2006/relationships" xmlns:mc="http://schemas.openxmlformats.org/markup-compatibility/2006" xmlns:mv="urn:schemas-microsoft-com:mac:vml" xmlns:p="http://schemas.openxmlformats.org/presentationml/2006/main" xmlns:c="http://schemas.openxmlformats.org/drawingml/2006/chart" xmlns:dgm="http://schemas.openxmlformats.org/drawingml/2006/diagram" xmlns:o="urn:schemas-microsoft-com:office:office" xmlns:v="urn:schemas-microsoft-com:vml" xmlns:pvml="urn:schemas-microsoft-com:office:powerpoint" xmlns:com="http://schemas.openxmlformats.org/drawingml/2006/compatibility" xmlns:p14="http://schemas.microsoft.com/office/powerpoint/2010/main" xmlns:p15="http://schemas.microsoft.com/office/powerpoint/2012/main" showMasterPhAnim="0" showMasterSp="0">
+<p:notes xmlns:a="http://schemas.openxmlformats.org/drawingml/2006/main" xmlns:r="http://schemas.openxmlformats.org/officeDocument/2006/relationships" xmlns:p="http://schemas.openxmlformats.org/presentationml/2006/main" showMasterSp="0" showMasterPhAnim="0">
   <p:cSld>
     <p:spTree>
       <p:nvGrpSpPr>
-        <p:cNvPr id="50" name="Shape 50"/>
+        <p:cNvPr id="1" name="Shape 50"/>
         <p:cNvGrpSpPr/>
         <p:nvPr/>
       </p:nvGrpSpPr>
@@ -721,9 +743,11 @@
       <p:sp>
         <p:nvSpPr>
           <p:cNvPr id="51" name="Google Shape;51;g35f391192_00:notes"/>
-          <p:cNvSpPr/>
+          <p:cNvSpPr>
+            <a:spLocks noGrp="1" noRot="1" noChangeAspect="1"/>
+          </p:cNvSpPr>
           <p:nvPr>
-            <p:ph idx="2" type="sldImg"/>
+            <p:ph type="sldImg" idx="2"/>
           </p:nvPr>
         </p:nvSpPr>
         <p:spPr>
@@ -732,9 +756,13 @@
             <a:ext cx="6096300" cy="3429000"/>
           </a:xfrm>
           <a:custGeom>
-            <a:rect b="b" l="l" r="r" t="t"/>
+            <a:avLst/>
+            <a:gdLst/>
+            <a:ahLst/>
+            <a:cxnLst/>
+            <a:rect l="l" t="t" r="r" b="b"/>
             <a:pathLst>
-              <a:path extrusionOk="0" h="120000" w="120000">
+              <a:path w="120000" h="120000" extrusionOk="0">
                 <a:moveTo>
                   <a:pt x="0" y="0"/>
                 </a:moveTo>
@@ -756,9 +784,11 @@
       <p:sp>
         <p:nvSpPr>
           <p:cNvPr id="52" name="Google Shape;52;g35f391192_00:notes"/>
-          <p:cNvSpPr txBox="1"/>
+          <p:cNvSpPr txBox="1">
+            <a:spLocks noGrp="1"/>
+          </p:cNvSpPr>
           <p:nvPr>
-            <p:ph idx="1" type="body"/>
+            <p:ph type="body" idx="1"/>
           </p:nvPr>
         </p:nvSpPr>
         <p:spPr>
@@ -771,23 +801,20 @@
           </a:prstGeom>
         </p:spPr>
         <p:txBody>
-          <a:bodyPr anchorCtr="0" anchor="t" bIns="91425" lIns="91425" spcFirstLastPara="1" rIns="91425" wrap="square" tIns="91425">
+          <a:bodyPr spcFirstLastPara="1" wrap="square" lIns="91425" tIns="91425" rIns="91425" bIns="91425" anchor="t" anchorCtr="0">
             <a:noAutofit/>
           </a:bodyPr>
           <a:lstStyle/>
           <a:p>
-            <a:pPr indent="0" lvl="0" marL="0" rtl="0" algn="l">
-              <a:spcBef>
-                <a:spcPts val="0"/>
-              </a:spcBef>
-              <a:spcAft>
-                <a:spcPts val="0"/>
-              </a:spcAft>
-              <a:buNone/>
-            </a:pPr>
-            <a:r>
-              <a:t/>
-            </a:r>
+            <a:pPr marL="0" lvl="0" indent="0" algn="l" rtl="0">
+              <a:spcBef>
+                <a:spcPts val="0"/>
+              </a:spcBef>
+              <a:spcAft>
+                <a:spcPts val="0"/>
+              </a:spcAft>
+              <a:buNone/>
+            </a:pPr>
             <a:endParaRPr/>
           </a:p>
         </p:txBody>
@@ -801,11 +828,11 @@
 </file>
 
 <file path=ppt/notesSlides/notesSlide10.xml><?xml version="1.0" encoding="utf-8"?>
-<p:notes xmlns:a="http://schemas.openxmlformats.org/drawingml/2006/main" xmlns:r="http://schemas.openxmlformats.org/officeDocument/2006/relationships" xmlns:mc="http://schemas.openxmlformats.org/markup-compatibility/2006" xmlns:mv="urn:schemas-microsoft-com:mac:vml" xmlns:p="http://schemas.openxmlformats.org/presentationml/2006/main" xmlns:c="http://schemas.openxmlformats.org/drawingml/2006/chart" xmlns:dgm="http://schemas.openxmlformats.org/drawingml/2006/diagram" xmlns:o="urn:schemas-microsoft-com:office:office" xmlns:v="urn:schemas-microsoft-com:vml" xmlns:pvml="urn:schemas-microsoft-com:office:powerpoint" xmlns:com="http://schemas.openxmlformats.org/drawingml/2006/compatibility" xmlns:p14="http://schemas.microsoft.com/office/powerpoint/2010/main" xmlns:p15="http://schemas.microsoft.com/office/powerpoint/2012/main" showMasterPhAnim="0" showMasterSp="0">
+<p:notes xmlns:a="http://schemas.openxmlformats.org/drawingml/2006/main" xmlns:r="http://schemas.openxmlformats.org/officeDocument/2006/relationships" xmlns:p="http://schemas.openxmlformats.org/presentationml/2006/main" showMasterSp="0" showMasterPhAnim="0">
   <p:cSld>
     <p:spTree>
       <p:nvGrpSpPr>
-        <p:cNvPr id="113" name="Shape 113"/>
+        <p:cNvPr id="1" name="Shape 113"/>
         <p:cNvGrpSpPr/>
         <p:nvPr/>
       </p:nvGrpSpPr>
@@ -820,20 +847,26 @@
       <p:sp>
         <p:nvSpPr>
           <p:cNvPr id="114" name="Google Shape;114;g75d15ec91f_0_104:notes"/>
-          <p:cNvSpPr/>
+          <p:cNvSpPr>
+            <a:spLocks noGrp="1" noRot="1" noChangeAspect="1"/>
+          </p:cNvSpPr>
           <p:nvPr>
-            <p:ph idx="2" type="sldImg"/>
+            <p:ph type="sldImg" idx="2"/>
           </p:nvPr>
         </p:nvSpPr>
         <p:spPr>
           <a:xfrm>
-            <a:off x="381175" y="685800"/>
-            <a:ext cx="6096300" cy="3429000"/>
+            <a:off x="381000" y="685800"/>
+            <a:ext cx="6096000" cy="3429000"/>
           </a:xfrm>
           <a:custGeom>
-            <a:rect b="b" l="l" r="r" t="t"/>
+            <a:avLst/>
+            <a:gdLst/>
+            <a:ahLst/>
+            <a:cxnLst/>
+            <a:rect l="l" t="t" r="r" b="b"/>
             <a:pathLst>
-              <a:path extrusionOk="0" h="120000" w="120000">
+              <a:path w="120000" h="120000" extrusionOk="0">
                 <a:moveTo>
                   <a:pt x="0" y="0"/>
                 </a:moveTo>
@@ -855,9 +888,11 @@
       <p:sp>
         <p:nvSpPr>
           <p:cNvPr id="115" name="Google Shape;115;g75d15ec91f_0_104:notes"/>
-          <p:cNvSpPr txBox="1"/>
+          <p:cNvSpPr txBox="1">
+            <a:spLocks noGrp="1"/>
+          </p:cNvSpPr>
           <p:nvPr>
-            <p:ph idx="1" type="body"/>
+            <p:ph type="body" idx="1"/>
           </p:nvPr>
         </p:nvSpPr>
         <p:spPr>
@@ -870,23 +905,20 @@
           </a:prstGeom>
         </p:spPr>
         <p:txBody>
-          <a:bodyPr anchorCtr="0" anchor="t" bIns="91425" lIns="91425" spcFirstLastPara="1" rIns="91425" wrap="square" tIns="91425">
+          <a:bodyPr spcFirstLastPara="1" wrap="square" lIns="91425" tIns="91425" rIns="91425" bIns="91425" anchor="t" anchorCtr="0">
             <a:noAutofit/>
           </a:bodyPr>
           <a:lstStyle/>
           <a:p>
-            <a:pPr indent="0" lvl="0" marL="0" rtl="0" algn="l">
-              <a:spcBef>
-                <a:spcPts val="0"/>
-              </a:spcBef>
-              <a:spcAft>
-                <a:spcPts val="0"/>
-              </a:spcAft>
-              <a:buNone/>
-            </a:pPr>
-            <a:r>
-              <a:t/>
-            </a:r>
+            <a:pPr marL="0" lvl="0" indent="0" algn="l" rtl="0">
+              <a:spcBef>
+                <a:spcPts val="0"/>
+              </a:spcBef>
+              <a:spcAft>
+                <a:spcPts val="0"/>
+              </a:spcAft>
+              <a:buNone/>
+            </a:pPr>
             <a:endParaRPr/>
           </a:p>
         </p:txBody>
@@ -900,11 +932,11 @@
 </file>
 
 <file path=ppt/notesSlides/notesSlide11.xml><?xml version="1.0" encoding="utf-8"?>
-<p:notes xmlns:a="http://schemas.openxmlformats.org/drawingml/2006/main" xmlns:r="http://schemas.openxmlformats.org/officeDocument/2006/relationships" xmlns:mc="http://schemas.openxmlformats.org/markup-compatibility/2006" xmlns:mv="urn:schemas-microsoft-com:mac:vml" xmlns:p="http://schemas.openxmlformats.org/presentationml/2006/main" xmlns:c="http://schemas.openxmlformats.org/drawingml/2006/chart" xmlns:dgm="http://schemas.openxmlformats.org/drawingml/2006/diagram" xmlns:o="urn:schemas-microsoft-com:office:office" xmlns:v="urn:schemas-microsoft-com:vml" xmlns:pvml="urn:schemas-microsoft-com:office:powerpoint" xmlns:com="http://schemas.openxmlformats.org/drawingml/2006/compatibility" xmlns:p14="http://schemas.microsoft.com/office/powerpoint/2010/main" xmlns:p15="http://schemas.microsoft.com/office/powerpoint/2012/main" showMasterPhAnim="0" showMasterSp="0">
+<p:notes xmlns:a="http://schemas.openxmlformats.org/drawingml/2006/main" xmlns:r="http://schemas.openxmlformats.org/officeDocument/2006/relationships" xmlns:p="http://schemas.openxmlformats.org/presentationml/2006/main" showMasterSp="0" showMasterPhAnim="0">
   <p:cSld>
     <p:spTree>
       <p:nvGrpSpPr>
-        <p:cNvPr id="118" name="Shape 118"/>
+        <p:cNvPr id="1" name="Shape 119"/>
         <p:cNvGrpSpPr/>
         <p:nvPr/>
       </p:nvGrpSpPr>
@@ -918,10 +950,12 @@
       </p:grpSpPr>
       <p:sp>
         <p:nvSpPr>
-          <p:cNvPr id="119" name="Google Shape;119;g75d15ec91f_0_36:notes"/>
-          <p:cNvSpPr/>
+          <p:cNvPr id="120" name="Google Shape;120;g75d15ec91f_0_36:notes"/>
+          <p:cNvSpPr>
+            <a:spLocks noGrp="1" noRot="1" noChangeAspect="1"/>
+          </p:cNvSpPr>
           <p:nvPr>
-            <p:ph idx="2" type="sldImg"/>
+            <p:ph type="sldImg" idx="2"/>
           </p:nvPr>
         </p:nvSpPr>
         <p:spPr>
@@ -930,9 +964,13 @@
             <a:ext cx="6096300" cy="3429000"/>
           </a:xfrm>
           <a:custGeom>
-            <a:rect b="b" l="l" r="r" t="t"/>
+            <a:avLst/>
+            <a:gdLst/>
+            <a:ahLst/>
+            <a:cxnLst/>
+            <a:rect l="l" t="t" r="r" b="b"/>
             <a:pathLst>
-              <a:path extrusionOk="0" h="120000" w="120000">
+              <a:path w="120000" h="120000" extrusionOk="0">
                 <a:moveTo>
                   <a:pt x="0" y="0"/>
                 </a:moveTo>
@@ -953,10 +991,12 @@
       </p:sp>
       <p:sp>
         <p:nvSpPr>
-          <p:cNvPr id="120" name="Google Shape;120;g75d15ec91f_0_36:notes"/>
-          <p:cNvSpPr txBox="1"/>
+          <p:cNvPr id="121" name="Google Shape;121;g75d15ec91f_0_36:notes"/>
+          <p:cNvSpPr txBox="1">
+            <a:spLocks noGrp="1"/>
+          </p:cNvSpPr>
           <p:nvPr>
-            <p:ph idx="1" type="body"/>
+            <p:ph type="body" idx="1"/>
           </p:nvPr>
         </p:nvSpPr>
         <p:spPr>
@@ -969,23 +1009,20 @@
           </a:prstGeom>
         </p:spPr>
         <p:txBody>
-          <a:bodyPr anchorCtr="0" anchor="t" bIns="91425" lIns="91425" spcFirstLastPara="1" rIns="91425" wrap="square" tIns="91425">
+          <a:bodyPr spcFirstLastPara="1" wrap="square" lIns="91425" tIns="91425" rIns="91425" bIns="91425" anchor="t" anchorCtr="0">
             <a:noAutofit/>
           </a:bodyPr>
           <a:lstStyle/>
           <a:p>
-            <a:pPr indent="0" lvl="0" marL="0" rtl="0" algn="l">
-              <a:spcBef>
-                <a:spcPts val="0"/>
-              </a:spcBef>
-              <a:spcAft>
-                <a:spcPts val="0"/>
-              </a:spcAft>
-              <a:buNone/>
-            </a:pPr>
-            <a:r>
-              <a:t/>
-            </a:r>
+            <a:pPr marL="0" lvl="0" indent="0" algn="l" rtl="0">
+              <a:spcBef>
+                <a:spcPts val="0"/>
+              </a:spcBef>
+              <a:spcAft>
+                <a:spcPts val="0"/>
+              </a:spcAft>
+              <a:buNone/>
+            </a:pPr>
             <a:endParaRPr/>
           </a:p>
         </p:txBody>
@@ -999,11 +1036,11 @@
 </file>
 
 <file path=ppt/notesSlides/notesSlide12.xml><?xml version="1.0" encoding="utf-8"?>
-<p:notes xmlns:a="http://schemas.openxmlformats.org/drawingml/2006/main" xmlns:r="http://schemas.openxmlformats.org/officeDocument/2006/relationships" xmlns:mc="http://schemas.openxmlformats.org/markup-compatibility/2006" xmlns:mv="urn:schemas-microsoft-com:mac:vml" xmlns:p="http://schemas.openxmlformats.org/presentationml/2006/main" xmlns:c="http://schemas.openxmlformats.org/drawingml/2006/chart" xmlns:dgm="http://schemas.openxmlformats.org/drawingml/2006/diagram" xmlns:o="urn:schemas-microsoft-com:office:office" xmlns:v="urn:schemas-microsoft-com:vml" xmlns:pvml="urn:schemas-microsoft-com:office:powerpoint" xmlns:com="http://schemas.openxmlformats.org/drawingml/2006/compatibility" xmlns:p14="http://schemas.microsoft.com/office/powerpoint/2010/main" xmlns:p15="http://schemas.microsoft.com/office/powerpoint/2012/main" showMasterPhAnim="0" showMasterSp="0">
+<p:notes xmlns:a="http://schemas.openxmlformats.org/drawingml/2006/main" xmlns:r="http://schemas.openxmlformats.org/officeDocument/2006/relationships" xmlns:p="http://schemas.openxmlformats.org/presentationml/2006/main" showMasterSp="0" showMasterPhAnim="0">
   <p:cSld>
     <p:spTree>
       <p:nvGrpSpPr>
-        <p:cNvPr id="126" name="Shape 126"/>
+        <p:cNvPr id="1" name="Shape 127"/>
         <p:cNvGrpSpPr/>
         <p:nvPr/>
       </p:nvGrpSpPr>
@@ -1017,10 +1054,12 @@
       </p:grpSpPr>
       <p:sp>
         <p:nvSpPr>
-          <p:cNvPr id="127" name="Google Shape;127;g75d15ec91f_0_45:notes"/>
-          <p:cNvSpPr/>
+          <p:cNvPr id="128" name="Google Shape;128;g75d15ec91f_0_45:notes"/>
+          <p:cNvSpPr>
+            <a:spLocks noGrp="1" noRot="1" noChangeAspect="1"/>
+          </p:cNvSpPr>
           <p:nvPr>
-            <p:ph idx="2" type="sldImg"/>
+            <p:ph type="sldImg" idx="2"/>
           </p:nvPr>
         </p:nvSpPr>
         <p:spPr>
@@ -1029,9 +1068,13 @@
             <a:ext cx="6096300" cy="3429000"/>
           </a:xfrm>
           <a:custGeom>
-            <a:rect b="b" l="l" r="r" t="t"/>
+            <a:avLst/>
+            <a:gdLst/>
+            <a:ahLst/>
+            <a:cxnLst/>
+            <a:rect l="l" t="t" r="r" b="b"/>
             <a:pathLst>
-              <a:path extrusionOk="0" h="120000" w="120000">
+              <a:path w="120000" h="120000" extrusionOk="0">
                 <a:moveTo>
                   <a:pt x="0" y="0"/>
                 </a:moveTo>
@@ -1052,10 +1095,12 @@
       </p:sp>
       <p:sp>
         <p:nvSpPr>
-          <p:cNvPr id="128" name="Google Shape;128;g75d15ec91f_0_45:notes"/>
-          <p:cNvSpPr txBox="1"/>
+          <p:cNvPr id="129" name="Google Shape;129;g75d15ec91f_0_45:notes"/>
+          <p:cNvSpPr txBox="1">
+            <a:spLocks noGrp="1"/>
+          </p:cNvSpPr>
           <p:nvPr>
-            <p:ph idx="1" type="body"/>
+            <p:ph type="body" idx="1"/>
           </p:nvPr>
         </p:nvSpPr>
         <p:spPr>
@@ -1068,23 +1113,20 @@
           </a:prstGeom>
         </p:spPr>
         <p:txBody>
-          <a:bodyPr anchorCtr="0" anchor="t" bIns="91425" lIns="91425" spcFirstLastPara="1" rIns="91425" wrap="square" tIns="91425">
+          <a:bodyPr spcFirstLastPara="1" wrap="square" lIns="91425" tIns="91425" rIns="91425" bIns="91425" anchor="t" anchorCtr="0">
             <a:noAutofit/>
           </a:bodyPr>
           <a:lstStyle/>
           <a:p>
-            <a:pPr indent="0" lvl="0" marL="0" rtl="0" algn="l">
-              <a:spcBef>
-                <a:spcPts val="0"/>
-              </a:spcBef>
-              <a:spcAft>
-                <a:spcPts val="0"/>
-              </a:spcAft>
-              <a:buNone/>
-            </a:pPr>
-            <a:r>
-              <a:t/>
-            </a:r>
+            <a:pPr marL="0" lvl="0" indent="0" algn="l" rtl="0">
+              <a:spcBef>
+                <a:spcPts val="0"/>
+              </a:spcBef>
+              <a:spcAft>
+                <a:spcPts val="0"/>
+              </a:spcAft>
+              <a:buNone/>
+            </a:pPr>
             <a:endParaRPr/>
           </a:p>
         </p:txBody>
@@ -1098,11 +1140,11 @@
 </file>
 
 <file path=ppt/notesSlides/notesSlide13.xml><?xml version="1.0" encoding="utf-8"?>
-<p:notes xmlns:a="http://schemas.openxmlformats.org/drawingml/2006/main" xmlns:r="http://schemas.openxmlformats.org/officeDocument/2006/relationships" xmlns:mc="http://schemas.openxmlformats.org/markup-compatibility/2006" xmlns:mv="urn:schemas-microsoft-com:mac:vml" xmlns:p="http://schemas.openxmlformats.org/presentationml/2006/main" xmlns:c="http://schemas.openxmlformats.org/drawingml/2006/chart" xmlns:dgm="http://schemas.openxmlformats.org/drawingml/2006/diagram" xmlns:o="urn:schemas-microsoft-com:office:office" xmlns:v="urn:schemas-microsoft-com:vml" xmlns:pvml="urn:schemas-microsoft-com:office:powerpoint" xmlns:com="http://schemas.openxmlformats.org/drawingml/2006/compatibility" xmlns:p14="http://schemas.microsoft.com/office/powerpoint/2010/main" xmlns:p15="http://schemas.microsoft.com/office/powerpoint/2012/main" showMasterPhAnim="0" showMasterSp="0">
+<p:notes xmlns:a="http://schemas.openxmlformats.org/drawingml/2006/main" xmlns:r="http://schemas.openxmlformats.org/officeDocument/2006/relationships" xmlns:p="http://schemas.openxmlformats.org/presentationml/2006/main" showMasterSp="0" showMasterPhAnim="0">
   <p:cSld>
     <p:spTree>
       <p:nvGrpSpPr>
-        <p:cNvPr id="133" name="Shape 133"/>
+        <p:cNvPr id="1" name="Shape 134"/>
         <p:cNvGrpSpPr/>
         <p:nvPr/>
       </p:nvGrpSpPr>
@@ -1116,10 +1158,12 @@
       </p:grpSpPr>
       <p:sp>
         <p:nvSpPr>
-          <p:cNvPr id="134" name="Google Shape;134;g75d15ec91f_0_51:notes"/>
-          <p:cNvSpPr/>
+          <p:cNvPr id="135" name="Google Shape;135;g75d15ec91f_0_51:notes"/>
+          <p:cNvSpPr>
+            <a:spLocks noGrp="1" noRot="1" noChangeAspect="1"/>
+          </p:cNvSpPr>
           <p:nvPr>
-            <p:ph idx="2" type="sldImg"/>
+            <p:ph type="sldImg" idx="2"/>
           </p:nvPr>
         </p:nvSpPr>
         <p:spPr>
@@ -1128,9 +1172,13 @@
             <a:ext cx="6096300" cy="3429000"/>
           </a:xfrm>
           <a:custGeom>
-            <a:rect b="b" l="l" r="r" t="t"/>
+            <a:avLst/>
+            <a:gdLst/>
+            <a:ahLst/>
+            <a:cxnLst/>
+            <a:rect l="l" t="t" r="r" b="b"/>
             <a:pathLst>
-              <a:path extrusionOk="0" h="120000" w="120000">
+              <a:path w="120000" h="120000" extrusionOk="0">
                 <a:moveTo>
                   <a:pt x="0" y="0"/>
                 </a:moveTo>
@@ -1151,10 +1199,12 @@
       </p:sp>
       <p:sp>
         <p:nvSpPr>
-          <p:cNvPr id="135" name="Google Shape;135;g75d15ec91f_0_51:notes"/>
-          <p:cNvSpPr txBox="1"/>
+          <p:cNvPr id="136" name="Google Shape;136;g75d15ec91f_0_51:notes"/>
+          <p:cNvSpPr txBox="1">
+            <a:spLocks noGrp="1"/>
+          </p:cNvSpPr>
           <p:nvPr>
-            <p:ph idx="1" type="body"/>
+            <p:ph type="body" idx="1"/>
           </p:nvPr>
         </p:nvSpPr>
         <p:spPr>
@@ -1167,23 +1217,20 @@
           </a:prstGeom>
         </p:spPr>
         <p:txBody>
-          <a:bodyPr anchorCtr="0" anchor="t" bIns="91425" lIns="91425" spcFirstLastPara="1" rIns="91425" wrap="square" tIns="91425">
+          <a:bodyPr spcFirstLastPara="1" wrap="square" lIns="91425" tIns="91425" rIns="91425" bIns="91425" anchor="t" anchorCtr="0">
             <a:noAutofit/>
           </a:bodyPr>
           <a:lstStyle/>
           <a:p>
-            <a:pPr indent="0" lvl="0" marL="0" rtl="0" algn="l">
-              <a:spcBef>
-                <a:spcPts val="0"/>
-              </a:spcBef>
-              <a:spcAft>
-                <a:spcPts val="0"/>
-              </a:spcAft>
-              <a:buNone/>
-            </a:pPr>
-            <a:r>
-              <a:t/>
-            </a:r>
+            <a:pPr marL="0" lvl="0" indent="0" algn="l" rtl="0">
+              <a:spcBef>
+                <a:spcPts val="0"/>
+              </a:spcBef>
+              <a:spcAft>
+                <a:spcPts val="0"/>
+              </a:spcAft>
+              <a:buNone/>
+            </a:pPr>
             <a:endParaRPr/>
           </a:p>
         </p:txBody>
@@ -1197,11 +1244,11 @@
 </file>
 
 <file path=ppt/notesSlides/notesSlide14.xml><?xml version="1.0" encoding="utf-8"?>
-<p:notes xmlns:a="http://schemas.openxmlformats.org/drawingml/2006/main" xmlns:r="http://schemas.openxmlformats.org/officeDocument/2006/relationships" xmlns:mc="http://schemas.openxmlformats.org/markup-compatibility/2006" xmlns:mv="urn:schemas-microsoft-com:mac:vml" xmlns:p="http://schemas.openxmlformats.org/presentationml/2006/main" xmlns:c="http://schemas.openxmlformats.org/drawingml/2006/chart" xmlns:dgm="http://schemas.openxmlformats.org/drawingml/2006/diagram" xmlns:o="urn:schemas-microsoft-com:office:office" xmlns:v="urn:schemas-microsoft-com:vml" xmlns:pvml="urn:schemas-microsoft-com:office:powerpoint" xmlns:com="http://schemas.openxmlformats.org/drawingml/2006/compatibility" xmlns:p14="http://schemas.microsoft.com/office/powerpoint/2010/main" xmlns:p15="http://schemas.microsoft.com/office/powerpoint/2012/main" showMasterPhAnim="0" showMasterSp="0">
+<p:notes xmlns:a="http://schemas.openxmlformats.org/drawingml/2006/main" xmlns:r="http://schemas.openxmlformats.org/officeDocument/2006/relationships" xmlns:p="http://schemas.openxmlformats.org/presentationml/2006/main" showMasterSp="0" showMasterPhAnim="0">
   <p:cSld>
     <p:spTree>
       <p:nvGrpSpPr>
-        <p:cNvPr id="140" name="Shape 140"/>
+        <p:cNvPr id="1" name="Shape 141"/>
         <p:cNvGrpSpPr/>
         <p:nvPr/>
       </p:nvGrpSpPr>
@@ -1215,10 +1262,12 @@
       </p:grpSpPr>
       <p:sp>
         <p:nvSpPr>
-          <p:cNvPr id="141" name="Google Shape;141;g75d15ec91f_0_61:notes"/>
-          <p:cNvSpPr/>
+          <p:cNvPr id="142" name="Google Shape;142;g75d15ec91f_0_61:notes"/>
+          <p:cNvSpPr>
+            <a:spLocks noGrp="1" noRot="1" noChangeAspect="1"/>
+          </p:cNvSpPr>
           <p:nvPr>
-            <p:ph idx="2" type="sldImg"/>
+            <p:ph type="sldImg" idx="2"/>
           </p:nvPr>
         </p:nvSpPr>
         <p:spPr>
@@ -1227,9 +1276,13 @@
             <a:ext cx="6096300" cy="3429000"/>
           </a:xfrm>
           <a:custGeom>
-            <a:rect b="b" l="l" r="r" t="t"/>
+            <a:avLst/>
+            <a:gdLst/>
+            <a:ahLst/>
+            <a:cxnLst/>
+            <a:rect l="l" t="t" r="r" b="b"/>
             <a:pathLst>
-              <a:path extrusionOk="0" h="120000" w="120000">
+              <a:path w="120000" h="120000" extrusionOk="0">
                 <a:moveTo>
                   <a:pt x="0" y="0"/>
                 </a:moveTo>
@@ -1250,10 +1303,12 @@
       </p:sp>
       <p:sp>
         <p:nvSpPr>
-          <p:cNvPr id="142" name="Google Shape;142;g75d15ec91f_0_61:notes"/>
-          <p:cNvSpPr txBox="1"/>
+          <p:cNvPr id="143" name="Google Shape;143;g75d15ec91f_0_61:notes"/>
+          <p:cNvSpPr txBox="1">
+            <a:spLocks noGrp="1"/>
+          </p:cNvSpPr>
           <p:nvPr>
-            <p:ph idx="1" type="body"/>
+            <p:ph type="body" idx="1"/>
           </p:nvPr>
         </p:nvSpPr>
         <p:spPr>
@@ -1266,23 +1321,20 @@
           </a:prstGeom>
         </p:spPr>
         <p:txBody>
-          <a:bodyPr anchorCtr="0" anchor="t" bIns="91425" lIns="91425" spcFirstLastPara="1" rIns="91425" wrap="square" tIns="91425">
+          <a:bodyPr spcFirstLastPara="1" wrap="square" lIns="91425" tIns="91425" rIns="91425" bIns="91425" anchor="t" anchorCtr="0">
             <a:noAutofit/>
           </a:bodyPr>
           <a:lstStyle/>
           <a:p>
-            <a:pPr indent="0" lvl="0" marL="0" rtl="0" algn="l">
-              <a:spcBef>
-                <a:spcPts val="0"/>
-              </a:spcBef>
-              <a:spcAft>
-                <a:spcPts val="0"/>
-              </a:spcAft>
-              <a:buNone/>
-            </a:pPr>
-            <a:r>
-              <a:t/>
-            </a:r>
+            <a:pPr marL="0" lvl="0" indent="0" algn="l" rtl="0">
+              <a:spcBef>
+                <a:spcPts val="0"/>
+              </a:spcBef>
+              <a:spcAft>
+                <a:spcPts val="0"/>
+              </a:spcAft>
+              <a:buNone/>
+            </a:pPr>
             <a:endParaRPr/>
           </a:p>
         </p:txBody>
@@ -1296,11 +1348,11 @@
 </file>
 
 <file path=ppt/notesSlides/notesSlide15.xml><?xml version="1.0" encoding="utf-8"?>
-<p:notes xmlns:a="http://schemas.openxmlformats.org/drawingml/2006/main" xmlns:r="http://schemas.openxmlformats.org/officeDocument/2006/relationships" xmlns:mc="http://schemas.openxmlformats.org/markup-compatibility/2006" xmlns:mv="urn:schemas-microsoft-com:mac:vml" xmlns:p="http://schemas.openxmlformats.org/presentationml/2006/main" xmlns:c="http://schemas.openxmlformats.org/drawingml/2006/chart" xmlns:dgm="http://schemas.openxmlformats.org/drawingml/2006/diagram" xmlns:o="urn:schemas-microsoft-com:office:office" xmlns:v="urn:schemas-microsoft-com:vml" xmlns:pvml="urn:schemas-microsoft-com:office:powerpoint" xmlns:com="http://schemas.openxmlformats.org/drawingml/2006/compatibility" xmlns:p14="http://schemas.microsoft.com/office/powerpoint/2010/main" xmlns:p15="http://schemas.microsoft.com/office/powerpoint/2012/main" showMasterPhAnim="0" showMasterSp="0">
+<p:notes xmlns:a="http://schemas.openxmlformats.org/drawingml/2006/main" xmlns:r="http://schemas.openxmlformats.org/officeDocument/2006/relationships" xmlns:p="http://schemas.openxmlformats.org/presentationml/2006/main" showMasterSp="0" showMasterPhAnim="0">
   <p:cSld>
     <p:spTree>
       <p:nvGrpSpPr>
-        <p:cNvPr id="147" name="Shape 147"/>
+        <p:cNvPr id="1" name="Shape 148"/>
         <p:cNvGrpSpPr/>
         <p:nvPr/>
       </p:nvGrpSpPr>
@@ -1314,10 +1366,12 @@
       </p:grpSpPr>
       <p:sp>
         <p:nvSpPr>
-          <p:cNvPr id="148" name="Google Shape;148;g75d15ec91f_0_79:notes"/>
-          <p:cNvSpPr/>
+          <p:cNvPr id="149" name="Google Shape;149;g75d15ec91f_0_79:notes"/>
+          <p:cNvSpPr>
+            <a:spLocks noGrp="1" noRot="1" noChangeAspect="1"/>
+          </p:cNvSpPr>
           <p:nvPr>
-            <p:ph idx="2" type="sldImg"/>
+            <p:ph type="sldImg" idx="2"/>
           </p:nvPr>
         </p:nvSpPr>
         <p:spPr>
@@ -1326,9 +1380,13 @@
             <a:ext cx="6096300" cy="3429000"/>
           </a:xfrm>
           <a:custGeom>
-            <a:rect b="b" l="l" r="r" t="t"/>
+            <a:avLst/>
+            <a:gdLst/>
+            <a:ahLst/>
+            <a:cxnLst/>
+            <a:rect l="l" t="t" r="r" b="b"/>
             <a:pathLst>
-              <a:path extrusionOk="0" h="120000" w="120000">
+              <a:path w="120000" h="120000" extrusionOk="0">
                 <a:moveTo>
                   <a:pt x="0" y="0"/>
                 </a:moveTo>
@@ -1349,10 +1407,12 @@
       </p:sp>
       <p:sp>
         <p:nvSpPr>
-          <p:cNvPr id="149" name="Google Shape;149;g75d15ec91f_0_79:notes"/>
-          <p:cNvSpPr txBox="1"/>
+          <p:cNvPr id="150" name="Google Shape;150;g75d15ec91f_0_79:notes"/>
+          <p:cNvSpPr txBox="1">
+            <a:spLocks noGrp="1"/>
+          </p:cNvSpPr>
           <p:nvPr>
-            <p:ph idx="1" type="body"/>
+            <p:ph type="body" idx="1"/>
           </p:nvPr>
         </p:nvSpPr>
         <p:spPr>
@@ -1365,23 +1425,20 @@
           </a:prstGeom>
         </p:spPr>
         <p:txBody>
-          <a:bodyPr anchorCtr="0" anchor="t" bIns="91425" lIns="91425" spcFirstLastPara="1" rIns="91425" wrap="square" tIns="91425">
+          <a:bodyPr spcFirstLastPara="1" wrap="square" lIns="91425" tIns="91425" rIns="91425" bIns="91425" anchor="t" anchorCtr="0">
             <a:noAutofit/>
           </a:bodyPr>
           <a:lstStyle/>
           <a:p>
-            <a:pPr indent="0" lvl="0" marL="0" rtl="0" algn="l">
-              <a:spcBef>
-                <a:spcPts val="0"/>
-              </a:spcBef>
-              <a:spcAft>
-                <a:spcPts val="0"/>
-              </a:spcAft>
-              <a:buNone/>
-            </a:pPr>
-            <a:r>
-              <a:t/>
-            </a:r>
+            <a:pPr marL="0" lvl="0" indent="0" algn="l" rtl="0">
+              <a:spcBef>
+                <a:spcPts val="0"/>
+              </a:spcBef>
+              <a:spcAft>
+                <a:spcPts val="0"/>
+              </a:spcAft>
+              <a:buNone/>
+            </a:pPr>
             <a:endParaRPr/>
           </a:p>
         </p:txBody>
@@ -1395,11 +1452,11 @@
 </file>
 
 <file path=ppt/notesSlides/notesSlide16.xml><?xml version="1.0" encoding="utf-8"?>
-<p:notes xmlns:a="http://schemas.openxmlformats.org/drawingml/2006/main" xmlns:r="http://schemas.openxmlformats.org/officeDocument/2006/relationships" xmlns:mc="http://schemas.openxmlformats.org/markup-compatibility/2006" xmlns:mv="urn:schemas-microsoft-com:mac:vml" xmlns:p="http://schemas.openxmlformats.org/presentationml/2006/main" xmlns:c="http://schemas.openxmlformats.org/drawingml/2006/chart" xmlns:dgm="http://schemas.openxmlformats.org/drawingml/2006/diagram" xmlns:o="urn:schemas-microsoft-com:office:office" xmlns:v="urn:schemas-microsoft-com:vml" xmlns:pvml="urn:schemas-microsoft-com:office:powerpoint" xmlns:com="http://schemas.openxmlformats.org/drawingml/2006/compatibility" xmlns:p14="http://schemas.microsoft.com/office/powerpoint/2010/main" xmlns:p15="http://schemas.microsoft.com/office/powerpoint/2012/main" showMasterPhAnim="0" showMasterSp="0">
+<p:notes xmlns:a="http://schemas.openxmlformats.org/drawingml/2006/main" xmlns:r="http://schemas.openxmlformats.org/officeDocument/2006/relationships" xmlns:p="http://schemas.openxmlformats.org/presentationml/2006/main" showMasterSp="0" showMasterPhAnim="0">
   <p:cSld>
     <p:spTree>
       <p:nvGrpSpPr>
-        <p:cNvPr id="155" name="Shape 155"/>
+        <p:cNvPr id="1" name="Shape 156"/>
         <p:cNvGrpSpPr/>
         <p:nvPr/>
       </p:nvGrpSpPr>
@@ -1413,10 +1470,12 @@
       </p:grpSpPr>
       <p:sp>
         <p:nvSpPr>
-          <p:cNvPr id="156" name="Google Shape;156;g75d15ec91f_0_86:notes"/>
-          <p:cNvSpPr/>
+          <p:cNvPr id="157" name="Google Shape;157;g75d15ec91f_0_86:notes"/>
+          <p:cNvSpPr>
+            <a:spLocks noGrp="1" noRot="1" noChangeAspect="1"/>
+          </p:cNvSpPr>
           <p:nvPr>
-            <p:ph idx="2" type="sldImg"/>
+            <p:ph type="sldImg" idx="2"/>
           </p:nvPr>
         </p:nvSpPr>
         <p:spPr>
@@ -1425,9 +1484,13 @@
             <a:ext cx="6096300" cy="3429000"/>
           </a:xfrm>
           <a:custGeom>
-            <a:rect b="b" l="l" r="r" t="t"/>
+            <a:avLst/>
+            <a:gdLst/>
+            <a:ahLst/>
+            <a:cxnLst/>
+            <a:rect l="l" t="t" r="r" b="b"/>
             <a:pathLst>
-              <a:path extrusionOk="0" h="120000" w="120000">
+              <a:path w="120000" h="120000" extrusionOk="0">
                 <a:moveTo>
                   <a:pt x="0" y="0"/>
                 </a:moveTo>
@@ -1448,10 +1511,12 @@
       </p:sp>
       <p:sp>
         <p:nvSpPr>
-          <p:cNvPr id="157" name="Google Shape;157;g75d15ec91f_0_86:notes"/>
-          <p:cNvSpPr txBox="1"/>
+          <p:cNvPr id="158" name="Google Shape;158;g75d15ec91f_0_86:notes"/>
+          <p:cNvSpPr txBox="1">
+            <a:spLocks noGrp="1"/>
+          </p:cNvSpPr>
           <p:nvPr>
-            <p:ph idx="1" type="body"/>
+            <p:ph type="body" idx="1"/>
           </p:nvPr>
         </p:nvSpPr>
         <p:spPr>
@@ -1464,23 +1529,20 @@
           </a:prstGeom>
         </p:spPr>
         <p:txBody>
-          <a:bodyPr anchorCtr="0" anchor="t" bIns="91425" lIns="91425" spcFirstLastPara="1" rIns="91425" wrap="square" tIns="91425">
+          <a:bodyPr spcFirstLastPara="1" wrap="square" lIns="91425" tIns="91425" rIns="91425" bIns="91425" anchor="t" anchorCtr="0">
             <a:noAutofit/>
           </a:bodyPr>
           <a:lstStyle/>
           <a:p>
-            <a:pPr indent="0" lvl="0" marL="0" rtl="0" algn="l">
-              <a:spcBef>
-                <a:spcPts val="0"/>
-              </a:spcBef>
-              <a:spcAft>
-                <a:spcPts val="0"/>
-              </a:spcAft>
-              <a:buNone/>
-            </a:pPr>
-            <a:r>
-              <a:t/>
-            </a:r>
+            <a:pPr marL="0" lvl="0" indent="0" algn="l" rtl="0">
+              <a:spcBef>
+                <a:spcPts val="0"/>
+              </a:spcBef>
+              <a:spcAft>
+                <a:spcPts val="0"/>
+              </a:spcAft>
+              <a:buNone/>
+            </a:pPr>
             <a:endParaRPr/>
           </a:p>
         </p:txBody>
@@ -1494,11 +1556,11 @@
 </file>
 
 <file path=ppt/notesSlides/notesSlide2.xml><?xml version="1.0" encoding="utf-8"?>
-<p:notes xmlns:a="http://schemas.openxmlformats.org/drawingml/2006/main" xmlns:r="http://schemas.openxmlformats.org/officeDocument/2006/relationships" xmlns:mc="http://schemas.openxmlformats.org/markup-compatibility/2006" xmlns:mv="urn:schemas-microsoft-com:mac:vml" xmlns:p="http://schemas.openxmlformats.org/presentationml/2006/main" xmlns:c="http://schemas.openxmlformats.org/drawingml/2006/chart" xmlns:dgm="http://schemas.openxmlformats.org/drawingml/2006/diagram" xmlns:o="urn:schemas-microsoft-com:office:office" xmlns:v="urn:schemas-microsoft-com:vml" xmlns:pvml="urn:schemas-microsoft-com:office:powerpoint" xmlns:com="http://schemas.openxmlformats.org/drawingml/2006/compatibility" xmlns:p14="http://schemas.microsoft.com/office/powerpoint/2010/main" xmlns:p15="http://schemas.microsoft.com/office/powerpoint/2012/main" showMasterPhAnim="0" showMasterSp="0">
+<p:notes xmlns:a="http://schemas.openxmlformats.org/drawingml/2006/main" xmlns:r="http://schemas.openxmlformats.org/officeDocument/2006/relationships" xmlns:p="http://schemas.openxmlformats.org/presentationml/2006/main" showMasterSp="0" showMasterPhAnim="0">
   <p:cSld>
     <p:spTree>
       <p:nvGrpSpPr>
-        <p:cNvPr id="57" name="Shape 57"/>
+        <p:cNvPr id="1" name="Shape 57"/>
         <p:cNvGrpSpPr/>
         <p:nvPr/>
       </p:nvGrpSpPr>
@@ -1513,9 +1575,11 @@
       <p:sp>
         <p:nvSpPr>
           <p:cNvPr id="58" name="Google Shape;58;g7a96d3f6d5_0_1:notes"/>
-          <p:cNvSpPr/>
+          <p:cNvSpPr>
+            <a:spLocks noGrp="1" noRot="1" noChangeAspect="1"/>
+          </p:cNvSpPr>
           <p:nvPr>
-            <p:ph idx="2" type="sldImg"/>
+            <p:ph type="sldImg" idx="2"/>
           </p:nvPr>
         </p:nvSpPr>
         <p:spPr>
@@ -1524,9 +1588,13 @@
             <a:ext cx="6096300" cy="3429000"/>
           </a:xfrm>
           <a:custGeom>
-            <a:rect b="b" l="l" r="r" t="t"/>
+            <a:avLst/>
+            <a:gdLst/>
+            <a:ahLst/>
+            <a:cxnLst/>
+            <a:rect l="l" t="t" r="r" b="b"/>
             <a:pathLst>
-              <a:path extrusionOk="0" h="120000" w="120000">
+              <a:path w="120000" h="120000" extrusionOk="0">
                 <a:moveTo>
                   <a:pt x="0" y="0"/>
                 </a:moveTo>
@@ -1548,9 +1616,11 @@
       <p:sp>
         <p:nvSpPr>
           <p:cNvPr id="59" name="Google Shape;59;g7a96d3f6d5_0_1:notes"/>
-          <p:cNvSpPr txBox="1"/>
+          <p:cNvSpPr txBox="1">
+            <a:spLocks noGrp="1"/>
+          </p:cNvSpPr>
           <p:nvPr>
-            <p:ph idx="1" type="body"/>
+            <p:ph type="body" idx="1"/>
           </p:nvPr>
         </p:nvSpPr>
         <p:spPr>
@@ -1563,23 +1633,20 @@
           </a:prstGeom>
         </p:spPr>
         <p:txBody>
-          <a:bodyPr anchorCtr="0" anchor="t" bIns="91425" lIns="91425" spcFirstLastPara="1" rIns="91425" wrap="square" tIns="91425">
+          <a:bodyPr spcFirstLastPara="1" wrap="square" lIns="91425" tIns="91425" rIns="91425" bIns="91425" anchor="t" anchorCtr="0">
             <a:noAutofit/>
           </a:bodyPr>
           <a:lstStyle/>
           <a:p>
-            <a:pPr indent="0" lvl="0" marL="0" rtl="0" algn="l">
-              <a:spcBef>
-                <a:spcPts val="0"/>
-              </a:spcBef>
-              <a:spcAft>
-                <a:spcPts val="0"/>
-              </a:spcAft>
-              <a:buNone/>
-            </a:pPr>
-            <a:r>
-              <a:t/>
-            </a:r>
+            <a:pPr marL="0" lvl="0" indent="0" algn="l" rtl="0">
+              <a:spcBef>
+                <a:spcPts val="0"/>
+              </a:spcBef>
+              <a:spcAft>
+                <a:spcPts val="0"/>
+              </a:spcAft>
+              <a:buNone/>
+            </a:pPr>
             <a:endParaRPr/>
           </a:p>
         </p:txBody>
@@ -1593,11 +1660,11 @@
 </file>
 
 <file path=ppt/notesSlides/notesSlide3.xml><?xml version="1.0" encoding="utf-8"?>
-<p:notes xmlns:a="http://schemas.openxmlformats.org/drawingml/2006/main" xmlns:r="http://schemas.openxmlformats.org/officeDocument/2006/relationships" xmlns:mc="http://schemas.openxmlformats.org/markup-compatibility/2006" xmlns:mv="urn:schemas-microsoft-com:mac:vml" xmlns:p="http://schemas.openxmlformats.org/presentationml/2006/main" xmlns:c="http://schemas.openxmlformats.org/drawingml/2006/chart" xmlns:dgm="http://schemas.openxmlformats.org/drawingml/2006/diagram" xmlns:o="urn:schemas-microsoft-com:office:office" xmlns:v="urn:schemas-microsoft-com:vml" xmlns:pvml="urn:schemas-microsoft-com:office:powerpoint" xmlns:com="http://schemas.openxmlformats.org/drawingml/2006/compatibility" xmlns:p14="http://schemas.microsoft.com/office/powerpoint/2010/main" xmlns:p15="http://schemas.microsoft.com/office/powerpoint/2012/main" showMasterPhAnim="0" showMasterSp="0">
+<p:notes xmlns:a="http://schemas.openxmlformats.org/drawingml/2006/main" xmlns:r="http://schemas.openxmlformats.org/officeDocument/2006/relationships" xmlns:p="http://schemas.openxmlformats.org/presentationml/2006/main" showMasterSp="0" showMasterPhAnim="0">
   <p:cSld>
     <p:spTree>
       <p:nvGrpSpPr>
-        <p:cNvPr id="64" name="Shape 64"/>
+        <p:cNvPr id="1" name="Shape 64"/>
         <p:cNvGrpSpPr/>
         <p:nvPr/>
       </p:nvGrpSpPr>
@@ -1612,9 +1679,11 @@
       <p:sp>
         <p:nvSpPr>
           <p:cNvPr id="65" name="Google Shape;65;g75d15ec91f_0_0:notes"/>
-          <p:cNvSpPr/>
+          <p:cNvSpPr>
+            <a:spLocks noGrp="1" noRot="1" noChangeAspect="1"/>
+          </p:cNvSpPr>
           <p:nvPr>
-            <p:ph idx="2" type="sldImg"/>
+            <p:ph type="sldImg" idx="2"/>
           </p:nvPr>
         </p:nvSpPr>
         <p:spPr>
@@ -1623,9 +1692,13 @@
             <a:ext cx="6096300" cy="3429000"/>
           </a:xfrm>
           <a:custGeom>
-            <a:rect b="b" l="l" r="r" t="t"/>
+            <a:avLst/>
+            <a:gdLst/>
+            <a:ahLst/>
+            <a:cxnLst/>
+            <a:rect l="l" t="t" r="r" b="b"/>
             <a:pathLst>
-              <a:path extrusionOk="0" h="120000" w="120000">
+              <a:path w="120000" h="120000" extrusionOk="0">
                 <a:moveTo>
                   <a:pt x="0" y="0"/>
                 </a:moveTo>
@@ -1647,9 +1720,11 @@
       <p:sp>
         <p:nvSpPr>
           <p:cNvPr id="66" name="Google Shape;66;g75d15ec91f_0_0:notes"/>
-          <p:cNvSpPr txBox="1"/>
+          <p:cNvSpPr txBox="1">
+            <a:spLocks noGrp="1"/>
+          </p:cNvSpPr>
           <p:nvPr>
-            <p:ph idx="1" type="body"/>
+            <p:ph type="body" idx="1"/>
           </p:nvPr>
         </p:nvSpPr>
         <p:spPr>
@@ -1662,23 +1737,20 @@
           </a:prstGeom>
         </p:spPr>
         <p:txBody>
-          <a:bodyPr anchorCtr="0" anchor="t" bIns="91425" lIns="91425" spcFirstLastPara="1" rIns="91425" wrap="square" tIns="91425">
+          <a:bodyPr spcFirstLastPara="1" wrap="square" lIns="91425" tIns="91425" rIns="91425" bIns="91425" anchor="t" anchorCtr="0">
             <a:noAutofit/>
           </a:bodyPr>
           <a:lstStyle/>
           <a:p>
-            <a:pPr indent="0" lvl="0" marL="0" rtl="0" algn="l">
-              <a:spcBef>
-                <a:spcPts val="0"/>
-              </a:spcBef>
-              <a:spcAft>
-                <a:spcPts val="0"/>
-              </a:spcAft>
-              <a:buNone/>
-            </a:pPr>
-            <a:r>
-              <a:t/>
-            </a:r>
+            <a:pPr marL="0" lvl="0" indent="0" algn="l" rtl="0">
+              <a:spcBef>
+                <a:spcPts val="0"/>
+              </a:spcBef>
+              <a:spcAft>
+                <a:spcPts val="0"/>
+              </a:spcAft>
+              <a:buNone/>
+            </a:pPr>
             <a:endParaRPr/>
           </a:p>
         </p:txBody>
@@ -1692,11 +1764,11 @@
 </file>
 
 <file path=ppt/notesSlides/notesSlide4.xml><?xml version="1.0" encoding="utf-8"?>
-<p:notes xmlns:a="http://schemas.openxmlformats.org/drawingml/2006/main" xmlns:r="http://schemas.openxmlformats.org/officeDocument/2006/relationships" xmlns:mc="http://schemas.openxmlformats.org/markup-compatibility/2006" xmlns:mv="urn:schemas-microsoft-com:mac:vml" xmlns:p="http://schemas.openxmlformats.org/presentationml/2006/main" xmlns:c="http://schemas.openxmlformats.org/drawingml/2006/chart" xmlns:dgm="http://schemas.openxmlformats.org/drawingml/2006/diagram" xmlns:o="urn:schemas-microsoft-com:office:office" xmlns:v="urn:schemas-microsoft-com:vml" xmlns:pvml="urn:schemas-microsoft-com:office:powerpoint" xmlns:com="http://schemas.openxmlformats.org/drawingml/2006/compatibility" xmlns:p14="http://schemas.microsoft.com/office/powerpoint/2010/main" xmlns:p15="http://schemas.microsoft.com/office/powerpoint/2012/main" showMasterPhAnim="0" showMasterSp="0">
+<p:notes xmlns:a="http://schemas.openxmlformats.org/drawingml/2006/main" xmlns:r="http://schemas.openxmlformats.org/officeDocument/2006/relationships" xmlns:p="http://schemas.openxmlformats.org/presentationml/2006/main" showMasterSp="0" showMasterPhAnim="0">
   <p:cSld>
     <p:spTree>
       <p:nvGrpSpPr>
-        <p:cNvPr id="71" name="Shape 71"/>
+        <p:cNvPr id="1" name="Shape 71"/>
         <p:cNvGrpSpPr/>
         <p:nvPr/>
       </p:nvGrpSpPr>
@@ -1711,9 +1783,11 @@
       <p:sp>
         <p:nvSpPr>
           <p:cNvPr id="72" name="Google Shape;72;g75d15ec91f_0_8:notes"/>
-          <p:cNvSpPr/>
+          <p:cNvSpPr>
+            <a:spLocks noGrp="1" noRot="1" noChangeAspect="1"/>
+          </p:cNvSpPr>
           <p:nvPr>
-            <p:ph idx="2" type="sldImg"/>
+            <p:ph type="sldImg" idx="2"/>
           </p:nvPr>
         </p:nvSpPr>
         <p:spPr>
@@ -1722,9 +1796,13 @@
             <a:ext cx="6096300" cy="3429000"/>
           </a:xfrm>
           <a:custGeom>
-            <a:rect b="b" l="l" r="r" t="t"/>
+            <a:avLst/>
+            <a:gdLst/>
+            <a:ahLst/>
+            <a:cxnLst/>
+            <a:rect l="l" t="t" r="r" b="b"/>
             <a:pathLst>
-              <a:path extrusionOk="0" h="120000" w="120000">
+              <a:path w="120000" h="120000" extrusionOk="0">
                 <a:moveTo>
                   <a:pt x="0" y="0"/>
                 </a:moveTo>
@@ -1746,9 +1824,11 @@
       <p:sp>
         <p:nvSpPr>
           <p:cNvPr id="73" name="Google Shape;73;g75d15ec91f_0_8:notes"/>
-          <p:cNvSpPr txBox="1"/>
+          <p:cNvSpPr txBox="1">
+            <a:spLocks noGrp="1"/>
+          </p:cNvSpPr>
           <p:nvPr>
-            <p:ph idx="1" type="body"/>
+            <p:ph type="body" idx="1"/>
           </p:nvPr>
         </p:nvSpPr>
         <p:spPr>
@@ -1761,23 +1841,20 @@
           </a:prstGeom>
         </p:spPr>
         <p:txBody>
-          <a:bodyPr anchorCtr="0" anchor="t" bIns="91425" lIns="91425" spcFirstLastPara="1" rIns="91425" wrap="square" tIns="91425">
+          <a:bodyPr spcFirstLastPara="1" wrap="square" lIns="91425" tIns="91425" rIns="91425" bIns="91425" anchor="t" anchorCtr="0">
             <a:noAutofit/>
           </a:bodyPr>
           <a:lstStyle/>
           <a:p>
-            <a:pPr indent="0" lvl="0" marL="0" rtl="0" algn="l">
-              <a:spcBef>
-                <a:spcPts val="0"/>
-              </a:spcBef>
-              <a:spcAft>
-                <a:spcPts val="0"/>
-              </a:spcAft>
-              <a:buNone/>
-            </a:pPr>
-            <a:r>
-              <a:t/>
-            </a:r>
+            <a:pPr marL="0" lvl="0" indent="0" algn="l" rtl="0">
+              <a:spcBef>
+                <a:spcPts val="0"/>
+              </a:spcBef>
+              <a:spcAft>
+                <a:spcPts val="0"/>
+              </a:spcAft>
+              <a:buNone/>
+            </a:pPr>
             <a:endParaRPr/>
           </a:p>
         </p:txBody>
@@ -1791,11 +1868,11 @@
 </file>
 
 <file path=ppt/notesSlides/notesSlide5.xml><?xml version="1.0" encoding="utf-8"?>
-<p:notes xmlns:a="http://schemas.openxmlformats.org/drawingml/2006/main" xmlns:r="http://schemas.openxmlformats.org/officeDocument/2006/relationships" xmlns:mc="http://schemas.openxmlformats.org/markup-compatibility/2006" xmlns:mv="urn:schemas-microsoft-com:mac:vml" xmlns:p="http://schemas.openxmlformats.org/presentationml/2006/main" xmlns:c="http://schemas.openxmlformats.org/drawingml/2006/chart" xmlns:dgm="http://schemas.openxmlformats.org/drawingml/2006/diagram" xmlns:o="urn:schemas-microsoft-com:office:office" xmlns:v="urn:schemas-microsoft-com:vml" xmlns:pvml="urn:schemas-microsoft-com:office:powerpoint" xmlns:com="http://schemas.openxmlformats.org/drawingml/2006/compatibility" xmlns:p14="http://schemas.microsoft.com/office/powerpoint/2010/main" xmlns:p15="http://schemas.microsoft.com/office/powerpoint/2012/main" showMasterPhAnim="0" showMasterSp="0">
+<p:notes xmlns:a="http://schemas.openxmlformats.org/drawingml/2006/main" xmlns:r="http://schemas.openxmlformats.org/officeDocument/2006/relationships" xmlns:p="http://schemas.openxmlformats.org/presentationml/2006/main" showMasterSp="0" showMasterPhAnim="0">
   <p:cSld>
     <p:spTree>
       <p:nvGrpSpPr>
-        <p:cNvPr id="78" name="Shape 78"/>
+        <p:cNvPr id="1" name="Shape 78"/>
         <p:cNvGrpSpPr/>
         <p:nvPr/>
       </p:nvGrpSpPr>
@@ -1810,9 +1887,11 @@
       <p:sp>
         <p:nvSpPr>
           <p:cNvPr id="79" name="Google Shape;79;g75d15ec91f_0_92:notes"/>
-          <p:cNvSpPr/>
+          <p:cNvSpPr>
+            <a:spLocks noGrp="1" noRot="1" noChangeAspect="1"/>
+          </p:cNvSpPr>
           <p:nvPr>
-            <p:ph idx="2" type="sldImg"/>
+            <p:ph type="sldImg" idx="2"/>
           </p:nvPr>
         </p:nvSpPr>
         <p:spPr>
@@ -1821,9 +1900,13 @@
             <a:ext cx="6096300" cy="3429000"/>
           </a:xfrm>
           <a:custGeom>
-            <a:rect b="b" l="l" r="r" t="t"/>
+            <a:avLst/>
+            <a:gdLst/>
+            <a:ahLst/>
+            <a:cxnLst/>
+            <a:rect l="l" t="t" r="r" b="b"/>
             <a:pathLst>
-              <a:path extrusionOk="0" h="120000" w="120000">
+              <a:path w="120000" h="120000" extrusionOk="0">
                 <a:moveTo>
                   <a:pt x="0" y="0"/>
                 </a:moveTo>
@@ -1845,9 +1928,11 @@
       <p:sp>
         <p:nvSpPr>
           <p:cNvPr id="80" name="Google Shape;80;g75d15ec91f_0_92:notes"/>
-          <p:cNvSpPr txBox="1"/>
+          <p:cNvSpPr txBox="1">
+            <a:spLocks noGrp="1"/>
+          </p:cNvSpPr>
           <p:nvPr>
-            <p:ph idx="1" type="body"/>
+            <p:ph type="body" idx="1"/>
           </p:nvPr>
         </p:nvSpPr>
         <p:spPr>
@@ -1860,23 +1945,20 @@
           </a:prstGeom>
         </p:spPr>
         <p:txBody>
-          <a:bodyPr anchorCtr="0" anchor="t" bIns="91425" lIns="91425" spcFirstLastPara="1" rIns="91425" wrap="square" tIns="91425">
+          <a:bodyPr spcFirstLastPara="1" wrap="square" lIns="91425" tIns="91425" rIns="91425" bIns="91425" anchor="t" anchorCtr="0">
             <a:noAutofit/>
           </a:bodyPr>
           <a:lstStyle/>
           <a:p>
-            <a:pPr indent="0" lvl="0" marL="0" rtl="0" algn="l">
-              <a:spcBef>
-                <a:spcPts val="0"/>
-              </a:spcBef>
-              <a:spcAft>
-                <a:spcPts val="0"/>
-              </a:spcAft>
-              <a:buNone/>
-            </a:pPr>
-            <a:r>
-              <a:t/>
-            </a:r>
+            <a:pPr marL="0" lvl="0" indent="0" algn="l" rtl="0">
+              <a:spcBef>
+                <a:spcPts val="0"/>
+              </a:spcBef>
+              <a:spcAft>
+                <a:spcPts val="0"/>
+              </a:spcAft>
+              <a:buNone/>
+            </a:pPr>
             <a:endParaRPr/>
           </a:p>
         </p:txBody>
@@ -1890,11 +1972,11 @@
 </file>
 
 <file path=ppt/notesSlides/notesSlide6.xml><?xml version="1.0" encoding="utf-8"?>
-<p:notes xmlns:a="http://schemas.openxmlformats.org/drawingml/2006/main" xmlns:r="http://schemas.openxmlformats.org/officeDocument/2006/relationships" xmlns:mc="http://schemas.openxmlformats.org/markup-compatibility/2006" xmlns:mv="urn:schemas-microsoft-com:mac:vml" xmlns:p="http://schemas.openxmlformats.org/presentationml/2006/main" xmlns:c="http://schemas.openxmlformats.org/drawingml/2006/chart" xmlns:dgm="http://schemas.openxmlformats.org/drawingml/2006/diagram" xmlns:o="urn:schemas-microsoft-com:office:office" xmlns:v="urn:schemas-microsoft-com:vml" xmlns:pvml="urn:schemas-microsoft-com:office:powerpoint" xmlns:com="http://schemas.openxmlformats.org/drawingml/2006/compatibility" xmlns:p14="http://schemas.microsoft.com/office/powerpoint/2010/main" xmlns:p15="http://schemas.microsoft.com/office/powerpoint/2012/main" showMasterPhAnim="0" showMasterSp="0">
+<p:notes xmlns:a="http://schemas.openxmlformats.org/drawingml/2006/main" xmlns:r="http://schemas.openxmlformats.org/officeDocument/2006/relationships" xmlns:p="http://schemas.openxmlformats.org/presentationml/2006/main" showMasterSp="0" showMasterPhAnim="0">
   <p:cSld>
     <p:spTree>
       <p:nvGrpSpPr>
-        <p:cNvPr id="85" name="Shape 85"/>
+        <p:cNvPr id="1" name="Shape 85"/>
         <p:cNvGrpSpPr/>
         <p:nvPr/>
       </p:nvGrpSpPr>
@@ -1909,9 +1991,11 @@
       <p:sp>
         <p:nvSpPr>
           <p:cNvPr id="86" name="Google Shape;86;g75d15ec91f_0_98:notes"/>
-          <p:cNvSpPr/>
+          <p:cNvSpPr>
+            <a:spLocks noGrp="1" noRot="1" noChangeAspect="1"/>
+          </p:cNvSpPr>
           <p:nvPr>
-            <p:ph idx="2" type="sldImg"/>
+            <p:ph type="sldImg" idx="2"/>
           </p:nvPr>
         </p:nvSpPr>
         <p:spPr>
@@ -1920,9 +2004,13 @@
             <a:ext cx="6096300" cy="3429000"/>
           </a:xfrm>
           <a:custGeom>
-            <a:rect b="b" l="l" r="r" t="t"/>
+            <a:avLst/>
+            <a:gdLst/>
+            <a:ahLst/>
+            <a:cxnLst/>
+            <a:rect l="l" t="t" r="r" b="b"/>
             <a:pathLst>
-              <a:path extrusionOk="0" h="120000" w="120000">
+              <a:path w="120000" h="120000" extrusionOk="0">
                 <a:moveTo>
                   <a:pt x="0" y="0"/>
                 </a:moveTo>
@@ -1944,9 +2032,11 @@
       <p:sp>
         <p:nvSpPr>
           <p:cNvPr id="87" name="Google Shape;87;g75d15ec91f_0_98:notes"/>
-          <p:cNvSpPr txBox="1"/>
+          <p:cNvSpPr txBox="1">
+            <a:spLocks noGrp="1"/>
+          </p:cNvSpPr>
           <p:nvPr>
-            <p:ph idx="1" type="body"/>
+            <p:ph type="body" idx="1"/>
           </p:nvPr>
         </p:nvSpPr>
         <p:spPr>
@@ -1959,23 +2049,20 @@
           </a:prstGeom>
         </p:spPr>
         <p:txBody>
-          <a:bodyPr anchorCtr="0" anchor="t" bIns="91425" lIns="91425" spcFirstLastPara="1" rIns="91425" wrap="square" tIns="91425">
+          <a:bodyPr spcFirstLastPara="1" wrap="square" lIns="91425" tIns="91425" rIns="91425" bIns="91425" anchor="t" anchorCtr="0">
             <a:noAutofit/>
           </a:bodyPr>
           <a:lstStyle/>
           <a:p>
-            <a:pPr indent="0" lvl="0" marL="0" rtl="0" algn="l">
-              <a:spcBef>
-                <a:spcPts val="0"/>
-              </a:spcBef>
-              <a:spcAft>
-                <a:spcPts val="0"/>
-              </a:spcAft>
-              <a:buNone/>
-            </a:pPr>
-            <a:r>
-              <a:t/>
-            </a:r>
+            <a:pPr marL="0" lvl="0" indent="0" algn="l" rtl="0">
+              <a:spcBef>
+                <a:spcPts val="0"/>
+              </a:spcBef>
+              <a:spcAft>
+                <a:spcPts val="0"/>
+              </a:spcAft>
+              <a:buNone/>
+            </a:pPr>
             <a:endParaRPr/>
           </a:p>
         </p:txBody>
@@ -1989,11 +2076,11 @@
 </file>
 
 <file path=ppt/notesSlides/notesSlide7.xml><?xml version="1.0" encoding="utf-8"?>
-<p:notes xmlns:a="http://schemas.openxmlformats.org/drawingml/2006/main" xmlns:r="http://schemas.openxmlformats.org/officeDocument/2006/relationships" xmlns:mc="http://schemas.openxmlformats.org/markup-compatibility/2006" xmlns:mv="urn:schemas-microsoft-com:mac:vml" xmlns:p="http://schemas.openxmlformats.org/presentationml/2006/main" xmlns:c="http://schemas.openxmlformats.org/drawingml/2006/chart" xmlns:dgm="http://schemas.openxmlformats.org/drawingml/2006/diagram" xmlns:o="urn:schemas-microsoft-com:office:office" xmlns:v="urn:schemas-microsoft-com:vml" xmlns:pvml="urn:schemas-microsoft-com:office:powerpoint" xmlns:com="http://schemas.openxmlformats.org/drawingml/2006/compatibility" xmlns:p14="http://schemas.microsoft.com/office/powerpoint/2010/main" xmlns:p15="http://schemas.microsoft.com/office/powerpoint/2012/main" showMasterPhAnim="0" showMasterSp="0">
+<p:notes xmlns:a="http://schemas.openxmlformats.org/drawingml/2006/main" xmlns:r="http://schemas.openxmlformats.org/officeDocument/2006/relationships" xmlns:p="http://schemas.openxmlformats.org/presentationml/2006/main" showMasterSp="0" showMasterPhAnim="0">
   <p:cSld>
     <p:spTree>
       <p:nvGrpSpPr>
-        <p:cNvPr id="92" name="Shape 92"/>
+        <p:cNvPr id="1" name="Shape 92"/>
         <p:cNvGrpSpPr/>
         <p:nvPr/>
       </p:nvGrpSpPr>
@@ -2008,9 +2095,11 @@
       <p:sp>
         <p:nvSpPr>
           <p:cNvPr id="93" name="Google Shape;93;g75d15ec91f_0_14:notes"/>
-          <p:cNvSpPr/>
+          <p:cNvSpPr>
+            <a:spLocks noGrp="1" noRot="1" noChangeAspect="1"/>
+          </p:cNvSpPr>
           <p:nvPr>
-            <p:ph idx="2" type="sldImg"/>
+            <p:ph type="sldImg" idx="2"/>
           </p:nvPr>
         </p:nvSpPr>
         <p:spPr>
@@ -2019,9 +2108,13 @@
             <a:ext cx="6096300" cy="3429000"/>
           </a:xfrm>
           <a:custGeom>
-            <a:rect b="b" l="l" r="r" t="t"/>
+            <a:avLst/>
+            <a:gdLst/>
+            <a:ahLst/>
+            <a:cxnLst/>
+            <a:rect l="l" t="t" r="r" b="b"/>
             <a:pathLst>
-              <a:path extrusionOk="0" h="120000" w="120000">
+              <a:path w="120000" h="120000" extrusionOk="0">
                 <a:moveTo>
                   <a:pt x="0" y="0"/>
                 </a:moveTo>
@@ -2043,9 +2136,11 @@
       <p:sp>
         <p:nvSpPr>
           <p:cNvPr id="94" name="Google Shape;94;g75d15ec91f_0_14:notes"/>
-          <p:cNvSpPr txBox="1"/>
+          <p:cNvSpPr txBox="1">
+            <a:spLocks noGrp="1"/>
+          </p:cNvSpPr>
           <p:nvPr>
-            <p:ph idx="1" type="body"/>
+            <p:ph type="body" idx="1"/>
           </p:nvPr>
         </p:nvSpPr>
         <p:spPr>
@@ -2058,23 +2153,20 @@
           </a:prstGeom>
         </p:spPr>
         <p:txBody>
-          <a:bodyPr anchorCtr="0" anchor="t" bIns="91425" lIns="91425" spcFirstLastPara="1" rIns="91425" wrap="square" tIns="91425">
+          <a:bodyPr spcFirstLastPara="1" wrap="square" lIns="91425" tIns="91425" rIns="91425" bIns="91425" anchor="t" anchorCtr="0">
             <a:noAutofit/>
           </a:bodyPr>
           <a:lstStyle/>
           <a:p>
-            <a:pPr indent="0" lvl="0" marL="0" rtl="0" algn="l">
-              <a:spcBef>
-                <a:spcPts val="0"/>
-              </a:spcBef>
-              <a:spcAft>
-                <a:spcPts val="0"/>
-              </a:spcAft>
-              <a:buNone/>
-            </a:pPr>
-            <a:r>
-              <a:t/>
-            </a:r>
+            <a:pPr marL="0" lvl="0" indent="0" algn="l" rtl="0">
+              <a:spcBef>
+                <a:spcPts val="0"/>
+              </a:spcBef>
+              <a:spcAft>
+                <a:spcPts val="0"/>
+              </a:spcAft>
+              <a:buNone/>
+            </a:pPr>
             <a:endParaRPr/>
           </a:p>
         </p:txBody>
@@ -2088,11 +2180,11 @@
 </file>
 
 <file path=ppt/notesSlides/notesSlide8.xml><?xml version="1.0" encoding="utf-8"?>
-<p:notes xmlns:a="http://schemas.openxmlformats.org/drawingml/2006/main" xmlns:r="http://schemas.openxmlformats.org/officeDocument/2006/relationships" xmlns:mc="http://schemas.openxmlformats.org/markup-compatibility/2006" xmlns:mv="urn:schemas-microsoft-com:mac:vml" xmlns:p="http://schemas.openxmlformats.org/presentationml/2006/main" xmlns:c="http://schemas.openxmlformats.org/drawingml/2006/chart" xmlns:dgm="http://schemas.openxmlformats.org/drawingml/2006/diagram" xmlns:o="urn:schemas-microsoft-com:office:office" xmlns:v="urn:schemas-microsoft-com:vml" xmlns:pvml="urn:schemas-microsoft-com:office:powerpoint" xmlns:com="http://schemas.openxmlformats.org/drawingml/2006/compatibility" xmlns:p14="http://schemas.microsoft.com/office/powerpoint/2010/main" xmlns:p15="http://schemas.microsoft.com/office/powerpoint/2012/main" showMasterPhAnim="0" showMasterSp="0">
+<p:notes xmlns:a="http://schemas.openxmlformats.org/drawingml/2006/main" xmlns:r="http://schemas.openxmlformats.org/officeDocument/2006/relationships" xmlns:p="http://schemas.openxmlformats.org/presentationml/2006/main" showMasterSp="0" showMasterPhAnim="0">
   <p:cSld>
     <p:spTree>
       <p:nvGrpSpPr>
-        <p:cNvPr id="99" name="Shape 99"/>
+        <p:cNvPr id="1" name="Shape 99"/>
         <p:cNvGrpSpPr/>
         <p:nvPr/>
       </p:nvGrpSpPr>
@@ -2107,9 +2199,11 @@
       <p:sp>
         <p:nvSpPr>
           <p:cNvPr id="100" name="Google Shape;100;g75d15ec91f_0_20:notes"/>
-          <p:cNvSpPr/>
+          <p:cNvSpPr>
+            <a:spLocks noGrp="1" noRot="1" noChangeAspect="1"/>
+          </p:cNvSpPr>
           <p:nvPr>
-            <p:ph idx="2" type="sldImg"/>
+            <p:ph type="sldImg" idx="2"/>
           </p:nvPr>
         </p:nvSpPr>
         <p:spPr>
@@ -2118,9 +2212,13 @@
             <a:ext cx="6096300" cy="3429000"/>
           </a:xfrm>
           <a:custGeom>
-            <a:rect b="b" l="l" r="r" t="t"/>
+            <a:avLst/>
+            <a:gdLst/>
+            <a:ahLst/>
+            <a:cxnLst/>
+            <a:rect l="l" t="t" r="r" b="b"/>
             <a:pathLst>
-              <a:path extrusionOk="0" h="120000" w="120000">
+              <a:path w="120000" h="120000" extrusionOk="0">
                 <a:moveTo>
                   <a:pt x="0" y="0"/>
                 </a:moveTo>
@@ -2142,9 +2240,11 @@
       <p:sp>
         <p:nvSpPr>
           <p:cNvPr id="101" name="Google Shape;101;g75d15ec91f_0_20:notes"/>
-          <p:cNvSpPr txBox="1"/>
+          <p:cNvSpPr txBox="1">
+            <a:spLocks noGrp="1"/>
+          </p:cNvSpPr>
           <p:nvPr>
-            <p:ph idx="1" type="body"/>
+            <p:ph type="body" idx="1"/>
           </p:nvPr>
         </p:nvSpPr>
         <p:spPr>
@@ -2157,23 +2257,20 @@
           </a:prstGeom>
         </p:spPr>
         <p:txBody>
-          <a:bodyPr anchorCtr="0" anchor="t" bIns="91425" lIns="91425" spcFirstLastPara="1" rIns="91425" wrap="square" tIns="91425">
+          <a:bodyPr spcFirstLastPara="1" wrap="square" lIns="91425" tIns="91425" rIns="91425" bIns="91425" anchor="t" anchorCtr="0">
             <a:noAutofit/>
           </a:bodyPr>
           <a:lstStyle/>
           <a:p>
-            <a:pPr indent="0" lvl="0" marL="0" rtl="0" algn="l">
-              <a:spcBef>
-                <a:spcPts val="0"/>
-              </a:spcBef>
-              <a:spcAft>
-                <a:spcPts val="0"/>
-              </a:spcAft>
-              <a:buNone/>
-            </a:pPr>
-            <a:r>
-              <a:t/>
-            </a:r>
+            <a:pPr marL="0" lvl="0" indent="0" algn="l" rtl="0">
+              <a:spcBef>
+                <a:spcPts val="0"/>
+              </a:spcBef>
+              <a:spcAft>
+                <a:spcPts val="0"/>
+              </a:spcAft>
+              <a:buNone/>
+            </a:pPr>
             <a:endParaRPr/>
           </a:p>
         </p:txBody>
@@ -2187,11 +2284,11 @@
 </file>
 
 <file path=ppt/notesSlides/notesSlide9.xml><?xml version="1.0" encoding="utf-8"?>
-<p:notes xmlns:a="http://schemas.openxmlformats.org/drawingml/2006/main" xmlns:r="http://schemas.openxmlformats.org/officeDocument/2006/relationships" xmlns:mc="http://schemas.openxmlformats.org/markup-compatibility/2006" xmlns:mv="urn:schemas-microsoft-com:mac:vml" xmlns:p="http://schemas.openxmlformats.org/presentationml/2006/main" xmlns:c="http://schemas.openxmlformats.org/drawingml/2006/chart" xmlns:dgm="http://schemas.openxmlformats.org/drawingml/2006/diagram" xmlns:o="urn:schemas-microsoft-com:office:office" xmlns:v="urn:schemas-microsoft-com:vml" xmlns:pvml="urn:schemas-microsoft-com:office:powerpoint" xmlns:com="http://schemas.openxmlformats.org/drawingml/2006/compatibility" xmlns:p14="http://schemas.microsoft.com/office/powerpoint/2010/main" xmlns:p15="http://schemas.microsoft.com/office/powerpoint/2012/main" showMasterPhAnim="0" showMasterSp="0">
+<p:notes xmlns:a="http://schemas.openxmlformats.org/drawingml/2006/main" xmlns:r="http://schemas.openxmlformats.org/officeDocument/2006/relationships" xmlns:p="http://schemas.openxmlformats.org/presentationml/2006/main" showMasterSp="0" showMasterPhAnim="0">
   <p:cSld>
     <p:spTree>
       <p:nvGrpSpPr>
-        <p:cNvPr id="106" name="Shape 106"/>
+        <p:cNvPr id="1" name="Shape 106"/>
         <p:cNvGrpSpPr/>
         <p:nvPr/>
       </p:nvGrpSpPr>
@@ -2206,9 +2303,11 @@
       <p:sp>
         <p:nvSpPr>
           <p:cNvPr id="107" name="Google Shape;107;g75d15ec91f_0_30:notes"/>
-          <p:cNvSpPr/>
+          <p:cNvSpPr>
+            <a:spLocks noGrp="1" noRot="1" noChangeAspect="1"/>
+          </p:cNvSpPr>
           <p:nvPr>
-            <p:ph idx="2" type="sldImg"/>
+            <p:ph type="sldImg" idx="2"/>
           </p:nvPr>
         </p:nvSpPr>
         <p:spPr>
@@ -2217,9 +2316,13 @@
             <a:ext cx="6096300" cy="3429000"/>
           </a:xfrm>
           <a:custGeom>
-            <a:rect b="b" l="l" r="r" t="t"/>
+            <a:avLst/>
+            <a:gdLst/>
+            <a:ahLst/>
+            <a:cxnLst/>
+            <a:rect l="l" t="t" r="r" b="b"/>
             <a:pathLst>
-              <a:path extrusionOk="0" h="120000" w="120000">
+              <a:path w="120000" h="120000" extrusionOk="0">
                 <a:moveTo>
                   <a:pt x="0" y="0"/>
                 </a:moveTo>
@@ -2241,9 +2344,11 @@
       <p:sp>
         <p:nvSpPr>
           <p:cNvPr id="108" name="Google Shape;108;g75d15ec91f_0_30:notes"/>
-          <p:cNvSpPr txBox="1"/>
+          <p:cNvSpPr txBox="1">
+            <a:spLocks noGrp="1"/>
+          </p:cNvSpPr>
           <p:nvPr>
-            <p:ph idx="1" type="body"/>
+            <p:ph type="body" idx="1"/>
           </p:nvPr>
         </p:nvSpPr>
         <p:spPr>
@@ -2256,23 +2361,20 @@
           </a:prstGeom>
         </p:spPr>
         <p:txBody>
-          <a:bodyPr anchorCtr="0" anchor="t" bIns="91425" lIns="91425" spcFirstLastPara="1" rIns="91425" wrap="square" tIns="91425">
+          <a:bodyPr spcFirstLastPara="1" wrap="square" lIns="91425" tIns="91425" rIns="91425" bIns="91425" anchor="t" anchorCtr="0">
             <a:noAutofit/>
           </a:bodyPr>
           <a:lstStyle/>
           <a:p>
-            <a:pPr indent="0" lvl="0" marL="0" rtl="0" algn="l">
-              <a:spcBef>
-                <a:spcPts val="0"/>
-              </a:spcBef>
-              <a:spcAft>
-                <a:spcPts val="0"/>
-              </a:spcAft>
-              <a:buNone/>
-            </a:pPr>
-            <a:r>
-              <a:t/>
-            </a:r>
+            <a:pPr marL="0" lvl="0" indent="0" algn="l" rtl="0">
+              <a:spcBef>
+                <a:spcPts val="0"/>
+              </a:spcBef>
+              <a:spcAft>
+                <a:spcPts val="0"/>
+              </a:spcAft>
+              <a:buNone/>
+            </a:pPr>
             <a:endParaRPr/>
           </a:p>
         </p:txBody>
@@ -2286,11 +2388,11 @@
 </file>
 
 <file path=ppt/slideLayouts/slideLayout1.xml><?xml version="1.0" encoding="utf-8"?>
-<p:sldLayout xmlns:a="http://schemas.openxmlformats.org/drawingml/2006/main" xmlns:r="http://schemas.openxmlformats.org/officeDocument/2006/relationships" xmlns:mc="http://schemas.openxmlformats.org/markup-compatibility/2006" xmlns:mv="urn:schemas-microsoft-com:mac:vml" xmlns:p="http://schemas.openxmlformats.org/presentationml/2006/main" xmlns:c="http://schemas.openxmlformats.org/drawingml/2006/chart" xmlns:dgm="http://schemas.openxmlformats.org/drawingml/2006/diagram" xmlns:o="urn:schemas-microsoft-com:office:office" xmlns:v="urn:schemas-microsoft-com:vml" xmlns:pvml="urn:schemas-microsoft-com:office:powerpoint" xmlns:com="http://schemas.openxmlformats.org/drawingml/2006/compatibility" xmlns:p14="http://schemas.microsoft.com/office/powerpoint/2010/main" xmlns:p15="http://schemas.microsoft.com/office/powerpoint/2012/main" matchingName="Title" type="title">
+<p:sldLayout xmlns:a="http://schemas.openxmlformats.org/drawingml/2006/main" xmlns:r="http://schemas.openxmlformats.org/officeDocument/2006/relationships" xmlns:p="http://schemas.openxmlformats.org/presentationml/2006/main" matchingName="Title" type="title">
   <p:cSld name="TITLE">
     <p:spTree>
       <p:nvGrpSpPr>
-        <p:cNvPr id="9" name="Shape 9"/>
+        <p:cNvPr id="1" name="Shape 9"/>
         <p:cNvGrpSpPr/>
         <p:nvPr/>
       </p:nvGrpSpPr>
@@ -2333,7 +2435,9 @@
       <p:sp>
         <p:nvSpPr>
           <p:cNvPr id="11" name="Google Shape;11;p2"/>
-          <p:cNvSpPr txBox="1"/>
+          <p:cNvSpPr txBox="1">
+            <a:spLocks noGrp="1"/>
+          </p:cNvSpPr>
           <p:nvPr>
             <p:ph type="ctrTitle"/>
           </p:nvPr>
@@ -2348,7 +2452,7 @@
           </a:prstGeom>
         </p:spPr>
         <p:txBody>
-          <a:bodyPr anchorCtr="0" anchor="t" bIns="0" lIns="0" spcFirstLastPara="1" rIns="0" wrap="square" tIns="0">
+          <a:bodyPr spcFirstLastPara="1" wrap="square" lIns="0" tIns="0" rIns="0" bIns="0" anchor="t" anchorCtr="0">
             <a:noAutofit/>
           </a:bodyPr>
           <a:lstStyle>
@@ -2452,7 +2556,9 @@
               <a:defRPr sz="6000"/>
             </a:lvl9pPr>
           </a:lstStyle>
-          <a:p/>
+          <a:p>
+            <a:endParaRPr/>
+          </a:p>
         </p:txBody>
       </p:sp>
     </p:spTree>
@@ -2464,11 +2570,11 @@
 </file>
 
 <file path=ppt/slideLayouts/slideLayout2.xml><?xml version="1.0" encoding="utf-8"?>
-<p:sldLayout xmlns:a="http://schemas.openxmlformats.org/drawingml/2006/main" xmlns:r="http://schemas.openxmlformats.org/officeDocument/2006/relationships" xmlns:mc="http://schemas.openxmlformats.org/markup-compatibility/2006" xmlns:mv="urn:schemas-microsoft-com:mac:vml" xmlns:p="http://schemas.openxmlformats.org/presentationml/2006/main" xmlns:c="http://schemas.openxmlformats.org/drawingml/2006/chart" xmlns:dgm="http://schemas.openxmlformats.org/drawingml/2006/diagram" xmlns:o="urn:schemas-microsoft-com:office:office" xmlns:v="urn:schemas-microsoft-com:vml" xmlns:pvml="urn:schemas-microsoft-com:office:powerpoint" xmlns:com="http://schemas.openxmlformats.org/drawingml/2006/compatibility" xmlns:p14="http://schemas.microsoft.com/office/powerpoint/2010/main" xmlns:p15="http://schemas.microsoft.com/office/powerpoint/2012/main" matchingName="Subtitle">
+<p:sldLayout xmlns:a="http://schemas.openxmlformats.org/drawingml/2006/main" xmlns:r="http://schemas.openxmlformats.org/officeDocument/2006/relationships" xmlns:p="http://schemas.openxmlformats.org/presentationml/2006/main" matchingName="Subtitle">
   <p:cSld name="TITLE_1">
     <p:spTree>
       <p:nvGrpSpPr>
-        <p:cNvPr id="12" name="Shape 12"/>
+        <p:cNvPr id="1" name="Shape 12"/>
         <p:cNvGrpSpPr/>
         <p:nvPr/>
       </p:nvGrpSpPr>
@@ -2511,7 +2617,9 @@
       <p:sp>
         <p:nvSpPr>
           <p:cNvPr id="14" name="Google Shape;14;p3"/>
-          <p:cNvSpPr txBox="1"/>
+          <p:cNvSpPr txBox="1">
+            <a:spLocks noGrp="1"/>
+          </p:cNvSpPr>
           <p:nvPr>
             <p:ph type="ctrTitle"/>
           </p:nvPr>
@@ -2526,7 +2634,7 @@
           </a:prstGeom>
         </p:spPr>
         <p:txBody>
-          <a:bodyPr anchorCtr="0" anchor="b" bIns="0" lIns="0" spcFirstLastPara="1" rIns="0" wrap="square" tIns="0">
+          <a:bodyPr spcFirstLastPara="1" wrap="square" lIns="0" tIns="0" rIns="0" bIns="0" anchor="b" anchorCtr="0">
             <a:noAutofit/>
           </a:bodyPr>
           <a:lstStyle>
@@ -2630,15 +2738,19 @@
               <a:defRPr sz="4800"/>
             </a:lvl9pPr>
           </a:lstStyle>
-          <a:p/>
+          <a:p>
+            <a:endParaRPr/>
+          </a:p>
         </p:txBody>
       </p:sp>
       <p:sp>
         <p:nvSpPr>
           <p:cNvPr id="15" name="Google Shape;15;p3"/>
-          <p:cNvSpPr txBox="1"/>
+          <p:cNvSpPr txBox="1">
+            <a:spLocks noGrp="1"/>
+          </p:cNvSpPr>
           <p:nvPr>
-            <p:ph idx="1" type="subTitle"/>
+            <p:ph type="subTitle" idx="1"/>
           </p:nvPr>
         </p:nvSpPr>
         <p:spPr>
@@ -2651,7 +2763,7 @@
           </a:prstGeom>
         </p:spPr>
         <p:txBody>
-          <a:bodyPr anchorCtr="0" anchor="t" bIns="0" lIns="0" spcFirstLastPara="1" rIns="0" wrap="square" tIns="0">
+          <a:bodyPr spcFirstLastPara="1" wrap="square" lIns="0" tIns="0" rIns="0" bIns="0" anchor="t" anchorCtr="0">
             <a:noAutofit/>
           </a:bodyPr>
           <a:lstStyle>
@@ -2755,7 +2867,9 @@
               <a:defRPr sz="2400"/>
             </a:lvl9pPr>
           </a:lstStyle>
-          <a:p/>
+          <a:p>
+            <a:endParaRPr/>
+          </a:p>
         </p:txBody>
       </p:sp>
     </p:spTree>
@@ -2767,11 +2881,11 @@
 </file>
 
 <file path=ppt/slideLayouts/slideLayout3.xml><?xml version="1.0" encoding="utf-8"?>
-<p:sldLayout xmlns:a="http://schemas.openxmlformats.org/drawingml/2006/main" xmlns:r="http://schemas.openxmlformats.org/officeDocument/2006/relationships" xmlns:mc="http://schemas.openxmlformats.org/markup-compatibility/2006" xmlns:mv="urn:schemas-microsoft-com:mac:vml" xmlns:p="http://schemas.openxmlformats.org/presentationml/2006/main" xmlns:c="http://schemas.openxmlformats.org/drawingml/2006/chart" xmlns:dgm="http://schemas.openxmlformats.org/drawingml/2006/diagram" xmlns:o="urn:schemas-microsoft-com:office:office" xmlns:v="urn:schemas-microsoft-com:vml" xmlns:pvml="urn:schemas-microsoft-com:office:powerpoint" xmlns:com="http://schemas.openxmlformats.org/drawingml/2006/compatibility" xmlns:p14="http://schemas.microsoft.com/office/powerpoint/2010/main" xmlns:p15="http://schemas.microsoft.com/office/powerpoint/2012/main" matchingName="Quote">
+<p:sldLayout xmlns:a="http://schemas.openxmlformats.org/drawingml/2006/main" xmlns:r="http://schemas.openxmlformats.org/officeDocument/2006/relationships" xmlns:p="http://schemas.openxmlformats.org/presentationml/2006/main" matchingName="Quote">
   <p:cSld name="TITLE_1_1">
     <p:spTree>
       <p:nvGrpSpPr>
-        <p:cNvPr id="16" name="Shape 16"/>
+        <p:cNvPr id="1" name="Shape 16"/>
         <p:cNvGrpSpPr/>
         <p:nvPr/>
       </p:nvGrpSpPr>
@@ -2814,9 +2928,11 @@
       <p:sp>
         <p:nvSpPr>
           <p:cNvPr id="18" name="Google Shape;18;p4"/>
-          <p:cNvSpPr txBox="1"/>
+          <p:cNvSpPr txBox="1">
+            <a:spLocks noGrp="1"/>
+          </p:cNvSpPr>
           <p:nvPr>
-            <p:ph idx="1" type="body"/>
+            <p:ph type="body" idx="1"/>
           </p:nvPr>
         </p:nvSpPr>
         <p:spPr>
@@ -2829,11 +2945,11 @@
           </a:prstGeom>
         </p:spPr>
         <p:txBody>
-          <a:bodyPr anchorCtr="0" anchor="t" bIns="0" lIns="0" spcFirstLastPara="1" rIns="0" wrap="square" tIns="0">
+          <a:bodyPr spcFirstLastPara="1" wrap="square" lIns="0" tIns="0" rIns="0" bIns="0" anchor="t" anchorCtr="0">
             <a:noAutofit/>
           </a:bodyPr>
           <a:lstStyle>
-            <a:lvl1pPr indent="-444500" lvl="0" marL="457200" rtl="0">
+            <a:lvl1pPr marL="457200" lvl="0" indent="-444500" rtl="0">
               <a:spcBef>
                 <a:spcPts val="600"/>
               </a:spcBef>
@@ -2844,7 +2960,7 @@
               <a:buChar char="▰"/>
               <a:defRPr sz="3400"/>
             </a:lvl1pPr>
-            <a:lvl2pPr indent="-444500" lvl="1" marL="914400" rtl="0">
+            <a:lvl2pPr marL="914400" lvl="1" indent="-444500" rtl="0">
               <a:spcBef>
                 <a:spcPts val="0"/>
               </a:spcBef>
@@ -2855,7 +2971,7 @@
               <a:buChar char="○"/>
               <a:defRPr sz="3400"/>
             </a:lvl2pPr>
-            <a:lvl3pPr indent="-444500" lvl="2" marL="1371600" rtl="0">
+            <a:lvl3pPr marL="1371600" lvl="2" indent="-444500" rtl="0">
               <a:spcBef>
                 <a:spcPts val="0"/>
               </a:spcBef>
@@ -2866,7 +2982,7 @@
               <a:buChar char="■"/>
               <a:defRPr sz="3400"/>
             </a:lvl3pPr>
-            <a:lvl4pPr indent="-444500" lvl="3" marL="1828800" rtl="0">
+            <a:lvl4pPr marL="1828800" lvl="3" indent="-444500" rtl="0">
               <a:spcBef>
                 <a:spcPts val="0"/>
               </a:spcBef>
@@ -2877,7 +2993,7 @@
               <a:buChar char="●"/>
               <a:defRPr sz="3400"/>
             </a:lvl4pPr>
-            <a:lvl5pPr indent="-444500" lvl="4" marL="2286000" rtl="0">
+            <a:lvl5pPr marL="2286000" lvl="4" indent="-444500" rtl="0">
               <a:spcBef>
                 <a:spcPts val="0"/>
               </a:spcBef>
@@ -2888,7 +3004,7 @@
               <a:buChar char="○"/>
               <a:defRPr sz="3400"/>
             </a:lvl5pPr>
-            <a:lvl6pPr indent="-444500" lvl="5" marL="2743200" rtl="0">
+            <a:lvl6pPr marL="2743200" lvl="5" indent="-444500" rtl="0">
               <a:spcBef>
                 <a:spcPts val="0"/>
               </a:spcBef>
@@ -2899,7 +3015,7 @@
               <a:buChar char="■"/>
               <a:defRPr sz="3400"/>
             </a:lvl6pPr>
-            <a:lvl7pPr indent="-444500" lvl="6" marL="3200400" rtl="0">
+            <a:lvl7pPr marL="3200400" lvl="6" indent="-444500" rtl="0">
               <a:spcBef>
                 <a:spcPts val="0"/>
               </a:spcBef>
@@ -2910,7 +3026,7 @@
               <a:buChar char="●"/>
               <a:defRPr sz="3400"/>
             </a:lvl7pPr>
-            <a:lvl8pPr indent="-444500" lvl="7" marL="3657600" rtl="0">
+            <a:lvl8pPr marL="3657600" lvl="7" indent="-444500" rtl="0">
               <a:spcBef>
                 <a:spcPts val="0"/>
               </a:spcBef>
@@ -2921,7 +3037,7 @@
               <a:buChar char="○"/>
               <a:defRPr sz="3400"/>
             </a:lvl8pPr>
-            <a:lvl9pPr indent="-444500" lvl="8" marL="4114800">
+            <a:lvl9pPr marL="4114800" lvl="8" indent="-444500">
               <a:spcBef>
                 <a:spcPts val="0"/>
               </a:spcBef>
@@ -2933,7 +3049,9 @@
               <a:defRPr sz="3400"/>
             </a:lvl9pPr>
           </a:lstStyle>
-          <a:p/>
+          <a:p>
+            <a:endParaRPr/>
+          </a:p>
         </p:txBody>
       </p:sp>
       <p:sp>
@@ -2956,12 +3074,12 @@
           </a:ln>
         </p:spPr>
         <p:txBody>
-          <a:bodyPr anchorCtr="0" anchor="t" bIns="0" lIns="0" spcFirstLastPara="1" rIns="0" wrap="square" tIns="0">
+          <a:bodyPr spcFirstLastPara="1" wrap="square" lIns="0" tIns="0" rIns="0" bIns="0" anchor="t" anchorCtr="0">
             <a:noAutofit/>
           </a:bodyPr>
           <a:lstStyle/>
           <a:p>
-            <a:pPr indent="0" lvl="0" marL="0" rtl="0" algn="ctr">
+            <a:pPr marL="0" lvl="0" indent="0" algn="ctr" rtl="0">
               <a:spcBef>
                 <a:spcPts val="0"/>
               </a:spcBef>
@@ -2971,7 +3089,7 @@
               <a:buNone/>
             </a:pPr>
             <a:r>
-              <a:rPr b="1" lang="en" sz="9600">
+              <a:rPr lang="en" sz="9600" b="1">
                 <a:solidFill>
                   <a:srgbClr val="7DFFB1"/>
                 </a:solidFill>
@@ -2982,7 +3100,7 @@
               </a:rPr>
               <a:t>“</a:t>
             </a:r>
-            <a:endParaRPr b="1" sz="9600">
+            <a:endParaRPr sz="9600" b="1">
               <a:solidFill>
                 <a:srgbClr val="7DFFB1"/>
               </a:solidFill>
@@ -2997,9 +3115,11 @@
       <p:sp>
         <p:nvSpPr>
           <p:cNvPr id="20" name="Google Shape;20;p4"/>
-          <p:cNvSpPr txBox="1"/>
+          <p:cNvSpPr txBox="1">
+            <a:spLocks noGrp="1"/>
+          </p:cNvSpPr>
           <p:nvPr>
-            <p:ph idx="12" type="sldNum"/>
+            <p:ph type="sldNum" idx="12"/>
           </p:nvPr>
         </p:nvSpPr>
         <p:spPr>
@@ -3012,7 +3132,7 @@
           </a:prstGeom>
         </p:spPr>
         <p:txBody>
-          <a:bodyPr anchorCtr="0" anchor="ctr" bIns="0" lIns="0" spcFirstLastPara="1" rIns="0" wrap="square" tIns="0">
+          <a:bodyPr spcFirstLastPara="1" wrap="square" lIns="0" tIns="0" rIns="0" bIns="0" anchor="ctr" anchorCtr="0">
             <a:noAutofit/>
           </a:bodyPr>
           <a:lstStyle>
@@ -3054,7 +3174,7 @@
             </a:lvl9pPr>
           </a:lstStyle>
           <a:p>
-            <a:pPr indent="0" lvl="0" marL="0" rtl="0" algn="r">
+            <a:pPr marL="0" lvl="0" indent="0" algn="r" rtl="0">
               <a:spcBef>
                 <a:spcPts val="0"/>
               </a:spcBef>
@@ -3080,11 +3200,11 @@
 </file>
 
 <file path=ppt/slideLayouts/slideLayout4.xml><?xml version="1.0" encoding="utf-8"?>
-<p:sldLayout xmlns:a="http://schemas.openxmlformats.org/drawingml/2006/main" xmlns:r="http://schemas.openxmlformats.org/officeDocument/2006/relationships" xmlns:mc="http://schemas.openxmlformats.org/markup-compatibility/2006" xmlns:mv="urn:schemas-microsoft-com:mac:vml" xmlns:p="http://schemas.openxmlformats.org/presentationml/2006/main" xmlns:c="http://schemas.openxmlformats.org/drawingml/2006/chart" xmlns:dgm="http://schemas.openxmlformats.org/drawingml/2006/diagram" xmlns:o="urn:schemas-microsoft-com:office:office" xmlns:v="urn:schemas-microsoft-com:vml" xmlns:pvml="urn:schemas-microsoft-com:office:powerpoint" xmlns:com="http://schemas.openxmlformats.org/drawingml/2006/compatibility" xmlns:p14="http://schemas.microsoft.com/office/powerpoint/2010/main" xmlns:p15="http://schemas.microsoft.com/office/powerpoint/2012/main" matchingName="Title + 1 column" type="tx">
+<p:sldLayout xmlns:a="http://schemas.openxmlformats.org/drawingml/2006/main" xmlns:r="http://schemas.openxmlformats.org/officeDocument/2006/relationships" xmlns:p="http://schemas.openxmlformats.org/presentationml/2006/main" matchingName="Title + 1 column" type="tx">
   <p:cSld name="TITLE_AND_BODY">
     <p:spTree>
       <p:nvGrpSpPr>
-        <p:cNvPr id="21" name="Shape 21"/>
+        <p:cNvPr id="1" name="Shape 21"/>
         <p:cNvGrpSpPr/>
         <p:nvPr/>
       </p:nvGrpSpPr>
@@ -3127,7 +3247,9 @@
       <p:sp>
         <p:nvSpPr>
           <p:cNvPr id="23" name="Google Shape;23;p5"/>
-          <p:cNvSpPr txBox="1"/>
+          <p:cNvSpPr txBox="1">
+            <a:spLocks noGrp="1"/>
+          </p:cNvSpPr>
           <p:nvPr>
             <p:ph type="title"/>
           </p:nvPr>
@@ -3142,7 +3264,7 @@
           </a:prstGeom>
         </p:spPr>
         <p:txBody>
-          <a:bodyPr anchorCtr="0" anchor="b" bIns="0" lIns="0" spcFirstLastPara="1" rIns="0" wrap="square" tIns="0">
+          <a:bodyPr spcFirstLastPara="1" wrap="square" lIns="0" tIns="0" rIns="0" bIns="0" anchor="b" anchorCtr="0">
             <a:noAutofit/>
           </a:bodyPr>
           <a:lstStyle>
@@ -3246,15 +3368,19 @@
               <a:defRPr/>
             </a:lvl9pPr>
           </a:lstStyle>
-          <a:p/>
+          <a:p>
+            <a:endParaRPr/>
+          </a:p>
         </p:txBody>
       </p:sp>
       <p:sp>
         <p:nvSpPr>
           <p:cNvPr id="24" name="Google Shape;24;p5"/>
-          <p:cNvSpPr txBox="1"/>
+          <p:cNvSpPr txBox="1">
+            <a:spLocks noGrp="1"/>
+          </p:cNvSpPr>
           <p:nvPr>
-            <p:ph idx="1" type="body"/>
+            <p:ph type="body" idx="1"/>
           </p:nvPr>
         </p:nvSpPr>
         <p:spPr>
@@ -3267,11 +3393,11 @@
           </a:prstGeom>
         </p:spPr>
         <p:txBody>
-          <a:bodyPr anchorCtr="0" anchor="t" bIns="0" lIns="0" spcFirstLastPara="1" rIns="0" wrap="square" tIns="0">
+          <a:bodyPr spcFirstLastPara="1" wrap="square" lIns="0" tIns="0" rIns="0" bIns="0" anchor="t" anchorCtr="0">
             <a:noAutofit/>
           </a:bodyPr>
           <a:lstStyle>
-            <a:lvl1pPr indent="-381000" lvl="0" marL="457200">
+            <a:lvl1pPr marL="457200" lvl="0" indent="-381000">
               <a:spcBef>
                 <a:spcPts val="600"/>
               </a:spcBef>
@@ -3282,7 +3408,7 @@
               <a:buChar char="▰"/>
               <a:defRPr/>
             </a:lvl1pPr>
-            <a:lvl2pPr indent="-381000" lvl="1" marL="914400">
+            <a:lvl2pPr marL="914400" lvl="1" indent="-381000">
               <a:spcBef>
                 <a:spcPts val="0"/>
               </a:spcBef>
@@ -3293,7 +3419,7 @@
               <a:buChar char="○"/>
               <a:defRPr/>
             </a:lvl2pPr>
-            <a:lvl3pPr indent="-381000" lvl="2" marL="1371600">
+            <a:lvl3pPr marL="1371600" lvl="2" indent="-381000">
               <a:spcBef>
                 <a:spcPts val="0"/>
               </a:spcBef>
@@ -3304,7 +3430,7 @@
               <a:buChar char="■"/>
               <a:defRPr/>
             </a:lvl3pPr>
-            <a:lvl4pPr indent="-381000" lvl="3" marL="1828800">
+            <a:lvl4pPr marL="1828800" lvl="3" indent="-381000">
               <a:spcBef>
                 <a:spcPts val="0"/>
               </a:spcBef>
@@ -3315,7 +3441,7 @@
               <a:buChar char="●"/>
               <a:defRPr/>
             </a:lvl4pPr>
-            <a:lvl5pPr indent="-381000" lvl="4" marL="2286000">
+            <a:lvl5pPr marL="2286000" lvl="4" indent="-381000">
               <a:spcBef>
                 <a:spcPts val="0"/>
               </a:spcBef>
@@ -3326,7 +3452,7 @@
               <a:buChar char="○"/>
               <a:defRPr/>
             </a:lvl5pPr>
-            <a:lvl6pPr indent="-381000" lvl="5" marL="2743200">
+            <a:lvl6pPr marL="2743200" lvl="5" indent="-381000">
               <a:spcBef>
                 <a:spcPts val="0"/>
               </a:spcBef>
@@ -3337,7 +3463,7 @@
               <a:buChar char="■"/>
               <a:defRPr/>
             </a:lvl6pPr>
-            <a:lvl7pPr indent="-381000" lvl="6" marL="3200400">
+            <a:lvl7pPr marL="3200400" lvl="6" indent="-381000">
               <a:spcBef>
                 <a:spcPts val="0"/>
               </a:spcBef>
@@ -3348,7 +3474,7 @@
               <a:buChar char="●"/>
               <a:defRPr/>
             </a:lvl7pPr>
-            <a:lvl8pPr indent="-381000" lvl="7" marL="3657600">
+            <a:lvl8pPr marL="3657600" lvl="7" indent="-381000">
               <a:spcBef>
                 <a:spcPts val="0"/>
               </a:spcBef>
@@ -3359,7 +3485,7 @@
               <a:buChar char="○"/>
               <a:defRPr/>
             </a:lvl8pPr>
-            <a:lvl9pPr indent="-381000" lvl="8" marL="4114800">
+            <a:lvl9pPr marL="4114800" lvl="8" indent="-381000">
               <a:spcBef>
                 <a:spcPts val="0"/>
               </a:spcBef>
@@ -3371,15 +3497,19 @@
               <a:defRPr/>
             </a:lvl9pPr>
           </a:lstStyle>
-          <a:p/>
+          <a:p>
+            <a:endParaRPr/>
+          </a:p>
         </p:txBody>
       </p:sp>
       <p:sp>
         <p:nvSpPr>
           <p:cNvPr id="25" name="Google Shape;25;p5"/>
-          <p:cNvSpPr txBox="1"/>
+          <p:cNvSpPr txBox="1">
+            <a:spLocks noGrp="1"/>
+          </p:cNvSpPr>
           <p:nvPr>
-            <p:ph idx="12" type="sldNum"/>
+            <p:ph type="sldNum" idx="12"/>
           </p:nvPr>
         </p:nvSpPr>
         <p:spPr>
@@ -3392,7 +3522,7 @@
           </a:prstGeom>
         </p:spPr>
         <p:txBody>
-          <a:bodyPr anchorCtr="0" anchor="ctr" bIns="0" lIns="0" spcFirstLastPara="1" rIns="0" wrap="square" tIns="0">
+          <a:bodyPr spcFirstLastPara="1" wrap="square" lIns="0" tIns="0" rIns="0" bIns="0" anchor="ctr" anchorCtr="0">
             <a:noAutofit/>
           </a:bodyPr>
           <a:lstStyle>
@@ -3434,7 +3564,7 @@
             </a:lvl9pPr>
           </a:lstStyle>
           <a:p>
-            <a:pPr indent="0" lvl="0" marL="0" rtl="0" algn="r">
+            <a:pPr marL="0" lvl="0" indent="0" algn="r" rtl="0">
               <a:spcBef>
                 <a:spcPts val="0"/>
               </a:spcBef>
@@ -3460,11 +3590,11 @@
 </file>
 
 <file path=ppt/slideLayouts/slideLayout5.xml><?xml version="1.0" encoding="utf-8"?>
-<p:sldLayout xmlns:a="http://schemas.openxmlformats.org/drawingml/2006/main" xmlns:r="http://schemas.openxmlformats.org/officeDocument/2006/relationships" xmlns:mc="http://schemas.openxmlformats.org/markup-compatibility/2006" xmlns:mv="urn:schemas-microsoft-com:mac:vml" xmlns:p="http://schemas.openxmlformats.org/presentationml/2006/main" xmlns:c="http://schemas.openxmlformats.org/drawingml/2006/chart" xmlns:dgm="http://schemas.openxmlformats.org/drawingml/2006/diagram" xmlns:o="urn:schemas-microsoft-com:office:office" xmlns:v="urn:schemas-microsoft-com:vml" xmlns:pvml="urn:schemas-microsoft-com:office:powerpoint" xmlns:com="http://schemas.openxmlformats.org/drawingml/2006/compatibility" xmlns:p14="http://schemas.microsoft.com/office/powerpoint/2010/main" xmlns:p15="http://schemas.microsoft.com/office/powerpoint/2012/main" matchingName="Title + 2 columns" type="twoColTx">
+<p:sldLayout xmlns:a="http://schemas.openxmlformats.org/drawingml/2006/main" xmlns:r="http://schemas.openxmlformats.org/officeDocument/2006/relationships" xmlns:p="http://schemas.openxmlformats.org/presentationml/2006/main" matchingName="Title + 2 columns" type="twoColTx">
   <p:cSld name="TITLE_AND_TWO_COLUMNS">
     <p:spTree>
       <p:nvGrpSpPr>
-        <p:cNvPr id="26" name="Shape 26"/>
+        <p:cNvPr id="1" name="Shape 26"/>
         <p:cNvGrpSpPr/>
         <p:nvPr/>
       </p:nvGrpSpPr>
@@ -3507,7 +3637,9 @@
       <p:sp>
         <p:nvSpPr>
           <p:cNvPr id="28" name="Google Shape;28;p6"/>
-          <p:cNvSpPr txBox="1"/>
+          <p:cNvSpPr txBox="1">
+            <a:spLocks noGrp="1"/>
+          </p:cNvSpPr>
           <p:nvPr>
             <p:ph type="title"/>
           </p:nvPr>
@@ -3522,7 +3654,7 @@
           </a:prstGeom>
         </p:spPr>
         <p:txBody>
-          <a:bodyPr anchorCtr="0" anchor="b" bIns="0" lIns="0" spcFirstLastPara="1" rIns="0" wrap="square" tIns="0">
+          <a:bodyPr spcFirstLastPara="1" wrap="square" lIns="0" tIns="0" rIns="0" bIns="0" anchor="b" anchorCtr="0">
             <a:noAutofit/>
           </a:bodyPr>
           <a:lstStyle>
@@ -3626,15 +3758,19 @@
               <a:defRPr/>
             </a:lvl9pPr>
           </a:lstStyle>
-          <a:p/>
+          <a:p>
+            <a:endParaRPr/>
+          </a:p>
         </p:txBody>
       </p:sp>
       <p:sp>
         <p:nvSpPr>
           <p:cNvPr id="29" name="Google Shape;29;p6"/>
-          <p:cNvSpPr txBox="1"/>
+          <p:cNvSpPr txBox="1">
+            <a:spLocks noGrp="1"/>
+          </p:cNvSpPr>
           <p:nvPr>
-            <p:ph idx="1" type="body"/>
+            <p:ph type="body" idx="1"/>
           </p:nvPr>
         </p:nvSpPr>
         <p:spPr>
@@ -3647,11 +3783,11 @@
           </a:prstGeom>
         </p:spPr>
         <p:txBody>
-          <a:bodyPr anchorCtr="0" anchor="t" bIns="0" lIns="0" spcFirstLastPara="1" rIns="0" wrap="square" tIns="0">
+          <a:bodyPr spcFirstLastPara="1" wrap="square" lIns="0" tIns="0" rIns="0" bIns="0" anchor="t" anchorCtr="0">
             <a:noAutofit/>
           </a:bodyPr>
           <a:lstStyle>
-            <a:lvl1pPr indent="-355600" lvl="0" marL="457200">
+            <a:lvl1pPr marL="457200" lvl="0" indent="-355600">
               <a:spcBef>
                 <a:spcPts val="600"/>
               </a:spcBef>
@@ -3662,7 +3798,7 @@
               <a:buChar char="▰"/>
               <a:defRPr sz="2000"/>
             </a:lvl1pPr>
-            <a:lvl2pPr indent="-355600" lvl="1" marL="914400">
+            <a:lvl2pPr marL="914400" lvl="1" indent="-355600">
               <a:spcBef>
                 <a:spcPts val="0"/>
               </a:spcBef>
@@ -3673,7 +3809,7 @@
               <a:buChar char="○"/>
               <a:defRPr sz="2000"/>
             </a:lvl2pPr>
-            <a:lvl3pPr indent="-355600" lvl="2" marL="1371600">
+            <a:lvl3pPr marL="1371600" lvl="2" indent="-355600">
               <a:spcBef>
                 <a:spcPts val="0"/>
               </a:spcBef>
@@ -3684,7 +3820,7 @@
               <a:buChar char="■"/>
               <a:defRPr sz="2000"/>
             </a:lvl3pPr>
-            <a:lvl4pPr indent="-355600" lvl="3" marL="1828800">
+            <a:lvl4pPr marL="1828800" lvl="3" indent="-355600">
               <a:spcBef>
                 <a:spcPts val="0"/>
               </a:spcBef>
@@ -3695,7 +3831,7 @@
               <a:buChar char="●"/>
               <a:defRPr sz="2000"/>
             </a:lvl4pPr>
-            <a:lvl5pPr indent="-355600" lvl="4" marL="2286000">
+            <a:lvl5pPr marL="2286000" lvl="4" indent="-355600">
               <a:spcBef>
                 <a:spcPts val="0"/>
               </a:spcBef>
@@ -3706,7 +3842,7 @@
               <a:buChar char="○"/>
               <a:defRPr sz="2000"/>
             </a:lvl5pPr>
-            <a:lvl6pPr indent="-355600" lvl="5" marL="2743200">
+            <a:lvl6pPr marL="2743200" lvl="5" indent="-355600">
               <a:spcBef>
                 <a:spcPts val="0"/>
               </a:spcBef>
@@ -3717,7 +3853,7 @@
               <a:buChar char="■"/>
               <a:defRPr sz="2000"/>
             </a:lvl6pPr>
-            <a:lvl7pPr indent="-355600" lvl="6" marL="3200400">
+            <a:lvl7pPr marL="3200400" lvl="6" indent="-355600">
               <a:spcBef>
                 <a:spcPts val="0"/>
               </a:spcBef>
@@ -3728,7 +3864,7 @@
               <a:buChar char="●"/>
               <a:defRPr sz="2000"/>
             </a:lvl7pPr>
-            <a:lvl8pPr indent="-355600" lvl="7" marL="3657600">
+            <a:lvl8pPr marL="3657600" lvl="7" indent="-355600">
               <a:spcBef>
                 <a:spcPts val="0"/>
               </a:spcBef>
@@ -3739,7 +3875,7 @@
               <a:buChar char="○"/>
               <a:defRPr sz="2000"/>
             </a:lvl8pPr>
-            <a:lvl9pPr indent="-355600" lvl="8" marL="4114800">
+            <a:lvl9pPr marL="4114800" lvl="8" indent="-355600">
               <a:spcBef>
                 <a:spcPts val="0"/>
               </a:spcBef>
@@ -3751,15 +3887,19 @@
               <a:defRPr sz="2000"/>
             </a:lvl9pPr>
           </a:lstStyle>
-          <a:p/>
+          <a:p>
+            <a:endParaRPr/>
+          </a:p>
         </p:txBody>
       </p:sp>
       <p:sp>
         <p:nvSpPr>
           <p:cNvPr id="30" name="Google Shape;30;p6"/>
-          <p:cNvSpPr txBox="1"/>
+          <p:cNvSpPr txBox="1">
+            <a:spLocks noGrp="1"/>
+          </p:cNvSpPr>
           <p:nvPr>
-            <p:ph idx="2" type="body"/>
+            <p:ph type="body" idx="2"/>
           </p:nvPr>
         </p:nvSpPr>
         <p:spPr>
@@ -3772,11 +3912,11 @@
           </a:prstGeom>
         </p:spPr>
         <p:txBody>
-          <a:bodyPr anchorCtr="0" anchor="t" bIns="0" lIns="0" spcFirstLastPara="1" rIns="0" wrap="square" tIns="0">
+          <a:bodyPr spcFirstLastPara="1" wrap="square" lIns="0" tIns="0" rIns="0" bIns="0" anchor="t" anchorCtr="0">
             <a:noAutofit/>
           </a:bodyPr>
           <a:lstStyle>
-            <a:lvl1pPr indent="-355600" lvl="0" marL="457200">
+            <a:lvl1pPr marL="457200" lvl="0" indent="-355600">
               <a:spcBef>
                 <a:spcPts val="600"/>
               </a:spcBef>
@@ -3787,7 +3927,7 @@
               <a:buChar char="▰"/>
               <a:defRPr sz="2000"/>
             </a:lvl1pPr>
-            <a:lvl2pPr indent="-355600" lvl="1" marL="914400">
+            <a:lvl2pPr marL="914400" lvl="1" indent="-355600">
               <a:spcBef>
                 <a:spcPts val="0"/>
               </a:spcBef>
@@ -3798,7 +3938,7 @@
               <a:buChar char="○"/>
               <a:defRPr sz="2000"/>
             </a:lvl2pPr>
-            <a:lvl3pPr indent="-355600" lvl="2" marL="1371600">
+            <a:lvl3pPr marL="1371600" lvl="2" indent="-355600">
               <a:spcBef>
                 <a:spcPts val="0"/>
               </a:spcBef>
@@ -3809,7 +3949,7 @@
               <a:buChar char="■"/>
               <a:defRPr sz="2000"/>
             </a:lvl3pPr>
-            <a:lvl4pPr indent="-355600" lvl="3" marL="1828800">
+            <a:lvl4pPr marL="1828800" lvl="3" indent="-355600">
               <a:spcBef>
                 <a:spcPts val="0"/>
               </a:spcBef>
@@ -3820,7 +3960,7 @@
               <a:buChar char="●"/>
               <a:defRPr sz="2000"/>
             </a:lvl4pPr>
-            <a:lvl5pPr indent="-355600" lvl="4" marL="2286000">
+            <a:lvl5pPr marL="2286000" lvl="4" indent="-355600">
               <a:spcBef>
                 <a:spcPts val="0"/>
               </a:spcBef>
@@ -3831,7 +3971,7 @@
               <a:buChar char="○"/>
               <a:defRPr sz="2000"/>
             </a:lvl5pPr>
-            <a:lvl6pPr indent="-355600" lvl="5" marL="2743200">
+            <a:lvl6pPr marL="2743200" lvl="5" indent="-355600">
               <a:spcBef>
                 <a:spcPts val="0"/>
               </a:spcBef>
@@ -3842,7 +3982,7 @@
               <a:buChar char="■"/>
               <a:defRPr sz="2000"/>
             </a:lvl6pPr>
-            <a:lvl7pPr indent="-355600" lvl="6" marL="3200400">
+            <a:lvl7pPr marL="3200400" lvl="6" indent="-355600">
               <a:spcBef>
                 <a:spcPts val="0"/>
               </a:spcBef>
@@ -3853,7 +3993,7 @@
               <a:buChar char="●"/>
               <a:defRPr sz="2000"/>
             </a:lvl7pPr>
-            <a:lvl8pPr indent="-355600" lvl="7" marL="3657600">
+            <a:lvl8pPr marL="3657600" lvl="7" indent="-355600">
               <a:spcBef>
                 <a:spcPts val="0"/>
               </a:spcBef>
@@ -3864,7 +4004,7 @@
               <a:buChar char="○"/>
               <a:defRPr sz="2000"/>
             </a:lvl8pPr>
-            <a:lvl9pPr indent="-355600" lvl="8" marL="4114800">
+            <a:lvl9pPr marL="4114800" lvl="8" indent="-355600">
               <a:spcBef>
                 <a:spcPts val="0"/>
               </a:spcBef>
@@ -3876,15 +4016,19 @@
               <a:defRPr sz="2000"/>
             </a:lvl9pPr>
           </a:lstStyle>
-          <a:p/>
+          <a:p>
+            <a:endParaRPr/>
+          </a:p>
         </p:txBody>
       </p:sp>
       <p:sp>
         <p:nvSpPr>
           <p:cNvPr id="31" name="Google Shape;31;p6"/>
-          <p:cNvSpPr txBox="1"/>
+          <p:cNvSpPr txBox="1">
+            <a:spLocks noGrp="1"/>
+          </p:cNvSpPr>
           <p:nvPr>
-            <p:ph idx="12" type="sldNum"/>
+            <p:ph type="sldNum" idx="12"/>
           </p:nvPr>
         </p:nvSpPr>
         <p:spPr>
@@ -3897,7 +4041,7 @@
           </a:prstGeom>
         </p:spPr>
         <p:txBody>
-          <a:bodyPr anchorCtr="0" anchor="ctr" bIns="0" lIns="0" spcFirstLastPara="1" rIns="0" wrap="square" tIns="0">
+          <a:bodyPr spcFirstLastPara="1" wrap="square" lIns="0" tIns="0" rIns="0" bIns="0" anchor="ctr" anchorCtr="0">
             <a:noAutofit/>
           </a:bodyPr>
           <a:lstStyle>
@@ -3939,7 +4083,7 @@
             </a:lvl9pPr>
           </a:lstStyle>
           <a:p>
-            <a:pPr indent="0" lvl="0" marL="0" rtl="0" algn="r">
+            <a:pPr marL="0" lvl="0" indent="0" algn="r" rtl="0">
               <a:spcBef>
                 <a:spcPts val="0"/>
               </a:spcBef>
@@ -3965,11 +4109,11 @@
 </file>
 
 <file path=ppt/slideLayouts/slideLayout6.xml><?xml version="1.0" encoding="utf-8"?>
-<p:sldLayout xmlns:a="http://schemas.openxmlformats.org/drawingml/2006/main" xmlns:r="http://schemas.openxmlformats.org/officeDocument/2006/relationships" xmlns:mc="http://schemas.openxmlformats.org/markup-compatibility/2006" xmlns:mv="urn:schemas-microsoft-com:mac:vml" xmlns:p="http://schemas.openxmlformats.org/presentationml/2006/main" xmlns:c="http://schemas.openxmlformats.org/drawingml/2006/chart" xmlns:dgm="http://schemas.openxmlformats.org/drawingml/2006/diagram" xmlns:o="urn:schemas-microsoft-com:office:office" xmlns:v="urn:schemas-microsoft-com:vml" xmlns:pvml="urn:schemas-microsoft-com:office:powerpoint" xmlns:com="http://schemas.openxmlformats.org/drawingml/2006/compatibility" xmlns:p14="http://schemas.microsoft.com/office/powerpoint/2010/main" xmlns:p15="http://schemas.microsoft.com/office/powerpoint/2012/main" matchingName="Title + 3 columns">
+<p:sldLayout xmlns:a="http://schemas.openxmlformats.org/drawingml/2006/main" xmlns:r="http://schemas.openxmlformats.org/officeDocument/2006/relationships" xmlns:p="http://schemas.openxmlformats.org/presentationml/2006/main" matchingName="Title + 3 columns">
   <p:cSld name="TITLE_AND_TWO_COLUMNS_1">
     <p:spTree>
       <p:nvGrpSpPr>
-        <p:cNvPr id="32" name="Shape 32"/>
+        <p:cNvPr id="1" name="Shape 32"/>
         <p:cNvGrpSpPr/>
         <p:nvPr/>
       </p:nvGrpSpPr>
@@ -4012,7 +4156,9 @@
       <p:sp>
         <p:nvSpPr>
           <p:cNvPr id="34" name="Google Shape;34;p7"/>
-          <p:cNvSpPr txBox="1"/>
+          <p:cNvSpPr txBox="1">
+            <a:spLocks noGrp="1"/>
+          </p:cNvSpPr>
           <p:nvPr>
             <p:ph type="title"/>
           </p:nvPr>
@@ -4027,7 +4173,7 @@
           </a:prstGeom>
         </p:spPr>
         <p:txBody>
-          <a:bodyPr anchorCtr="0" anchor="b" bIns="0" lIns="0" spcFirstLastPara="1" rIns="0" wrap="square" tIns="0">
+          <a:bodyPr spcFirstLastPara="1" wrap="square" lIns="0" tIns="0" rIns="0" bIns="0" anchor="b" anchorCtr="0">
             <a:noAutofit/>
           </a:bodyPr>
           <a:lstStyle>
@@ -4131,15 +4277,19 @@
               <a:defRPr/>
             </a:lvl9pPr>
           </a:lstStyle>
-          <a:p/>
+          <a:p>
+            <a:endParaRPr/>
+          </a:p>
         </p:txBody>
       </p:sp>
       <p:sp>
         <p:nvSpPr>
           <p:cNvPr id="35" name="Google Shape;35;p7"/>
-          <p:cNvSpPr txBox="1"/>
+          <p:cNvSpPr txBox="1">
+            <a:spLocks noGrp="1"/>
+          </p:cNvSpPr>
           <p:nvPr>
-            <p:ph idx="1" type="body"/>
+            <p:ph type="body" idx="1"/>
           </p:nvPr>
         </p:nvSpPr>
         <p:spPr>
@@ -4152,11 +4302,11 @@
           </a:prstGeom>
         </p:spPr>
         <p:txBody>
-          <a:bodyPr anchorCtr="0" anchor="t" bIns="0" lIns="0" spcFirstLastPara="1" rIns="0" wrap="square" tIns="0">
+          <a:bodyPr spcFirstLastPara="1" wrap="square" lIns="0" tIns="0" rIns="0" bIns="0" anchor="t" anchorCtr="0">
             <a:noAutofit/>
           </a:bodyPr>
           <a:lstStyle>
-            <a:lvl1pPr indent="-330200" lvl="0" marL="457200" rtl="0">
+            <a:lvl1pPr marL="457200" lvl="0" indent="-330200" rtl="0">
               <a:spcBef>
                 <a:spcPts val="600"/>
               </a:spcBef>
@@ -4167,7 +4317,7 @@
               <a:buChar char="▰"/>
               <a:defRPr sz="1600"/>
             </a:lvl1pPr>
-            <a:lvl2pPr indent="-330200" lvl="1" marL="914400" rtl="0">
+            <a:lvl2pPr marL="914400" lvl="1" indent="-330200" rtl="0">
               <a:spcBef>
                 <a:spcPts val="0"/>
               </a:spcBef>
@@ -4178,7 +4328,7 @@
               <a:buChar char="○"/>
               <a:defRPr sz="1600"/>
             </a:lvl2pPr>
-            <a:lvl3pPr indent="-330200" lvl="2" marL="1371600" rtl="0">
+            <a:lvl3pPr marL="1371600" lvl="2" indent="-330200" rtl="0">
               <a:spcBef>
                 <a:spcPts val="0"/>
               </a:spcBef>
@@ -4189,7 +4339,7 @@
               <a:buChar char="■"/>
               <a:defRPr sz="1600"/>
             </a:lvl3pPr>
-            <a:lvl4pPr indent="-330200" lvl="3" marL="1828800" rtl="0">
+            <a:lvl4pPr marL="1828800" lvl="3" indent="-330200" rtl="0">
               <a:spcBef>
                 <a:spcPts val="0"/>
               </a:spcBef>
@@ -4200,7 +4350,7 @@
               <a:buChar char="●"/>
               <a:defRPr sz="1600"/>
             </a:lvl4pPr>
-            <a:lvl5pPr indent="-330200" lvl="4" marL="2286000" rtl="0">
+            <a:lvl5pPr marL="2286000" lvl="4" indent="-330200" rtl="0">
               <a:spcBef>
                 <a:spcPts val="0"/>
               </a:spcBef>
@@ -4211,7 +4361,7 @@
               <a:buChar char="○"/>
               <a:defRPr sz="1600"/>
             </a:lvl5pPr>
-            <a:lvl6pPr indent="-330200" lvl="5" marL="2743200" rtl="0">
+            <a:lvl6pPr marL="2743200" lvl="5" indent="-330200" rtl="0">
               <a:spcBef>
                 <a:spcPts val="0"/>
               </a:spcBef>
@@ -4222,7 +4372,7 @@
               <a:buChar char="■"/>
               <a:defRPr sz="1600"/>
             </a:lvl6pPr>
-            <a:lvl7pPr indent="-330200" lvl="6" marL="3200400" rtl="0">
+            <a:lvl7pPr marL="3200400" lvl="6" indent="-330200" rtl="0">
               <a:spcBef>
                 <a:spcPts val="0"/>
               </a:spcBef>
@@ -4233,7 +4383,7 @@
               <a:buChar char="●"/>
               <a:defRPr sz="1600"/>
             </a:lvl7pPr>
-            <a:lvl8pPr indent="-330200" lvl="7" marL="3657600" rtl="0">
+            <a:lvl8pPr marL="3657600" lvl="7" indent="-330200" rtl="0">
               <a:spcBef>
                 <a:spcPts val="0"/>
               </a:spcBef>
@@ -4244,7 +4394,7 @@
               <a:buChar char="○"/>
               <a:defRPr sz="1600"/>
             </a:lvl8pPr>
-            <a:lvl9pPr indent="-330200" lvl="8" marL="4114800" rtl="0">
+            <a:lvl9pPr marL="4114800" lvl="8" indent="-330200" rtl="0">
               <a:spcBef>
                 <a:spcPts val="0"/>
               </a:spcBef>
@@ -4256,15 +4406,19 @@
               <a:defRPr sz="1600"/>
             </a:lvl9pPr>
           </a:lstStyle>
-          <a:p/>
+          <a:p>
+            <a:endParaRPr/>
+          </a:p>
         </p:txBody>
       </p:sp>
       <p:sp>
         <p:nvSpPr>
           <p:cNvPr id="36" name="Google Shape;36;p7"/>
-          <p:cNvSpPr txBox="1"/>
+          <p:cNvSpPr txBox="1">
+            <a:spLocks noGrp="1"/>
+          </p:cNvSpPr>
           <p:nvPr>
-            <p:ph idx="2" type="body"/>
+            <p:ph type="body" idx="2"/>
           </p:nvPr>
         </p:nvSpPr>
         <p:spPr>
@@ -4277,11 +4431,11 @@
           </a:prstGeom>
         </p:spPr>
         <p:txBody>
-          <a:bodyPr anchorCtr="0" anchor="t" bIns="0" lIns="0" spcFirstLastPara="1" rIns="0" wrap="square" tIns="0">
+          <a:bodyPr spcFirstLastPara="1" wrap="square" lIns="0" tIns="0" rIns="0" bIns="0" anchor="t" anchorCtr="0">
             <a:noAutofit/>
           </a:bodyPr>
           <a:lstStyle>
-            <a:lvl1pPr indent="-330200" lvl="0" marL="457200" rtl="0">
+            <a:lvl1pPr marL="457200" lvl="0" indent="-330200" rtl="0">
               <a:spcBef>
                 <a:spcPts val="600"/>
               </a:spcBef>
@@ -4292,7 +4446,7 @@
               <a:buChar char="▰"/>
               <a:defRPr sz="1600"/>
             </a:lvl1pPr>
-            <a:lvl2pPr indent="-330200" lvl="1" marL="914400" rtl="0">
+            <a:lvl2pPr marL="914400" lvl="1" indent="-330200" rtl="0">
               <a:spcBef>
                 <a:spcPts val="0"/>
               </a:spcBef>
@@ -4303,7 +4457,7 @@
               <a:buChar char="○"/>
               <a:defRPr sz="1600"/>
             </a:lvl2pPr>
-            <a:lvl3pPr indent="-330200" lvl="2" marL="1371600" rtl="0">
+            <a:lvl3pPr marL="1371600" lvl="2" indent="-330200" rtl="0">
               <a:spcBef>
                 <a:spcPts val="0"/>
               </a:spcBef>
@@ -4314,7 +4468,7 @@
               <a:buChar char="■"/>
               <a:defRPr sz="1600"/>
             </a:lvl3pPr>
-            <a:lvl4pPr indent="-330200" lvl="3" marL="1828800" rtl="0">
+            <a:lvl4pPr marL="1828800" lvl="3" indent="-330200" rtl="0">
               <a:spcBef>
                 <a:spcPts val="0"/>
               </a:spcBef>
@@ -4325,7 +4479,7 @@
               <a:buChar char="●"/>
               <a:defRPr sz="1600"/>
             </a:lvl4pPr>
-            <a:lvl5pPr indent="-330200" lvl="4" marL="2286000" rtl="0">
+            <a:lvl5pPr marL="2286000" lvl="4" indent="-330200" rtl="0">
               <a:spcBef>
                 <a:spcPts val="0"/>
               </a:spcBef>
@@ -4336,7 +4490,7 @@
               <a:buChar char="○"/>
               <a:defRPr sz="1600"/>
             </a:lvl5pPr>
-            <a:lvl6pPr indent="-330200" lvl="5" marL="2743200" rtl="0">
+            <a:lvl6pPr marL="2743200" lvl="5" indent="-330200" rtl="0">
               <a:spcBef>
                 <a:spcPts val="0"/>
               </a:spcBef>
@@ -4347,7 +4501,7 @@
               <a:buChar char="■"/>
               <a:defRPr sz="1600"/>
             </a:lvl6pPr>
-            <a:lvl7pPr indent="-330200" lvl="6" marL="3200400" rtl="0">
+            <a:lvl7pPr marL="3200400" lvl="6" indent="-330200" rtl="0">
               <a:spcBef>
                 <a:spcPts val="0"/>
               </a:spcBef>
@@ -4358,7 +4512,7 @@
               <a:buChar char="●"/>
               <a:defRPr sz="1600"/>
             </a:lvl7pPr>
-            <a:lvl8pPr indent="-330200" lvl="7" marL="3657600" rtl="0">
+            <a:lvl8pPr marL="3657600" lvl="7" indent="-330200" rtl="0">
               <a:spcBef>
                 <a:spcPts val="0"/>
               </a:spcBef>
@@ -4369,7 +4523,7 @@
               <a:buChar char="○"/>
               <a:defRPr sz="1600"/>
             </a:lvl8pPr>
-            <a:lvl9pPr indent="-330200" lvl="8" marL="4114800" rtl="0">
+            <a:lvl9pPr marL="4114800" lvl="8" indent="-330200" rtl="0">
               <a:spcBef>
                 <a:spcPts val="0"/>
               </a:spcBef>
@@ -4381,15 +4535,19 @@
               <a:defRPr sz="1600"/>
             </a:lvl9pPr>
           </a:lstStyle>
-          <a:p/>
+          <a:p>
+            <a:endParaRPr/>
+          </a:p>
         </p:txBody>
       </p:sp>
       <p:sp>
         <p:nvSpPr>
           <p:cNvPr id="37" name="Google Shape;37;p7"/>
-          <p:cNvSpPr txBox="1"/>
+          <p:cNvSpPr txBox="1">
+            <a:spLocks noGrp="1"/>
+          </p:cNvSpPr>
           <p:nvPr>
-            <p:ph idx="3" type="body"/>
+            <p:ph type="body" idx="3"/>
           </p:nvPr>
         </p:nvSpPr>
         <p:spPr>
@@ -4402,11 +4560,11 @@
           </a:prstGeom>
         </p:spPr>
         <p:txBody>
-          <a:bodyPr anchorCtr="0" anchor="t" bIns="0" lIns="0" spcFirstLastPara="1" rIns="0" wrap="square" tIns="0">
+          <a:bodyPr spcFirstLastPara="1" wrap="square" lIns="0" tIns="0" rIns="0" bIns="0" anchor="t" anchorCtr="0">
             <a:noAutofit/>
           </a:bodyPr>
           <a:lstStyle>
-            <a:lvl1pPr indent="-330200" lvl="0" marL="457200" rtl="0">
+            <a:lvl1pPr marL="457200" lvl="0" indent="-330200" rtl="0">
               <a:spcBef>
                 <a:spcPts val="600"/>
               </a:spcBef>
@@ -4417,7 +4575,7 @@
               <a:buChar char="▰"/>
               <a:defRPr sz="1600"/>
             </a:lvl1pPr>
-            <a:lvl2pPr indent="-330200" lvl="1" marL="914400" rtl="0">
+            <a:lvl2pPr marL="914400" lvl="1" indent="-330200" rtl="0">
               <a:spcBef>
                 <a:spcPts val="0"/>
               </a:spcBef>
@@ -4428,7 +4586,7 @@
               <a:buChar char="○"/>
               <a:defRPr sz="1600"/>
             </a:lvl2pPr>
-            <a:lvl3pPr indent="-330200" lvl="2" marL="1371600" rtl="0">
+            <a:lvl3pPr marL="1371600" lvl="2" indent="-330200" rtl="0">
               <a:spcBef>
                 <a:spcPts val="0"/>
               </a:spcBef>
@@ -4439,7 +4597,7 @@
               <a:buChar char="■"/>
               <a:defRPr sz="1600"/>
             </a:lvl3pPr>
-            <a:lvl4pPr indent="-330200" lvl="3" marL="1828800" rtl="0">
+            <a:lvl4pPr marL="1828800" lvl="3" indent="-330200" rtl="0">
               <a:spcBef>
                 <a:spcPts val="0"/>
               </a:spcBef>
@@ -4450,7 +4608,7 @@
               <a:buChar char="●"/>
               <a:defRPr sz="1600"/>
             </a:lvl4pPr>
-            <a:lvl5pPr indent="-330200" lvl="4" marL="2286000" rtl="0">
+            <a:lvl5pPr marL="2286000" lvl="4" indent="-330200" rtl="0">
               <a:spcBef>
                 <a:spcPts val="0"/>
               </a:spcBef>
@@ -4461,7 +4619,7 @@
               <a:buChar char="○"/>
               <a:defRPr sz="1600"/>
             </a:lvl5pPr>
-            <a:lvl6pPr indent="-330200" lvl="5" marL="2743200" rtl="0">
+            <a:lvl6pPr marL="2743200" lvl="5" indent="-330200" rtl="0">
               <a:spcBef>
                 <a:spcPts val="0"/>
               </a:spcBef>
@@ -4472,7 +4630,7 @@
               <a:buChar char="■"/>
               <a:defRPr sz="1600"/>
             </a:lvl6pPr>
-            <a:lvl7pPr indent="-330200" lvl="6" marL="3200400" rtl="0">
+            <a:lvl7pPr marL="3200400" lvl="6" indent="-330200" rtl="0">
               <a:spcBef>
                 <a:spcPts val="0"/>
               </a:spcBef>
@@ -4483,7 +4641,7 @@
               <a:buChar char="●"/>
               <a:defRPr sz="1600"/>
             </a:lvl7pPr>
-            <a:lvl8pPr indent="-330200" lvl="7" marL="3657600" rtl="0">
+            <a:lvl8pPr marL="3657600" lvl="7" indent="-330200" rtl="0">
               <a:spcBef>
                 <a:spcPts val="0"/>
               </a:spcBef>
@@ -4494,7 +4652,7 @@
               <a:buChar char="○"/>
               <a:defRPr sz="1600"/>
             </a:lvl8pPr>
-            <a:lvl9pPr indent="-330200" lvl="8" marL="4114800" rtl="0">
+            <a:lvl9pPr marL="4114800" lvl="8" indent="-330200" rtl="0">
               <a:spcBef>
                 <a:spcPts val="0"/>
               </a:spcBef>
@@ -4506,15 +4664,19 @@
               <a:defRPr sz="1600"/>
             </a:lvl9pPr>
           </a:lstStyle>
-          <a:p/>
+          <a:p>
+            <a:endParaRPr/>
+          </a:p>
         </p:txBody>
       </p:sp>
       <p:sp>
         <p:nvSpPr>
           <p:cNvPr id="38" name="Google Shape;38;p7"/>
-          <p:cNvSpPr txBox="1"/>
+          <p:cNvSpPr txBox="1">
+            <a:spLocks noGrp="1"/>
+          </p:cNvSpPr>
           <p:nvPr>
-            <p:ph idx="12" type="sldNum"/>
+            <p:ph type="sldNum" idx="12"/>
           </p:nvPr>
         </p:nvSpPr>
         <p:spPr>
@@ -4527,7 +4689,7 @@
           </a:prstGeom>
         </p:spPr>
         <p:txBody>
-          <a:bodyPr anchorCtr="0" anchor="ctr" bIns="0" lIns="0" spcFirstLastPara="1" rIns="0" wrap="square" tIns="0">
+          <a:bodyPr spcFirstLastPara="1" wrap="square" lIns="0" tIns="0" rIns="0" bIns="0" anchor="ctr" anchorCtr="0">
             <a:noAutofit/>
           </a:bodyPr>
           <a:lstStyle>
@@ -4569,7 +4731,7 @@
             </a:lvl9pPr>
           </a:lstStyle>
           <a:p>
-            <a:pPr indent="0" lvl="0" marL="0" rtl="0" algn="r">
+            <a:pPr marL="0" lvl="0" indent="0" algn="r" rtl="0">
               <a:spcBef>
                 <a:spcPts val="0"/>
               </a:spcBef>
@@ -4595,11 +4757,11 @@
 </file>
 
 <file path=ppt/slideLayouts/slideLayout7.xml><?xml version="1.0" encoding="utf-8"?>
-<p:sldLayout xmlns:a="http://schemas.openxmlformats.org/drawingml/2006/main" xmlns:r="http://schemas.openxmlformats.org/officeDocument/2006/relationships" xmlns:mc="http://schemas.openxmlformats.org/markup-compatibility/2006" xmlns:mv="urn:schemas-microsoft-com:mac:vml" xmlns:p="http://schemas.openxmlformats.org/presentationml/2006/main" xmlns:c="http://schemas.openxmlformats.org/drawingml/2006/chart" xmlns:dgm="http://schemas.openxmlformats.org/drawingml/2006/diagram" xmlns:o="urn:schemas-microsoft-com:office:office" xmlns:v="urn:schemas-microsoft-com:vml" xmlns:pvml="urn:schemas-microsoft-com:office:powerpoint" xmlns:com="http://schemas.openxmlformats.org/drawingml/2006/compatibility" xmlns:p14="http://schemas.microsoft.com/office/powerpoint/2010/main" xmlns:p15="http://schemas.microsoft.com/office/powerpoint/2012/main" matchingName="Title only" type="titleOnly">
+<p:sldLayout xmlns:a="http://schemas.openxmlformats.org/drawingml/2006/main" xmlns:r="http://schemas.openxmlformats.org/officeDocument/2006/relationships" xmlns:p="http://schemas.openxmlformats.org/presentationml/2006/main" matchingName="Title only" type="titleOnly">
   <p:cSld name="TITLE_ONLY">
     <p:spTree>
       <p:nvGrpSpPr>
-        <p:cNvPr id="39" name="Shape 39"/>
+        <p:cNvPr id="1" name="Shape 39"/>
         <p:cNvGrpSpPr/>
         <p:nvPr/>
       </p:nvGrpSpPr>
@@ -4642,7 +4804,9 @@
       <p:sp>
         <p:nvSpPr>
           <p:cNvPr id="41" name="Google Shape;41;p8"/>
-          <p:cNvSpPr txBox="1"/>
+          <p:cNvSpPr txBox="1">
+            <a:spLocks noGrp="1"/>
+          </p:cNvSpPr>
           <p:nvPr>
             <p:ph type="title"/>
           </p:nvPr>
@@ -4657,7 +4821,7 @@
           </a:prstGeom>
         </p:spPr>
         <p:txBody>
-          <a:bodyPr anchorCtr="0" anchor="b" bIns="0" lIns="0" spcFirstLastPara="1" rIns="0" wrap="square" tIns="0">
+          <a:bodyPr spcFirstLastPara="1" wrap="square" lIns="0" tIns="0" rIns="0" bIns="0" anchor="b" anchorCtr="0">
             <a:noAutofit/>
           </a:bodyPr>
           <a:lstStyle>
@@ -4761,15 +4925,19 @@
               <a:defRPr/>
             </a:lvl9pPr>
           </a:lstStyle>
-          <a:p/>
+          <a:p>
+            <a:endParaRPr/>
+          </a:p>
         </p:txBody>
       </p:sp>
       <p:sp>
         <p:nvSpPr>
           <p:cNvPr id="42" name="Google Shape;42;p8"/>
-          <p:cNvSpPr txBox="1"/>
+          <p:cNvSpPr txBox="1">
+            <a:spLocks noGrp="1"/>
+          </p:cNvSpPr>
           <p:nvPr>
-            <p:ph idx="12" type="sldNum"/>
+            <p:ph type="sldNum" idx="12"/>
           </p:nvPr>
         </p:nvSpPr>
         <p:spPr>
@@ -4782,7 +4950,7 @@
           </a:prstGeom>
         </p:spPr>
         <p:txBody>
-          <a:bodyPr anchorCtr="0" anchor="ctr" bIns="0" lIns="0" spcFirstLastPara="1" rIns="0" wrap="square" tIns="0">
+          <a:bodyPr spcFirstLastPara="1" wrap="square" lIns="0" tIns="0" rIns="0" bIns="0" anchor="ctr" anchorCtr="0">
             <a:noAutofit/>
           </a:bodyPr>
           <a:lstStyle>
@@ -4824,7 +4992,7 @@
             </a:lvl9pPr>
           </a:lstStyle>
           <a:p>
-            <a:pPr indent="0" lvl="0" marL="0" rtl="0" algn="r">
+            <a:pPr marL="0" lvl="0" indent="0" algn="r" rtl="0">
               <a:spcBef>
                 <a:spcPts val="0"/>
               </a:spcBef>
@@ -4850,11 +5018,11 @@
 </file>
 
 <file path=ppt/slideLayouts/slideLayout8.xml><?xml version="1.0" encoding="utf-8"?>
-<p:sldLayout xmlns:a="http://schemas.openxmlformats.org/drawingml/2006/main" xmlns:r="http://schemas.openxmlformats.org/officeDocument/2006/relationships" xmlns:mc="http://schemas.openxmlformats.org/markup-compatibility/2006" xmlns:mv="urn:schemas-microsoft-com:mac:vml" xmlns:p="http://schemas.openxmlformats.org/presentationml/2006/main" xmlns:c="http://schemas.openxmlformats.org/drawingml/2006/chart" xmlns:dgm="http://schemas.openxmlformats.org/drawingml/2006/diagram" xmlns:o="urn:schemas-microsoft-com:office:office" xmlns:v="urn:schemas-microsoft-com:vml" xmlns:pvml="urn:schemas-microsoft-com:office:powerpoint" xmlns:com="http://schemas.openxmlformats.org/drawingml/2006/compatibility" xmlns:p14="http://schemas.microsoft.com/office/powerpoint/2010/main" xmlns:p15="http://schemas.microsoft.com/office/powerpoint/2012/main" matchingName="Caption">
+<p:sldLayout xmlns:a="http://schemas.openxmlformats.org/drawingml/2006/main" xmlns:r="http://schemas.openxmlformats.org/officeDocument/2006/relationships" xmlns:p="http://schemas.openxmlformats.org/presentationml/2006/main" matchingName="Caption">
   <p:cSld name="CAPTION_ONLY">
     <p:spTree>
       <p:nvGrpSpPr>
-        <p:cNvPr id="43" name="Shape 43"/>
+        <p:cNvPr id="1" name="Shape 43"/>
         <p:cNvGrpSpPr/>
         <p:nvPr/>
       </p:nvGrpSpPr>
@@ -4897,9 +5065,11 @@
       <p:sp>
         <p:nvSpPr>
           <p:cNvPr id="45" name="Google Shape;45;p9"/>
-          <p:cNvSpPr txBox="1"/>
+          <p:cNvSpPr txBox="1">
+            <a:spLocks noGrp="1"/>
+          </p:cNvSpPr>
           <p:nvPr>
-            <p:ph idx="1" type="body"/>
+            <p:ph type="body" idx="1"/>
           </p:nvPr>
         </p:nvSpPr>
         <p:spPr>
@@ -4912,11 +5082,11 @@
           </a:prstGeom>
         </p:spPr>
         <p:txBody>
-          <a:bodyPr anchorCtr="0" anchor="t" bIns="0" lIns="0" spcFirstLastPara="1" rIns="0" wrap="square" tIns="0">
+          <a:bodyPr spcFirstLastPara="1" wrap="square" lIns="0" tIns="0" rIns="0" bIns="0" anchor="t" anchorCtr="0">
             <a:noAutofit/>
           </a:bodyPr>
           <a:lstStyle>
-            <a:lvl1pPr indent="-228600" lvl="0" marL="457200">
+            <a:lvl1pPr marL="457200" lvl="0" indent="-228600">
               <a:spcBef>
                 <a:spcPts val="360"/>
               </a:spcBef>
@@ -4928,15 +5098,19 @@
               <a:defRPr sz="1800"/>
             </a:lvl1pPr>
           </a:lstStyle>
-          <a:p/>
+          <a:p>
+            <a:endParaRPr/>
+          </a:p>
         </p:txBody>
       </p:sp>
       <p:sp>
         <p:nvSpPr>
           <p:cNvPr id="46" name="Google Shape;46;p9"/>
-          <p:cNvSpPr txBox="1"/>
+          <p:cNvSpPr txBox="1">
+            <a:spLocks noGrp="1"/>
+          </p:cNvSpPr>
           <p:nvPr>
-            <p:ph idx="12" type="sldNum"/>
+            <p:ph type="sldNum" idx="12"/>
           </p:nvPr>
         </p:nvSpPr>
         <p:spPr>
@@ -4949,7 +5123,7 @@
           </a:prstGeom>
         </p:spPr>
         <p:txBody>
-          <a:bodyPr anchorCtr="0" anchor="ctr" bIns="0" lIns="0" spcFirstLastPara="1" rIns="0" wrap="square" tIns="0">
+          <a:bodyPr spcFirstLastPara="1" wrap="square" lIns="0" tIns="0" rIns="0" bIns="0" anchor="ctr" anchorCtr="0">
             <a:noAutofit/>
           </a:bodyPr>
           <a:lstStyle>
@@ -4991,7 +5165,7 @@
             </a:lvl9pPr>
           </a:lstStyle>
           <a:p>
-            <a:pPr indent="0" lvl="0" marL="0" rtl="0" algn="r">
+            <a:pPr marL="0" lvl="0" indent="0" algn="r" rtl="0">
               <a:spcBef>
                 <a:spcPts val="0"/>
               </a:spcBef>
@@ -5017,11 +5191,11 @@
 </file>
 
 <file path=ppt/slideLayouts/slideLayout9.xml><?xml version="1.0" encoding="utf-8"?>
-<p:sldLayout xmlns:a="http://schemas.openxmlformats.org/drawingml/2006/main" xmlns:r="http://schemas.openxmlformats.org/officeDocument/2006/relationships" xmlns:mc="http://schemas.openxmlformats.org/markup-compatibility/2006" xmlns:mv="urn:schemas-microsoft-com:mac:vml" xmlns:p="http://schemas.openxmlformats.org/presentationml/2006/main" xmlns:c="http://schemas.openxmlformats.org/drawingml/2006/chart" xmlns:dgm="http://schemas.openxmlformats.org/drawingml/2006/diagram" xmlns:o="urn:schemas-microsoft-com:office:office" xmlns:v="urn:schemas-microsoft-com:vml" xmlns:pvml="urn:schemas-microsoft-com:office:powerpoint" xmlns:com="http://schemas.openxmlformats.org/drawingml/2006/compatibility" xmlns:p14="http://schemas.microsoft.com/office/powerpoint/2010/main" xmlns:p15="http://schemas.microsoft.com/office/powerpoint/2012/main" matchingName="Blank" type="blank">
+<p:sldLayout xmlns:a="http://schemas.openxmlformats.org/drawingml/2006/main" xmlns:r="http://schemas.openxmlformats.org/officeDocument/2006/relationships" xmlns:p="http://schemas.openxmlformats.org/presentationml/2006/main" matchingName="Blank" type="blank">
   <p:cSld name="BLANK">
     <p:spTree>
       <p:nvGrpSpPr>
-        <p:cNvPr id="47" name="Shape 47"/>
+        <p:cNvPr id="1" name="Shape 47"/>
         <p:cNvGrpSpPr/>
         <p:nvPr/>
       </p:nvGrpSpPr>
@@ -5064,9 +5238,11 @@
       <p:sp>
         <p:nvSpPr>
           <p:cNvPr id="49" name="Google Shape;49;p10"/>
-          <p:cNvSpPr txBox="1"/>
+          <p:cNvSpPr txBox="1">
+            <a:spLocks noGrp="1"/>
+          </p:cNvSpPr>
           <p:nvPr>
-            <p:ph idx="12" type="sldNum"/>
+            <p:ph type="sldNum" idx="12"/>
           </p:nvPr>
         </p:nvSpPr>
         <p:spPr>
@@ -5079,7 +5255,7 @@
           </a:prstGeom>
         </p:spPr>
         <p:txBody>
-          <a:bodyPr anchorCtr="0" anchor="ctr" bIns="0" lIns="0" spcFirstLastPara="1" rIns="0" wrap="square" tIns="0">
+          <a:bodyPr spcFirstLastPara="1" wrap="square" lIns="0" tIns="0" rIns="0" bIns="0" anchor="ctr" anchorCtr="0">
             <a:noAutofit/>
           </a:bodyPr>
           <a:lstStyle>
@@ -5121,7 +5297,7 @@
             </a:lvl9pPr>
           </a:lstStyle>
           <a:p>
-            <a:pPr indent="0" lvl="0" marL="0" rtl="0" algn="r">
+            <a:pPr marL="0" lvl="0" indent="0" algn="r" rtl="0">
               <a:spcBef>
                 <a:spcPts val="0"/>
               </a:spcBef>
@@ -5147,7 +5323,7 @@
 </file>
 
 <file path=ppt/slideMasters/slideMaster1.xml><?xml version="1.0" encoding="utf-8"?>
-<p:sldMaster xmlns:a="http://schemas.openxmlformats.org/drawingml/2006/main" xmlns:r="http://schemas.openxmlformats.org/officeDocument/2006/relationships" xmlns:mc="http://schemas.openxmlformats.org/markup-compatibility/2006" xmlns:mv="urn:schemas-microsoft-com:mac:vml" xmlns:p="http://schemas.openxmlformats.org/presentationml/2006/main" xmlns:c="http://schemas.openxmlformats.org/drawingml/2006/chart" xmlns:dgm="http://schemas.openxmlformats.org/drawingml/2006/diagram" xmlns:o="urn:schemas-microsoft-com:office:office" xmlns:v="urn:schemas-microsoft-com:vml" xmlns:pvml="urn:schemas-microsoft-com:office:powerpoint" xmlns:com="http://schemas.openxmlformats.org/drawingml/2006/compatibility" xmlns:p14="http://schemas.microsoft.com/office/powerpoint/2010/main" xmlns:p15="http://schemas.microsoft.com/office/powerpoint/2012/main">
+<p:sldMaster xmlns:a="http://schemas.openxmlformats.org/drawingml/2006/main" xmlns:r="http://schemas.openxmlformats.org/officeDocument/2006/relationships" xmlns:p="http://schemas.openxmlformats.org/presentationml/2006/main">
   <p:cSld name="simple-light">
     <p:bg>
       <p:bgPr>
@@ -5168,11 +5344,12 @@
           </a:gsLst>
           <a:lin ang="13500032" scaled="0"/>
         </a:gradFill>
+        <a:effectLst/>
       </p:bgPr>
     </p:bg>
     <p:spTree>
       <p:nvGrpSpPr>
-        <p:cNvPr id="5" name="Shape 5"/>
+        <p:cNvPr id="1" name="Shape 5"/>
         <p:cNvGrpSpPr/>
         <p:nvPr/>
       </p:nvGrpSpPr>
@@ -5187,7 +5364,9 @@
       <p:sp>
         <p:nvSpPr>
           <p:cNvPr id="6" name="Google Shape;6;p1"/>
-          <p:cNvSpPr txBox="1"/>
+          <p:cNvSpPr txBox="1">
+            <a:spLocks noGrp="1"/>
+          </p:cNvSpPr>
           <p:nvPr>
             <p:ph type="title"/>
           </p:nvPr>
@@ -5206,7 +5385,7 @@
           </a:ln>
         </p:spPr>
         <p:txBody>
-          <a:bodyPr anchorCtr="0" anchor="b" bIns="0" lIns="0" spcFirstLastPara="1" rIns="0" wrap="square" tIns="0">
+          <a:bodyPr spcFirstLastPara="1" wrap="square" lIns="0" tIns="0" rIns="0" bIns="0" anchor="b" anchorCtr="0">
             <a:noAutofit/>
           </a:bodyPr>
           <a:lstStyle>
@@ -5223,7 +5402,7 @@
               <a:buSzPts val="3600"/>
               <a:buFont typeface="Titillium Web"/>
               <a:buNone/>
-              <a:defRPr b="1" sz="3600">
+              <a:defRPr sz="3600" b="1">
                 <a:solidFill>
                   <a:schemeClr val="lt1"/>
                 </a:solidFill>
@@ -5246,7 +5425,7 @@
               <a:buSzPts val="3600"/>
               <a:buFont typeface="Titillium Web"/>
               <a:buNone/>
-              <a:defRPr b="1" sz="3600">
+              <a:defRPr sz="3600" b="1">
                 <a:solidFill>
                   <a:schemeClr val="lt1"/>
                 </a:solidFill>
@@ -5269,7 +5448,7 @@
               <a:buSzPts val="3600"/>
               <a:buFont typeface="Titillium Web"/>
               <a:buNone/>
-              <a:defRPr b="1" sz="3600">
+              <a:defRPr sz="3600" b="1">
                 <a:solidFill>
                   <a:schemeClr val="lt1"/>
                 </a:solidFill>
@@ -5292,7 +5471,7 @@
               <a:buSzPts val="3600"/>
               <a:buFont typeface="Titillium Web"/>
               <a:buNone/>
-              <a:defRPr b="1" sz="3600">
+              <a:defRPr sz="3600" b="1">
                 <a:solidFill>
                   <a:schemeClr val="lt1"/>
                 </a:solidFill>
@@ -5315,7 +5494,7 @@
               <a:buSzPts val="3600"/>
               <a:buFont typeface="Titillium Web"/>
               <a:buNone/>
-              <a:defRPr b="1" sz="3600">
+              <a:defRPr sz="3600" b="1">
                 <a:solidFill>
                   <a:schemeClr val="lt1"/>
                 </a:solidFill>
@@ -5338,7 +5517,7 @@
               <a:buSzPts val="3600"/>
               <a:buFont typeface="Titillium Web"/>
               <a:buNone/>
-              <a:defRPr b="1" sz="3600">
+              <a:defRPr sz="3600" b="1">
                 <a:solidFill>
                   <a:schemeClr val="lt1"/>
                 </a:solidFill>
@@ -5361,7 +5540,7 @@
               <a:buSzPts val="3600"/>
               <a:buFont typeface="Titillium Web"/>
               <a:buNone/>
-              <a:defRPr b="1" sz="3600">
+              <a:defRPr sz="3600" b="1">
                 <a:solidFill>
                   <a:schemeClr val="lt1"/>
                 </a:solidFill>
@@ -5384,7 +5563,7 @@
               <a:buSzPts val="3600"/>
               <a:buFont typeface="Titillium Web"/>
               <a:buNone/>
-              <a:defRPr b="1" sz="3600">
+              <a:defRPr sz="3600" b="1">
                 <a:solidFill>
                   <a:schemeClr val="lt1"/>
                 </a:solidFill>
@@ -5407,7 +5586,7 @@
               <a:buSzPts val="3600"/>
               <a:buFont typeface="Titillium Web"/>
               <a:buNone/>
-              <a:defRPr b="1" sz="3600">
+              <a:defRPr sz="3600" b="1">
                 <a:solidFill>
                   <a:schemeClr val="lt1"/>
                 </a:solidFill>
@@ -5418,15 +5597,19 @@
               </a:defRPr>
             </a:lvl9pPr>
           </a:lstStyle>
-          <a:p/>
+          <a:p>
+            <a:endParaRPr/>
+          </a:p>
         </p:txBody>
       </p:sp>
       <p:sp>
         <p:nvSpPr>
           <p:cNvPr id="7" name="Google Shape;7;p1"/>
-          <p:cNvSpPr txBox="1"/>
+          <p:cNvSpPr txBox="1">
+            <a:spLocks noGrp="1"/>
+          </p:cNvSpPr>
           <p:nvPr>
-            <p:ph idx="1" type="body"/>
+            <p:ph type="body" idx="1"/>
           </p:nvPr>
         </p:nvSpPr>
         <p:spPr>
@@ -5443,11 +5626,11 @@
           </a:ln>
         </p:spPr>
         <p:txBody>
-          <a:bodyPr anchorCtr="0" anchor="t" bIns="0" lIns="0" spcFirstLastPara="1" rIns="0" wrap="square" tIns="0">
+          <a:bodyPr spcFirstLastPara="1" wrap="square" lIns="0" tIns="0" rIns="0" bIns="0" anchor="t" anchorCtr="0">
             <a:noAutofit/>
           </a:bodyPr>
           <a:lstStyle>
-            <a:lvl1pPr indent="-381000" lvl="0" marL="457200">
+            <a:lvl1pPr marL="457200" lvl="0" indent="-381000">
               <a:spcBef>
                 <a:spcPts val="600"/>
               </a:spcBef>
@@ -5470,7 +5653,7 @@
                 <a:sym typeface="Titillium Web Light"/>
               </a:defRPr>
             </a:lvl1pPr>
-            <a:lvl2pPr indent="-381000" lvl="1" marL="914400">
+            <a:lvl2pPr marL="914400" lvl="1" indent="-381000">
               <a:spcBef>
                 <a:spcPts val="0"/>
               </a:spcBef>
@@ -5493,7 +5676,7 @@
                 <a:sym typeface="Titillium Web Light"/>
               </a:defRPr>
             </a:lvl2pPr>
-            <a:lvl3pPr indent="-381000" lvl="2" marL="1371600">
+            <a:lvl3pPr marL="1371600" lvl="2" indent="-381000">
               <a:spcBef>
                 <a:spcPts val="0"/>
               </a:spcBef>
@@ -5516,7 +5699,7 @@
                 <a:sym typeface="Titillium Web Light"/>
               </a:defRPr>
             </a:lvl3pPr>
-            <a:lvl4pPr indent="-381000" lvl="3" marL="1828800">
+            <a:lvl4pPr marL="1828800" lvl="3" indent="-381000">
               <a:spcBef>
                 <a:spcPts val="0"/>
               </a:spcBef>
@@ -5539,7 +5722,7 @@
                 <a:sym typeface="Titillium Web Light"/>
               </a:defRPr>
             </a:lvl4pPr>
-            <a:lvl5pPr indent="-381000" lvl="4" marL="2286000">
+            <a:lvl5pPr marL="2286000" lvl="4" indent="-381000">
               <a:spcBef>
                 <a:spcPts val="0"/>
               </a:spcBef>
@@ -5562,7 +5745,7 @@
                 <a:sym typeface="Titillium Web Light"/>
               </a:defRPr>
             </a:lvl5pPr>
-            <a:lvl6pPr indent="-381000" lvl="5" marL="2743200">
+            <a:lvl6pPr marL="2743200" lvl="5" indent="-381000">
               <a:spcBef>
                 <a:spcPts val="0"/>
               </a:spcBef>
@@ -5585,7 +5768,7 @@
                 <a:sym typeface="Titillium Web Light"/>
               </a:defRPr>
             </a:lvl6pPr>
-            <a:lvl7pPr indent="-381000" lvl="6" marL="3200400">
+            <a:lvl7pPr marL="3200400" lvl="6" indent="-381000">
               <a:spcBef>
                 <a:spcPts val="0"/>
               </a:spcBef>
@@ -5608,7 +5791,7 @@
                 <a:sym typeface="Titillium Web Light"/>
               </a:defRPr>
             </a:lvl7pPr>
-            <a:lvl8pPr indent="-381000" lvl="7" marL="3657600">
+            <a:lvl8pPr marL="3657600" lvl="7" indent="-381000">
               <a:spcBef>
                 <a:spcPts val="0"/>
               </a:spcBef>
@@ -5631,7 +5814,7 @@
                 <a:sym typeface="Titillium Web Light"/>
               </a:defRPr>
             </a:lvl8pPr>
-            <a:lvl9pPr indent="-381000" lvl="8" marL="4114800">
+            <a:lvl9pPr marL="4114800" lvl="8" indent="-381000">
               <a:spcBef>
                 <a:spcPts val="0"/>
               </a:spcBef>
@@ -5655,15 +5838,19 @@
               </a:defRPr>
             </a:lvl9pPr>
           </a:lstStyle>
-          <a:p/>
+          <a:p>
+            <a:endParaRPr/>
+          </a:p>
         </p:txBody>
       </p:sp>
       <p:sp>
         <p:nvSpPr>
           <p:cNvPr id="8" name="Google Shape;8;p1"/>
-          <p:cNvSpPr txBox="1"/>
+          <p:cNvSpPr txBox="1">
+            <a:spLocks noGrp="1"/>
+          </p:cNvSpPr>
           <p:nvPr>
-            <p:ph idx="12" type="sldNum"/>
+            <p:ph type="sldNum" idx="12"/>
           </p:nvPr>
         </p:nvSpPr>
         <p:spPr>
@@ -5680,7 +5867,7 @@
           </a:ln>
         </p:spPr>
         <p:txBody>
-          <a:bodyPr anchorCtr="0" anchor="ctr" bIns="0" lIns="0" spcFirstLastPara="1" rIns="0" wrap="square" tIns="0">
+          <a:bodyPr spcFirstLastPara="1" wrap="square" lIns="0" tIns="0" rIns="0" bIns="0" anchor="ctr" anchorCtr="0">
             <a:noAutofit/>
           </a:bodyPr>
           <a:lstStyle>
@@ -5794,7 +5981,7 @@
             </a:lvl9pPr>
           </a:lstStyle>
           <a:p>
-            <a:pPr indent="0" lvl="0" marL="0" rtl="0" algn="r">
+            <a:pPr marL="0" lvl="0" indent="0" algn="r" rtl="0">
               <a:spcBef>
                 <a:spcPts val="0"/>
               </a:spcBef>
@@ -5813,7 +6000,7 @@
       </p:sp>
     </p:spTree>
   </p:cSld>
-  <p:clrMap accent1="accent1" accent2="accent2" accent3="accent3" accent4="accent4" accent5="accent5" accent6="accent6" bg1="lt1" bg2="dk2" tx1="dk1" tx2="lt2" folHlink="folHlink" hlink="hlink"/>
+  <p:clrMap bg1="lt1" tx1="dk1" bg2="dk2" tx2="lt2" accent1="accent1" accent2="accent2" accent3="accent3" accent4="accent4" accent5="accent5" accent6="accent6" hlink="hlink" folHlink="folHlink"/>
   <p:sldLayoutIdLst>
     <p:sldLayoutId id="2147483648" r:id="rId1"/>
     <p:sldLayoutId id="2147483649" r:id="rId2"/>
@@ -5828,10 +6015,10 @@
   <p:transition>
     <p:fade thruBlk="1"/>
   </p:transition>
-  <p:hf dt="0" ftr="0" hdr="0"/>
+  <p:hf hdr="0" ftr="0" dt="0"/>
   <p:txStyles>
     <p:titleStyle>
-      <a:defPPr lvl="0" marR="0" rtl="0" algn="l">
+      <a:defPPr marR="0" lvl="0" algn="l" rtl="0">
         <a:lnSpc>
           <a:spcPct val="100000"/>
         </a:lnSpc>
@@ -5842,7 +6029,7 @@
           <a:spcPts val="0"/>
         </a:spcAft>
       </a:defPPr>
-      <a:lvl1pPr lvl="0" marR="0" rtl="0" algn="l">
+      <a:lvl1pPr marR="0" lvl="0" algn="l" rtl="0">
         <a:lnSpc>
           <a:spcPct val="100000"/>
         </a:lnSpc>
@@ -5856,7 +6043,7 @@
           <a:srgbClr val="000000"/>
         </a:buClr>
         <a:buFont typeface="Arial"/>
-        <a:defRPr b="0" i="0" sz="1400" u="none" cap="none" strike="noStrike">
+        <a:defRPr sz="1400" b="0" i="0" u="none" strike="noStrike" cap="none">
           <a:solidFill>
             <a:srgbClr val="000000"/>
           </a:solidFill>
@@ -5866,7 +6053,7 @@
           <a:sym typeface="Arial"/>
         </a:defRPr>
       </a:lvl1pPr>
-      <a:lvl2pPr lvl="1" marR="0" rtl="0" algn="l">
+      <a:lvl2pPr marR="0" lvl="1" algn="l" rtl="0">
         <a:lnSpc>
           <a:spcPct val="100000"/>
         </a:lnSpc>
@@ -5880,7 +6067,7 @@
           <a:srgbClr val="000000"/>
         </a:buClr>
         <a:buFont typeface="Arial"/>
-        <a:defRPr b="0" i="0" sz="1400" u="none" cap="none" strike="noStrike">
+        <a:defRPr sz="1400" b="0" i="0" u="none" strike="noStrike" cap="none">
           <a:solidFill>
             <a:srgbClr val="000000"/>
           </a:solidFill>
@@ -5890,7 +6077,7 @@
           <a:sym typeface="Arial"/>
         </a:defRPr>
       </a:lvl2pPr>
-      <a:lvl3pPr lvl="2" marR="0" rtl="0" algn="l">
+      <a:lvl3pPr marR="0" lvl="2" algn="l" rtl="0">
         <a:lnSpc>
           <a:spcPct val="100000"/>
         </a:lnSpc>
@@ -5904,7 +6091,7 @@
           <a:srgbClr val="000000"/>
         </a:buClr>
         <a:buFont typeface="Arial"/>
-        <a:defRPr b="0" i="0" sz="1400" u="none" cap="none" strike="noStrike">
+        <a:defRPr sz="1400" b="0" i="0" u="none" strike="noStrike" cap="none">
           <a:solidFill>
             <a:srgbClr val="000000"/>
           </a:solidFill>
@@ -5914,7 +6101,7 @@
           <a:sym typeface="Arial"/>
         </a:defRPr>
       </a:lvl3pPr>
-      <a:lvl4pPr lvl="3" marR="0" rtl="0" algn="l">
+      <a:lvl4pPr marR="0" lvl="3" algn="l" rtl="0">
         <a:lnSpc>
           <a:spcPct val="100000"/>
         </a:lnSpc>
@@ -5928,7 +6115,7 @@
           <a:srgbClr val="000000"/>
         </a:buClr>
         <a:buFont typeface="Arial"/>
-        <a:defRPr b="0" i="0" sz="1400" u="none" cap="none" strike="noStrike">
+        <a:defRPr sz="1400" b="0" i="0" u="none" strike="noStrike" cap="none">
           <a:solidFill>
             <a:srgbClr val="000000"/>
           </a:solidFill>
@@ -5938,7 +6125,7 @@
           <a:sym typeface="Arial"/>
         </a:defRPr>
       </a:lvl4pPr>
-      <a:lvl5pPr lvl="4" marR="0" rtl="0" algn="l">
+      <a:lvl5pPr marR="0" lvl="4" algn="l" rtl="0">
         <a:lnSpc>
           <a:spcPct val="100000"/>
         </a:lnSpc>
@@ -5952,7 +6139,7 @@
           <a:srgbClr val="000000"/>
         </a:buClr>
         <a:buFont typeface="Arial"/>
-        <a:defRPr b="0" i="0" sz="1400" u="none" cap="none" strike="noStrike">
+        <a:defRPr sz="1400" b="0" i="0" u="none" strike="noStrike" cap="none">
           <a:solidFill>
             <a:srgbClr val="000000"/>
           </a:solidFill>
@@ -5962,7 +6149,7 @@
           <a:sym typeface="Arial"/>
         </a:defRPr>
       </a:lvl5pPr>
-      <a:lvl6pPr lvl="5" marR="0" rtl="0" algn="l">
+      <a:lvl6pPr marR="0" lvl="5" algn="l" rtl="0">
         <a:lnSpc>
           <a:spcPct val="100000"/>
         </a:lnSpc>
@@ -5976,7 +6163,7 @@
           <a:srgbClr val="000000"/>
         </a:buClr>
         <a:buFont typeface="Arial"/>
-        <a:defRPr b="0" i="0" sz="1400" u="none" cap="none" strike="noStrike">
+        <a:defRPr sz="1400" b="0" i="0" u="none" strike="noStrike" cap="none">
           <a:solidFill>
             <a:srgbClr val="000000"/>
           </a:solidFill>
@@ -5986,7 +6173,7 @@
           <a:sym typeface="Arial"/>
         </a:defRPr>
       </a:lvl6pPr>
-      <a:lvl7pPr lvl="6" marR="0" rtl="0" algn="l">
+      <a:lvl7pPr marR="0" lvl="6" algn="l" rtl="0">
         <a:lnSpc>
           <a:spcPct val="100000"/>
         </a:lnSpc>
@@ -6000,7 +6187,7 @@
           <a:srgbClr val="000000"/>
         </a:buClr>
         <a:buFont typeface="Arial"/>
-        <a:defRPr b="0" i="0" sz="1400" u="none" cap="none" strike="noStrike">
+        <a:defRPr sz="1400" b="0" i="0" u="none" strike="noStrike" cap="none">
           <a:solidFill>
             <a:srgbClr val="000000"/>
           </a:solidFill>
@@ -6010,7 +6197,7 @@
           <a:sym typeface="Arial"/>
         </a:defRPr>
       </a:lvl7pPr>
-      <a:lvl8pPr lvl="7" marR="0" rtl="0" algn="l">
+      <a:lvl8pPr marR="0" lvl="7" algn="l" rtl="0">
         <a:lnSpc>
           <a:spcPct val="100000"/>
         </a:lnSpc>
@@ -6024,7 +6211,7 @@
           <a:srgbClr val="000000"/>
         </a:buClr>
         <a:buFont typeface="Arial"/>
-        <a:defRPr b="0" i="0" sz="1400" u="none" cap="none" strike="noStrike">
+        <a:defRPr sz="1400" b="0" i="0" u="none" strike="noStrike" cap="none">
           <a:solidFill>
             <a:srgbClr val="000000"/>
           </a:solidFill>
@@ -6034,7 +6221,7 @@
           <a:sym typeface="Arial"/>
         </a:defRPr>
       </a:lvl8pPr>
-      <a:lvl9pPr lvl="8" marR="0" rtl="0" algn="l">
+      <a:lvl9pPr marR="0" lvl="8" algn="l" rtl="0">
         <a:lnSpc>
           <a:spcPct val="100000"/>
         </a:lnSpc>
@@ -6048,7 +6235,7 @@
           <a:srgbClr val="000000"/>
         </a:buClr>
         <a:buFont typeface="Arial"/>
-        <a:defRPr b="0" i="0" sz="1400" u="none" cap="none" strike="noStrike">
+        <a:defRPr sz="1400" b="0" i="0" u="none" strike="noStrike" cap="none">
           <a:solidFill>
             <a:srgbClr val="000000"/>
           </a:solidFill>
@@ -6060,7 +6247,7 @@
       </a:lvl9pPr>
     </p:titleStyle>
     <p:bodyStyle>
-      <a:defPPr lvl="0" marR="0" rtl="0" algn="l">
+      <a:defPPr marR="0" lvl="0" algn="l" rtl="0">
         <a:lnSpc>
           <a:spcPct val="100000"/>
         </a:lnSpc>
@@ -6071,7 +6258,7 @@
           <a:spcPts val="0"/>
         </a:spcAft>
       </a:defPPr>
-      <a:lvl1pPr lvl="0" marR="0" rtl="0" algn="l">
+      <a:lvl1pPr marR="0" lvl="0" algn="l" rtl="0">
         <a:lnSpc>
           <a:spcPct val="100000"/>
         </a:lnSpc>
@@ -6085,7 +6272,7 @@
           <a:srgbClr val="000000"/>
         </a:buClr>
         <a:buFont typeface="Arial"/>
-        <a:defRPr b="0" i="0" sz="1400" u="none" cap="none" strike="noStrike">
+        <a:defRPr sz="1400" b="0" i="0" u="none" strike="noStrike" cap="none">
           <a:solidFill>
             <a:srgbClr val="000000"/>
           </a:solidFill>
@@ -6095,7 +6282,7 @@
           <a:sym typeface="Arial"/>
         </a:defRPr>
       </a:lvl1pPr>
-      <a:lvl2pPr lvl="1" marR="0" rtl="0" algn="l">
+      <a:lvl2pPr marR="0" lvl="1" algn="l" rtl="0">
         <a:lnSpc>
           <a:spcPct val="100000"/>
         </a:lnSpc>
@@ -6109,7 +6296,7 @@
           <a:srgbClr val="000000"/>
         </a:buClr>
         <a:buFont typeface="Arial"/>
-        <a:defRPr b="0" i="0" sz="1400" u="none" cap="none" strike="noStrike">
+        <a:defRPr sz="1400" b="0" i="0" u="none" strike="noStrike" cap="none">
           <a:solidFill>
             <a:srgbClr val="000000"/>
           </a:solidFill>
@@ -6119,7 +6306,7 @@
           <a:sym typeface="Arial"/>
         </a:defRPr>
       </a:lvl2pPr>
-      <a:lvl3pPr lvl="2" marR="0" rtl="0" algn="l">
+      <a:lvl3pPr marR="0" lvl="2" algn="l" rtl="0">
         <a:lnSpc>
           <a:spcPct val="100000"/>
         </a:lnSpc>
@@ -6133,7 +6320,7 @@
           <a:srgbClr val="000000"/>
         </a:buClr>
         <a:buFont typeface="Arial"/>
-        <a:defRPr b="0" i="0" sz="1400" u="none" cap="none" strike="noStrike">
+        <a:defRPr sz="1400" b="0" i="0" u="none" strike="noStrike" cap="none">
           <a:solidFill>
             <a:srgbClr val="000000"/>
           </a:solidFill>
@@ -6143,7 +6330,7 @@
           <a:sym typeface="Arial"/>
         </a:defRPr>
       </a:lvl3pPr>
-      <a:lvl4pPr lvl="3" marR="0" rtl="0" algn="l">
+      <a:lvl4pPr marR="0" lvl="3" algn="l" rtl="0">
         <a:lnSpc>
           <a:spcPct val="100000"/>
         </a:lnSpc>
@@ -6157,7 +6344,7 @@
           <a:srgbClr val="000000"/>
         </a:buClr>
         <a:buFont typeface="Arial"/>
-        <a:defRPr b="0" i="0" sz="1400" u="none" cap="none" strike="noStrike">
+        <a:defRPr sz="1400" b="0" i="0" u="none" strike="noStrike" cap="none">
           <a:solidFill>
             <a:srgbClr val="000000"/>
           </a:solidFill>
@@ -6167,7 +6354,7 @@
           <a:sym typeface="Arial"/>
         </a:defRPr>
       </a:lvl4pPr>
-      <a:lvl5pPr lvl="4" marR="0" rtl="0" algn="l">
+      <a:lvl5pPr marR="0" lvl="4" algn="l" rtl="0">
         <a:lnSpc>
           <a:spcPct val="100000"/>
         </a:lnSpc>
@@ -6181,7 +6368,7 @@
           <a:srgbClr val="000000"/>
         </a:buClr>
         <a:buFont typeface="Arial"/>
-        <a:defRPr b="0" i="0" sz="1400" u="none" cap="none" strike="noStrike">
+        <a:defRPr sz="1400" b="0" i="0" u="none" strike="noStrike" cap="none">
           <a:solidFill>
             <a:srgbClr val="000000"/>
           </a:solidFill>
@@ -6191,7 +6378,7 @@
           <a:sym typeface="Arial"/>
         </a:defRPr>
       </a:lvl5pPr>
-      <a:lvl6pPr lvl="5" marR="0" rtl="0" algn="l">
+      <a:lvl6pPr marR="0" lvl="5" algn="l" rtl="0">
         <a:lnSpc>
           <a:spcPct val="100000"/>
         </a:lnSpc>
@@ -6205,7 +6392,7 @@
           <a:srgbClr val="000000"/>
         </a:buClr>
         <a:buFont typeface="Arial"/>
-        <a:defRPr b="0" i="0" sz="1400" u="none" cap="none" strike="noStrike">
+        <a:defRPr sz="1400" b="0" i="0" u="none" strike="noStrike" cap="none">
           <a:solidFill>
             <a:srgbClr val="000000"/>
           </a:solidFill>
@@ -6215,7 +6402,7 @@
           <a:sym typeface="Arial"/>
         </a:defRPr>
       </a:lvl6pPr>
-      <a:lvl7pPr lvl="6" marR="0" rtl="0" algn="l">
+      <a:lvl7pPr marR="0" lvl="6" algn="l" rtl="0">
         <a:lnSpc>
           <a:spcPct val="100000"/>
         </a:lnSpc>
@@ -6229,7 +6416,7 @@
           <a:srgbClr val="000000"/>
         </a:buClr>
         <a:buFont typeface="Arial"/>
-        <a:defRPr b="0" i="0" sz="1400" u="none" cap="none" strike="noStrike">
+        <a:defRPr sz="1400" b="0" i="0" u="none" strike="noStrike" cap="none">
           <a:solidFill>
             <a:srgbClr val="000000"/>
           </a:solidFill>
@@ -6239,7 +6426,7 @@
           <a:sym typeface="Arial"/>
         </a:defRPr>
       </a:lvl7pPr>
-      <a:lvl8pPr lvl="7" marR="0" rtl="0" algn="l">
+      <a:lvl8pPr marR="0" lvl="7" algn="l" rtl="0">
         <a:lnSpc>
           <a:spcPct val="100000"/>
         </a:lnSpc>
@@ -6253,7 +6440,7 @@
           <a:srgbClr val="000000"/>
         </a:buClr>
         <a:buFont typeface="Arial"/>
-        <a:defRPr b="0" i="0" sz="1400" u="none" cap="none" strike="noStrike">
+        <a:defRPr sz="1400" b="0" i="0" u="none" strike="noStrike" cap="none">
           <a:solidFill>
             <a:srgbClr val="000000"/>
           </a:solidFill>
@@ -6263,7 +6450,7 @@
           <a:sym typeface="Arial"/>
         </a:defRPr>
       </a:lvl8pPr>
-      <a:lvl9pPr lvl="8" marR="0" rtl="0" algn="l">
+      <a:lvl9pPr marR="0" lvl="8" algn="l" rtl="0">
         <a:lnSpc>
           <a:spcPct val="100000"/>
         </a:lnSpc>
@@ -6277,7 +6464,7 @@
           <a:srgbClr val="000000"/>
         </a:buClr>
         <a:buFont typeface="Arial"/>
-        <a:defRPr b="0" i="0" sz="1400" u="none" cap="none" strike="noStrike">
+        <a:defRPr sz="1400" b="0" i="0" u="none" strike="noStrike" cap="none">
           <a:solidFill>
             <a:srgbClr val="000000"/>
           </a:solidFill>
@@ -6289,7 +6476,7 @@
       </a:lvl9pPr>
     </p:bodyStyle>
     <p:otherStyle>
-      <a:defPPr lvl="0" marR="0" rtl="0" algn="l">
+      <a:defPPr marR="0" lvl="0" algn="l" rtl="0">
         <a:lnSpc>
           <a:spcPct val="100000"/>
         </a:lnSpc>
@@ -6300,7 +6487,7 @@
           <a:spcPts val="0"/>
         </a:spcAft>
       </a:defPPr>
-      <a:lvl1pPr lvl="0" marR="0" rtl="0" algn="l">
+      <a:lvl1pPr marR="0" lvl="0" algn="l" rtl="0">
         <a:lnSpc>
           <a:spcPct val="100000"/>
         </a:lnSpc>
@@ -6314,7 +6501,7 @@
           <a:srgbClr val="000000"/>
         </a:buClr>
         <a:buFont typeface="Arial"/>
-        <a:defRPr b="0" i="0" sz="1400" u="none" cap="none" strike="noStrike">
+        <a:defRPr sz="1400" b="0" i="0" u="none" strike="noStrike" cap="none">
           <a:solidFill>
             <a:srgbClr val="000000"/>
           </a:solidFill>
@@ -6324,7 +6511,7 @@
           <a:sym typeface="Arial"/>
         </a:defRPr>
       </a:lvl1pPr>
-      <a:lvl2pPr lvl="1" marR="0" rtl="0" algn="l">
+      <a:lvl2pPr marR="0" lvl="1" algn="l" rtl="0">
         <a:lnSpc>
           <a:spcPct val="100000"/>
         </a:lnSpc>
@@ -6338,7 +6525,7 @@
           <a:srgbClr val="000000"/>
         </a:buClr>
         <a:buFont typeface="Arial"/>
-        <a:defRPr b="0" i="0" sz="1400" u="none" cap="none" strike="noStrike">
+        <a:defRPr sz="1400" b="0" i="0" u="none" strike="noStrike" cap="none">
           <a:solidFill>
             <a:srgbClr val="000000"/>
           </a:solidFill>
@@ -6348,7 +6535,7 @@
           <a:sym typeface="Arial"/>
         </a:defRPr>
       </a:lvl2pPr>
-      <a:lvl3pPr lvl="2" marR="0" rtl="0" algn="l">
+      <a:lvl3pPr marR="0" lvl="2" algn="l" rtl="0">
         <a:lnSpc>
           <a:spcPct val="100000"/>
         </a:lnSpc>
@@ -6362,7 +6549,7 @@
           <a:srgbClr val="000000"/>
         </a:buClr>
         <a:buFont typeface="Arial"/>
-        <a:defRPr b="0" i="0" sz="1400" u="none" cap="none" strike="noStrike">
+        <a:defRPr sz="1400" b="0" i="0" u="none" strike="noStrike" cap="none">
           <a:solidFill>
             <a:srgbClr val="000000"/>
           </a:solidFill>
@@ -6372,7 +6559,7 @@
           <a:sym typeface="Arial"/>
         </a:defRPr>
       </a:lvl3pPr>
-      <a:lvl4pPr lvl="3" marR="0" rtl="0" algn="l">
+      <a:lvl4pPr marR="0" lvl="3" algn="l" rtl="0">
         <a:lnSpc>
           <a:spcPct val="100000"/>
         </a:lnSpc>
@@ -6386,7 +6573,7 @@
           <a:srgbClr val="000000"/>
         </a:buClr>
         <a:buFont typeface="Arial"/>
-        <a:defRPr b="0" i="0" sz="1400" u="none" cap="none" strike="noStrike">
+        <a:defRPr sz="1400" b="0" i="0" u="none" strike="noStrike" cap="none">
           <a:solidFill>
             <a:srgbClr val="000000"/>
           </a:solidFill>
@@ -6396,7 +6583,7 @@
           <a:sym typeface="Arial"/>
         </a:defRPr>
       </a:lvl4pPr>
-      <a:lvl5pPr lvl="4" marR="0" rtl="0" algn="l">
+      <a:lvl5pPr marR="0" lvl="4" algn="l" rtl="0">
         <a:lnSpc>
           <a:spcPct val="100000"/>
         </a:lnSpc>
@@ -6410,7 +6597,7 @@
           <a:srgbClr val="000000"/>
         </a:buClr>
         <a:buFont typeface="Arial"/>
-        <a:defRPr b="0" i="0" sz="1400" u="none" cap="none" strike="noStrike">
+        <a:defRPr sz="1400" b="0" i="0" u="none" strike="noStrike" cap="none">
           <a:solidFill>
             <a:srgbClr val="000000"/>
           </a:solidFill>
@@ -6420,7 +6607,7 @@
           <a:sym typeface="Arial"/>
         </a:defRPr>
       </a:lvl5pPr>
-      <a:lvl6pPr lvl="5" marR="0" rtl="0" algn="l">
+      <a:lvl6pPr marR="0" lvl="5" algn="l" rtl="0">
         <a:lnSpc>
           <a:spcPct val="100000"/>
         </a:lnSpc>
@@ -6434,7 +6621,7 @@
           <a:srgbClr val="000000"/>
         </a:buClr>
         <a:buFont typeface="Arial"/>
-        <a:defRPr b="0" i="0" sz="1400" u="none" cap="none" strike="noStrike">
+        <a:defRPr sz="1400" b="0" i="0" u="none" strike="noStrike" cap="none">
           <a:solidFill>
             <a:srgbClr val="000000"/>
           </a:solidFill>
@@ -6444,7 +6631,7 @@
           <a:sym typeface="Arial"/>
         </a:defRPr>
       </a:lvl6pPr>
-      <a:lvl7pPr lvl="6" marR="0" rtl="0" algn="l">
+      <a:lvl7pPr marR="0" lvl="6" algn="l" rtl="0">
         <a:lnSpc>
           <a:spcPct val="100000"/>
         </a:lnSpc>
@@ -6458,7 +6645,7 @@
           <a:srgbClr val="000000"/>
         </a:buClr>
         <a:buFont typeface="Arial"/>
-        <a:defRPr b="0" i="0" sz="1400" u="none" cap="none" strike="noStrike">
+        <a:defRPr sz="1400" b="0" i="0" u="none" strike="noStrike" cap="none">
           <a:solidFill>
             <a:srgbClr val="000000"/>
           </a:solidFill>
@@ -6468,7 +6655,7 @@
           <a:sym typeface="Arial"/>
         </a:defRPr>
       </a:lvl7pPr>
-      <a:lvl8pPr lvl="7" marR="0" rtl="0" algn="l">
+      <a:lvl8pPr marR="0" lvl="7" algn="l" rtl="0">
         <a:lnSpc>
           <a:spcPct val="100000"/>
         </a:lnSpc>
@@ -6482,7 +6669,7 @@
           <a:srgbClr val="000000"/>
         </a:buClr>
         <a:buFont typeface="Arial"/>
-        <a:defRPr b="0" i="0" sz="1400" u="none" cap="none" strike="noStrike">
+        <a:defRPr sz="1400" b="0" i="0" u="none" strike="noStrike" cap="none">
           <a:solidFill>
             <a:srgbClr val="000000"/>
           </a:solidFill>
@@ -6492,7 +6679,7 @@
           <a:sym typeface="Arial"/>
         </a:defRPr>
       </a:lvl8pPr>
-      <a:lvl9pPr lvl="8" marR="0" rtl="0" algn="l">
+      <a:lvl9pPr marR="0" lvl="8" algn="l" rtl="0">
         <a:lnSpc>
           <a:spcPct val="100000"/>
         </a:lnSpc>
@@ -6506,7 +6693,7 @@
           <a:srgbClr val="000000"/>
         </a:buClr>
         <a:buFont typeface="Arial"/>
-        <a:defRPr b="0" i="0" sz="1400" u="none" cap="none" strike="noStrike">
+        <a:defRPr sz="1400" b="0" i="0" u="none" strike="noStrike" cap="none">
           <a:solidFill>
             <a:srgbClr val="000000"/>
           </a:solidFill>
@@ -6522,11 +6709,11 @@
 </file>
 
 <file path=ppt/slides/slide1.xml><?xml version="1.0" encoding="utf-8"?>
-<p:sld xmlns:a="http://schemas.openxmlformats.org/drawingml/2006/main" xmlns:r="http://schemas.openxmlformats.org/officeDocument/2006/relationships" xmlns:mc="http://schemas.openxmlformats.org/markup-compatibility/2006" xmlns:mv="urn:schemas-microsoft-com:mac:vml" xmlns:p="http://schemas.openxmlformats.org/presentationml/2006/main" xmlns:c="http://schemas.openxmlformats.org/drawingml/2006/chart" xmlns:dgm="http://schemas.openxmlformats.org/drawingml/2006/diagram" xmlns:o="urn:schemas-microsoft-com:office:office" xmlns:v="urn:schemas-microsoft-com:vml" xmlns:pvml="urn:schemas-microsoft-com:office:powerpoint" xmlns:com="http://schemas.openxmlformats.org/drawingml/2006/compatibility" xmlns:p14="http://schemas.microsoft.com/office/powerpoint/2010/main" xmlns:p15="http://schemas.microsoft.com/office/powerpoint/2012/main">
+<p:sld xmlns:a="http://schemas.openxmlformats.org/drawingml/2006/main" xmlns:r="http://schemas.openxmlformats.org/officeDocument/2006/relationships" xmlns:p="http://schemas.openxmlformats.org/presentationml/2006/main">
   <p:cSld>
     <p:spTree>
       <p:nvGrpSpPr>
-        <p:cNvPr id="53" name="Shape 53"/>
+        <p:cNvPr id="1" name="Shape 53"/>
         <p:cNvGrpSpPr/>
         <p:nvPr/>
       </p:nvGrpSpPr>
@@ -6541,7 +6728,9 @@
       <p:sp>
         <p:nvSpPr>
           <p:cNvPr id="54" name="Google Shape;54;p11"/>
-          <p:cNvSpPr txBox="1"/>
+          <p:cNvSpPr txBox="1">
+            <a:spLocks noGrp="1"/>
+          </p:cNvSpPr>
           <p:nvPr>
             <p:ph type="ctrTitle"/>
           </p:nvPr>
@@ -6556,12 +6745,12 @@
           </a:prstGeom>
         </p:spPr>
         <p:txBody>
-          <a:bodyPr anchorCtr="0" anchor="t" bIns="0" lIns="0" spcFirstLastPara="1" rIns="0" wrap="square" tIns="0">
+          <a:bodyPr spcFirstLastPara="1" wrap="square" lIns="0" tIns="0" rIns="0" bIns="0" anchor="t" anchorCtr="0">
             <a:noAutofit/>
           </a:bodyPr>
           <a:lstStyle/>
           <a:p>
-            <a:pPr indent="0" lvl="0" marL="0" rtl="0" algn="l">
+            <a:pPr marL="0" lvl="0" indent="0" algn="l" rtl="0">
               <a:spcBef>
                 <a:spcPts val="0"/>
               </a:spcBef>
@@ -6577,7 +6766,7 @@
             <a:endParaRPr/>
           </a:p>
           <a:p>
-            <a:pPr indent="0" lvl="0" marL="0" rtl="0" algn="l">
+            <a:pPr marL="0" lvl="0" indent="0" algn="l" rtl="0">
               <a:spcBef>
                 <a:spcPts val="0"/>
               </a:spcBef>
@@ -6593,18 +6782,15 @@
             <a:endParaRPr/>
           </a:p>
           <a:p>
-            <a:pPr indent="0" lvl="0" marL="0" rtl="0" algn="l">
-              <a:spcBef>
-                <a:spcPts val="0"/>
-              </a:spcBef>
-              <a:spcAft>
-                <a:spcPts val="0"/>
-              </a:spcAft>
-              <a:buNone/>
-            </a:pPr>
-            <a:r>
-              <a:t/>
-            </a:r>
+            <a:pPr marL="0" lvl="0" indent="0" algn="l" rtl="0">
+              <a:spcBef>
+                <a:spcPts val="0"/>
+              </a:spcBef>
+              <a:spcAft>
+                <a:spcPts val="0"/>
+              </a:spcAft>
+              <a:buNone/>
+            </a:pPr>
             <a:endParaRPr/>
           </a:p>
         </p:txBody>
@@ -6612,7 +6798,9 @@
       <p:sp>
         <p:nvSpPr>
           <p:cNvPr id="55" name="Google Shape;55;p11"/>
-          <p:cNvSpPr txBox="1"/>
+          <p:cNvSpPr txBox="1">
+            <a:spLocks noGrp="1"/>
+          </p:cNvSpPr>
           <p:nvPr>
             <p:ph type="ctrTitle"/>
           </p:nvPr>
@@ -6627,12 +6815,12 @@
           </a:prstGeom>
         </p:spPr>
         <p:txBody>
-          <a:bodyPr anchorCtr="0" anchor="t" bIns="0" lIns="0" spcFirstLastPara="1" rIns="0" wrap="square" tIns="0">
+          <a:bodyPr spcFirstLastPara="1" wrap="square" lIns="0" tIns="0" rIns="0" bIns="0" anchor="t" anchorCtr="0">
             <a:noAutofit/>
           </a:bodyPr>
           <a:lstStyle/>
           <a:p>
-            <a:pPr indent="0" lvl="0" marL="0" rtl="0" algn="l">
+            <a:pPr marL="0" lvl="0" indent="0" algn="l" rtl="0">
               <a:spcBef>
                 <a:spcPts val="0"/>
               </a:spcBef>
@@ -6652,7 +6840,9 @@
       <p:sp>
         <p:nvSpPr>
           <p:cNvPr id="56" name="Google Shape;56;p11"/>
-          <p:cNvSpPr txBox="1"/>
+          <p:cNvSpPr txBox="1">
+            <a:spLocks noGrp="1"/>
+          </p:cNvSpPr>
           <p:nvPr>
             <p:ph type="ctrTitle"/>
           </p:nvPr>
@@ -6667,12 +6857,12 @@
           </a:prstGeom>
         </p:spPr>
         <p:txBody>
-          <a:bodyPr anchorCtr="0" anchor="t" bIns="0" lIns="0" spcFirstLastPara="1" rIns="0" wrap="square" tIns="0">
+          <a:bodyPr spcFirstLastPara="1" wrap="square" lIns="0" tIns="0" rIns="0" bIns="0" anchor="t" anchorCtr="0">
             <a:noAutofit/>
           </a:bodyPr>
           <a:lstStyle/>
           <a:p>
-            <a:pPr indent="0" lvl="0" marL="0" rtl="0" algn="l">
+            <a:pPr marL="0" lvl="0" indent="0" algn="l" rtl="0">
               <a:spcBef>
                 <a:spcPts val="0"/>
               </a:spcBef>
@@ -6698,11 +6888,11 @@
 </file>
 
 <file path=ppt/slides/slide10.xml><?xml version="1.0" encoding="utf-8"?>
-<p:sld xmlns:a="http://schemas.openxmlformats.org/drawingml/2006/main" xmlns:r="http://schemas.openxmlformats.org/officeDocument/2006/relationships" xmlns:mc="http://schemas.openxmlformats.org/markup-compatibility/2006" xmlns:mv="urn:schemas-microsoft-com:mac:vml" xmlns:p="http://schemas.openxmlformats.org/presentationml/2006/main" xmlns:c="http://schemas.openxmlformats.org/drawingml/2006/chart" xmlns:dgm="http://schemas.openxmlformats.org/drawingml/2006/diagram" xmlns:o="urn:schemas-microsoft-com:office:office" xmlns:v="urn:schemas-microsoft-com:vml" xmlns:pvml="urn:schemas-microsoft-com:office:powerpoint" xmlns:com="http://schemas.openxmlformats.org/drawingml/2006/compatibility" xmlns:p14="http://schemas.microsoft.com/office/powerpoint/2010/main" xmlns:p15="http://schemas.microsoft.com/office/powerpoint/2012/main">
+<p:sld xmlns:a="http://schemas.openxmlformats.org/drawingml/2006/main" xmlns:r="http://schemas.openxmlformats.org/officeDocument/2006/relationships" xmlns:p="http://schemas.openxmlformats.org/presentationml/2006/main">
   <p:cSld>
     <p:spTree>
       <p:nvGrpSpPr>
-        <p:cNvPr id="116" name="Shape 116"/>
+        <p:cNvPr id="1" name="Shape 116"/>
         <p:cNvGrpSpPr/>
         <p:nvPr/>
       </p:nvGrpSpPr>
@@ -6717,7 +6907,9 @@
       <p:sp>
         <p:nvSpPr>
           <p:cNvPr id="117" name="Google Shape;117;p20"/>
-          <p:cNvSpPr txBox="1"/>
+          <p:cNvSpPr txBox="1">
+            <a:spLocks noGrp="1"/>
+          </p:cNvSpPr>
           <p:nvPr>
             <p:ph type="ctrTitle"/>
           </p:nvPr>
@@ -6732,12 +6924,12 @@
           </a:prstGeom>
         </p:spPr>
         <p:txBody>
-          <a:bodyPr anchorCtr="0" anchor="t" bIns="0" lIns="0" spcFirstLastPara="1" rIns="0" wrap="square" tIns="0">
+          <a:bodyPr spcFirstLastPara="1" wrap="square" lIns="0" tIns="0" rIns="0" bIns="0" anchor="t" anchorCtr="0">
             <a:noAutofit/>
           </a:bodyPr>
           <a:lstStyle/>
           <a:p>
-            <a:pPr indent="0" lvl="0" marL="0" rtl="0" algn="l">
+            <a:pPr marL="0" lvl="0" indent="0" algn="l" rtl="0">
               <a:spcBef>
                 <a:spcPts val="0"/>
               </a:spcBef>
@@ -6751,6 +6943,67 @@
               <a:t>Prototype</a:t>
             </a:r>
             <a:endParaRPr/>
+          </a:p>
+        </p:txBody>
+      </p:sp>
+      <p:sp>
+        <p:nvSpPr>
+          <p:cNvPr id="118" name="Google Shape;118;p20"/>
+          <p:cNvSpPr txBox="1">
+            <a:spLocks noGrp="1"/>
+          </p:cNvSpPr>
+          <p:nvPr>
+            <p:ph type="ctrTitle"/>
+          </p:nvPr>
+        </p:nvSpPr>
+        <p:spPr>
+          <a:xfrm>
+            <a:off x="142881" y="2080051"/>
+            <a:ext cx="8486700" cy="1159800"/>
+          </a:xfrm>
+          <a:prstGeom prst="rect">
+            <a:avLst/>
+          </a:prstGeom>
+        </p:spPr>
+        <p:txBody>
+          <a:bodyPr spcFirstLastPara="1" wrap="square" lIns="0" tIns="0" rIns="0" bIns="0" anchor="t" anchorCtr="0">
+            <a:noAutofit/>
+          </a:bodyPr>
+          <a:lstStyle/>
+          <a:p>
+            <a:pPr marL="0" lvl="0" indent="0" algn="l" rtl="0">
+              <a:spcBef>
+                <a:spcPts val="0"/>
+              </a:spcBef>
+              <a:spcAft>
+                <a:spcPts val="0"/>
+              </a:spcAft>
+              <a:buNone/>
+            </a:pPr>
+            <a:r>
+              <a:rPr lang="en" sz="3600" b="0" u="sng" dirty="0">
+                <a:solidFill>
+                  <a:schemeClr val="bg1"/>
+                </a:solidFill>
+                <a:latin typeface="Arial"/>
+                <a:ea typeface="Arial"/>
+                <a:cs typeface="Arial"/>
+                <a:sym typeface="Arial"/>
+                <a:hlinkClick r:id="rId3">
+                  <a:extLst>
+                    <a:ext uri="{A12FA001-AC4F-418D-AE19-62706E023703}">
+                      <ahyp:hlinkClr xmlns:ahyp="http://schemas.microsoft.com/office/drawing/2018/hyperlinkcolor" val="tx"/>
+                    </a:ext>
+                  </a:extLst>
+                </a:hlinkClick>
+              </a:rPr>
+              <a:t>http://weblab.salemstate.edu/~S0313537/StupollProto/</a:t>
+            </a:r>
+            <a:endParaRPr sz="3600" dirty="0">
+              <a:solidFill>
+                <a:schemeClr val="bg1"/>
+              </a:solidFill>
+            </a:endParaRPr>
           </a:p>
         </p:txBody>
       </p:sp>
@@ -6763,11 +7016,11 @@
 </file>
 
 <file path=ppt/slides/slide11.xml><?xml version="1.0" encoding="utf-8"?>
-<p:sld xmlns:a="http://schemas.openxmlformats.org/drawingml/2006/main" xmlns:r="http://schemas.openxmlformats.org/officeDocument/2006/relationships" xmlns:mc="http://schemas.openxmlformats.org/markup-compatibility/2006" xmlns:mv="urn:schemas-microsoft-com:mac:vml" xmlns:p="http://schemas.openxmlformats.org/presentationml/2006/main" xmlns:c="http://schemas.openxmlformats.org/drawingml/2006/chart" xmlns:dgm="http://schemas.openxmlformats.org/drawingml/2006/diagram" xmlns:o="urn:schemas-microsoft-com:office:office" xmlns:v="urn:schemas-microsoft-com:vml" xmlns:pvml="urn:schemas-microsoft-com:office:powerpoint" xmlns:com="http://schemas.openxmlformats.org/drawingml/2006/compatibility" xmlns:p14="http://schemas.microsoft.com/office/powerpoint/2010/main" xmlns:p15="http://schemas.microsoft.com/office/powerpoint/2012/main">
+<p:sld xmlns:a="http://schemas.openxmlformats.org/drawingml/2006/main" xmlns:r="http://schemas.openxmlformats.org/officeDocument/2006/relationships" xmlns:p="http://schemas.openxmlformats.org/presentationml/2006/main">
   <p:cSld>
     <p:spTree>
       <p:nvGrpSpPr>
-        <p:cNvPr id="121" name="Shape 121"/>
+        <p:cNvPr id="1" name="Shape 122"/>
         <p:cNvGrpSpPr/>
         <p:nvPr/>
       </p:nvGrpSpPr>
@@ -6781,8 +7034,10 @@
       </p:grpSpPr>
       <p:sp>
         <p:nvSpPr>
-          <p:cNvPr id="122" name="Google Shape;122;p21"/>
-          <p:cNvSpPr txBox="1"/>
+          <p:cNvPr id="123" name="Google Shape;123;p21"/>
+          <p:cNvSpPr txBox="1">
+            <a:spLocks noGrp="1"/>
+          </p:cNvSpPr>
           <p:nvPr>
             <p:ph type="title"/>
           </p:nvPr>
@@ -6797,12 +7052,12 @@
           </a:prstGeom>
         </p:spPr>
         <p:txBody>
-          <a:bodyPr anchorCtr="0" anchor="b" bIns="0" lIns="0" spcFirstLastPara="1" rIns="0" wrap="square" tIns="0">
+          <a:bodyPr spcFirstLastPara="1" wrap="square" lIns="0" tIns="0" rIns="0" bIns="0" anchor="b" anchorCtr="0">
             <a:noAutofit/>
           </a:bodyPr>
           <a:lstStyle/>
           <a:p>
-            <a:pPr indent="0" lvl="0" marL="0" rtl="0" algn="l">
+            <a:pPr marL="0" lvl="0" indent="0" algn="l" rtl="0">
               <a:spcBef>
                 <a:spcPts val="0"/>
               </a:spcBef>
@@ -6821,10 +7076,12 @@
       </p:sp>
       <p:sp>
         <p:nvSpPr>
-          <p:cNvPr id="123" name="Google Shape;123;p21"/>
-          <p:cNvSpPr txBox="1"/>
+          <p:cNvPr id="124" name="Google Shape;124;p21"/>
+          <p:cNvSpPr txBox="1">
+            <a:spLocks noGrp="1"/>
+          </p:cNvSpPr>
           <p:nvPr>
-            <p:ph idx="1" type="body"/>
+            <p:ph type="body" idx="1"/>
           </p:nvPr>
         </p:nvSpPr>
         <p:spPr>
@@ -6837,12 +7094,12 @@
           </a:prstGeom>
         </p:spPr>
         <p:txBody>
-          <a:bodyPr anchorCtr="0" anchor="t" bIns="0" lIns="0" spcFirstLastPara="1" rIns="0" wrap="square" tIns="0">
+          <a:bodyPr spcFirstLastPara="1" wrap="square" lIns="0" tIns="0" rIns="0" bIns="0" anchor="t" anchorCtr="0">
             <a:noAutofit/>
           </a:bodyPr>
           <a:lstStyle/>
           <a:p>
-            <a:pPr indent="-342900" lvl="0" marL="457200" rtl="0" algn="l">
+            <a:pPr marL="457200" lvl="0" indent="-342900" algn="l" rtl="0">
               <a:spcBef>
                 <a:spcPts val="600"/>
               </a:spcBef>
@@ -6859,7 +7116,7 @@
             <a:endParaRPr sz="1800"/>
           </a:p>
           <a:p>
-            <a:pPr indent="-342900" lvl="1" marL="914400" rtl="0" algn="l">
+            <a:pPr marL="914400" lvl="1" indent="-342900" algn="l" rtl="0">
               <a:spcBef>
                 <a:spcPts val="0"/>
               </a:spcBef>
@@ -6876,7 +7133,7 @@
             <a:endParaRPr sz="1800"/>
           </a:p>
           <a:p>
-            <a:pPr indent="-342900" lvl="2" marL="1371600" rtl="0" algn="l">
+            <a:pPr marL="1371600" lvl="2" indent="-342900" algn="l" rtl="0">
               <a:spcBef>
                 <a:spcPts val="0"/>
               </a:spcBef>
@@ -6893,7 +7150,7 @@
             <a:endParaRPr sz="1800"/>
           </a:p>
           <a:p>
-            <a:pPr indent="-342900" lvl="2" marL="1371600" rtl="0" algn="l">
+            <a:pPr marL="1371600" lvl="2" indent="-342900" algn="l" rtl="0">
               <a:spcBef>
                 <a:spcPts val="0"/>
               </a:spcBef>
@@ -6910,7 +7167,7 @@
             <a:endParaRPr sz="1800"/>
           </a:p>
           <a:p>
-            <a:pPr indent="-342900" lvl="2" marL="1371600" rtl="0" algn="l">
+            <a:pPr marL="1371600" lvl="2" indent="-342900" algn="l" rtl="0">
               <a:spcBef>
                 <a:spcPts val="0"/>
               </a:spcBef>
@@ -6927,7 +7184,7 @@
             <a:endParaRPr sz="1800"/>
           </a:p>
           <a:p>
-            <a:pPr indent="-342900" lvl="1" marL="914400" rtl="0" algn="l">
+            <a:pPr marL="914400" lvl="1" indent="-342900" algn="l" rtl="0">
               <a:spcBef>
                 <a:spcPts val="0"/>
               </a:spcBef>
@@ -6944,7 +7201,7 @@
             <a:endParaRPr sz="1800"/>
           </a:p>
           <a:p>
-            <a:pPr indent="-342900" lvl="0" marL="457200" rtl="0" algn="l">
+            <a:pPr marL="457200" lvl="0" indent="-342900" algn="l" rtl="0">
               <a:spcBef>
                 <a:spcPts val="0"/>
               </a:spcBef>
@@ -6961,7 +7218,7 @@
             <a:endParaRPr sz="1800"/>
           </a:p>
           <a:p>
-            <a:pPr indent="-342900" lvl="1" marL="914400" rtl="0" algn="l">
+            <a:pPr marL="914400" lvl="1" indent="-342900" algn="l" rtl="0">
               <a:spcBef>
                 <a:spcPts val="0"/>
               </a:spcBef>
@@ -6978,7 +7235,7 @@
             <a:endParaRPr sz="1800"/>
           </a:p>
           <a:p>
-            <a:pPr indent="-342900" lvl="1" marL="914400" rtl="0" algn="l">
+            <a:pPr marL="914400" lvl="1" indent="-342900" algn="l" rtl="0">
               <a:spcBef>
                 <a:spcPts val="0"/>
               </a:spcBef>
@@ -6995,7 +7252,7 @@
             <a:endParaRPr sz="1800"/>
           </a:p>
           <a:p>
-            <a:pPr indent="-342900" lvl="0" marL="457200" rtl="0" algn="l">
+            <a:pPr marL="457200" lvl="0" indent="-342900" algn="l" rtl="0">
               <a:spcBef>
                 <a:spcPts val="0"/>
               </a:spcBef>
@@ -7012,7 +7269,7 @@
             <a:endParaRPr sz="1800"/>
           </a:p>
           <a:p>
-            <a:pPr indent="-342900" lvl="1" marL="914400" rtl="0" algn="l">
+            <a:pPr marL="914400" lvl="1" indent="-342900" algn="l" rtl="0">
               <a:spcBef>
                 <a:spcPts val="0"/>
               </a:spcBef>
@@ -7032,10 +7289,12 @@
       </p:sp>
       <p:sp>
         <p:nvSpPr>
-          <p:cNvPr id="124" name="Google Shape;124;p21"/>
-          <p:cNvSpPr txBox="1"/>
+          <p:cNvPr id="125" name="Google Shape;125;p21"/>
+          <p:cNvSpPr txBox="1">
+            <a:spLocks noGrp="1"/>
+          </p:cNvSpPr>
           <p:nvPr>
-            <p:ph idx="2" type="body"/>
+            <p:ph type="body" idx="2"/>
           </p:nvPr>
         </p:nvSpPr>
         <p:spPr>
@@ -7048,12 +7307,12 @@
           </a:prstGeom>
         </p:spPr>
         <p:txBody>
-          <a:bodyPr anchorCtr="0" anchor="t" bIns="0" lIns="0" spcFirstLastPara="1" rIns="0" wrap="square" tIns="0">
+          <a:bodyPr spcFirstLastPara="1" wrap="square" lIns="0" tIns="0" rIns="0" bIns="0" anchor="t" anchorCtr="0">
             <a:noAutofit/>
           </a:bodyPr>
           <a:lstStyle/>
           <a:p>
-            <a:pPr indent="-342900" lvl="0" marL="457200" rtl="0" algn="l">
+            <a:pPr marL="457200" lvl="0" indent="-342900" algn="l" rtl="0">
               <a:spcBef>
                 <a:spcPts val="600"/>
               </a:spcBef>
@@ -7070,7 +7329,7 @@
             <a:endParaRPr sz="1800"/>
           </a:p>
           <a:p>
-            <a:pPr indent="-342900" lvl="1" marL="914400" rtl="0" algn="l">
+            <a:pPr marL="914400" lvl="1" indent="-342900" algn="l" rtl="0">
               <a:spcBef>
                 <a:spcPts val="0"/>
               </a:spcBef>
@@ -7087,7 +7346,7 @@
             <a:endParaRPr sz="1800"/>
           </a:p>
           <a:p>
-            <a:pPr indent="-342900" lvl="1" marL="914400" rtl="0" algn="l">
+            <a:pPr marL="914400" lvl="1" indent="-342900" algn="l" rtl="0">
               <a:spcBef>
                 <a:spcPts val="0"/>
               </a:spcBef>
@@ -7104,7 +7363,7 @@
             <a:endParaRPr sz="1800"/>
           </a:p>
           <a:p>
-            <a:pPr indent="-342900" lvl="1" marL="914400" rtl="0" algn="l">
+            <a:pPr marL="914400" lvl="1" indent="-342900" algn="l" rtl="0">
               <a:spcBef>
                 <a:spcPts val="0"/>
               </a:spcBef>
@@ -7121,7 +7380,7 @@
             <a:endParaRPr sz="1800"/>
           </a:p>
           <a:p>
-            <a:pPr indent="-342900" lvl="1" marL="914400" rtl="0" algn="l">
+            <a:pPr marL="914400" lvl="1" indent="-342900" algn="l" rtl="0">
               <a:spcBef>
                 <a:spcPts val="0"/>
               </a:spcBef>
@@ -7138,7 +7397,7 @@
             <a:endParaRPr sz="1800"/>
           </a:p>
           <a:p>
-            <a:pPr indent="-342900" lvl="0" marL="457200" rtl="0" algn="l">
+            <a:pPr marL="457200" lvl="0" indent="-342900" algn="l" rtl="0">
               <a:spcBef>
                 <a:spcPts val="0"/>
               </a:spcBef>
@@ -7155,7 +7414,7 @@
             <a:endParaRPr sz="1800"/>
           </a:p>
           <a:p>
-            <a:pPr indent="-342900" lvl="0" marL="457200" rtl="0" algn="l">
+            <a:pPr marL="457200" lvl="0" indent="-342900" algn="l" rtl="0">
               <a:spcBef>
                 <a:spcPts val="0"/>
               </a:spcBef>
@@ -7172,7 +7431,7 @@
             <a:endParaRPr sz="1800"/>
           </a:p>
           <a:p>
-            <a:pPr indent="-342900" lvl="0" marL="457200" rtl="0" algn="l">
+            <a:pPr marL="457200" lvl="0" indent="-342900" algn="l" rtl="0">
               <a:spcBef>
                 <a:spcPts val="0"/>
               </a:spcBef>
@@ -7189,7 +7448,7 @@
             <a:endParaRPr sz="1800"/>
           </a:p>
           <a:p>
-            <a:pPr indent="-342900" lvl="1" marL="914400" rtl="0" algn="l">
+            <a:pPr marL="914400" lvl="1" indent="-342900" algn="l" rtl="0">
               <a:spcBef>
                 <a:spcPts val="0"/>
               </a:spcBef>
@@ -7209,10 +7468,12 @@
       </p:sp>
       <p:sp>
         <p:nvSpPr>
-          <p:cNvPr id="125" name="Google Shape;125;p21"/>
-          <p:cNvSpPr txBox="1"/>
+          <p:cNvPr id="126" name="Google Shape;126;p21"/>
+          <p:cNvSpPr txBox="1">
+            <a:spLocks noGrp="1"/>
+          </p:cNvSpPr>
           <p:nvPr>
-            <p:ph idx="12" type="sldNum"/>
+            <p:ph type="sldNum" idx="12"/>
           </p:nvPr>
         </p:nvSpPr>
         <p:spPr>
@@ -7225,12 +7486,12 @@
           </a:prstGeom>
         </p:spPr>
         <p:txBody>
-          <a:bodyPr anchorCtr="0" anchor="ctr" bIns="0" lIns="0" spcFirstLastPara="1" rIns="0" wrap="square" tIns="0">
+          <a:bodyPr spcFirstLastPara="1" wrap="square" lIns="0" tIns="0" rIns="0" bIns="0" anchor="ctr" anchorCtr="0">
             <a:noAutofit/>
           </a:bodyPr>
           <a:lstStyle/>
           <a:p>
-            <a:pPr indent="0" lvl="0" marL="0" rtl="0" algn="r">
+            <a:pPr marL="0" lvl="0" indent="0" algn="r" rtl="0">
               <a:spcBef>
                 <a:spcPts val="0"/>
               </a:spcBef>
@@ -7241,7 +7502,7 @@
             </a:pPr>
             <a:fld id="{00000000-1234-1234-1234-123412341234}" type="slidenum">
               <a:rPr lang="en"/>
-              <a:t>‹#›</a:t>
+              <a:t>11</a:t>
             </a:fld>
             <a:endParaRPr/>
           </a:p>
@@ -7256,11 +7517,11 @@
 </file>
 
 <file path=ppt/slides/slide12.xml><?xml version="1.0" encoding="utf-8"?>
-<p:sld xmlns:a="http://schemas.openxmlformats.org/drawingml/2006/main" xmlns:r="http://schemas.openxmlformats.org/officeDocument/2006/relationships" xmlns:mc="http://schemas.openxmlformats.org/markup-compatibility/2006" xmlns:mv="urn:schemas-microsoft-com:mac:vml" xmlns:p="http://schemas.openxmlformats.org/presentationml/2006/main" xmlns:c="http://schemas.openxmlformats.org/drawingml/2006/chart" xmlns:dgm="http://schemas.openxmlformats.org/drawingml/2006/diagram" xmlns:o="urn:schemas-microsoft-com:office:office" xmlns:v="urn:schemas-microsoft-com:vml" xmlns:pvml="urn:schemas-microsoft-com:office:powerpoint" xmlns:com="http://schemas.openxmlformats.org/drawingml/2006/compatibility" xmlns:p14="http://schemas.microsoft.com/office/powerpoint/2010/main" xmlns:p15="http://schemas.microsoft.com/office/powerpoint/2012/main">
+<p:sld xmlns:a="http://schemas.openxmlformats.org/drawingml/2006/main" xmlns:r="http://schemas.openxmlformats.org/officeDocument/2006/relationships" xmlns:p="http://schemas.openxmlformats.org/presentationml/2006/main">
   <p:cSld>
     <p:spTree>
       <p:nvGrpSpPr>
-        <p:cNvPr id="129" name="Shape 129"/>
+        <p:cNvPr id="1" name="Shape 130"/>
         <p:cNvGrpSpPr/>
         <p:nvPr/>
       </p:nvGrpSpPr>
@@ -7274,8 +7535,10 @@
       </p:grpSpPr>
       <p:sp>
         <p:nvSpPr>
-          <p:cNvPr id="130" name="Google Shape;130;p22"/>
-          <p:cNvSpPr txBox="1"/>
+          <p:cNvPr id="131" name="Google Shape;131;p22"/>
+          <p:cNvSpPr txBox="1">
+            <a:spLocks noGrp="1"/>
+          </p:cNvSpPr>
           <p:nvPr>
             <p:ph type="title"/>
           </p:nvPr>
@@ -7290,12 +7553,12 @@
           </a:prstGeom>
         </p:spPr>
         <p:txBody>
-          <a:bodyPr anchorCtr="0" anchor="b" bIns="0" lIns="0" spcFirstLastPara="1" rIns="0" wrap="square" tIns="0">
+          <a:bodyPr spcFirstLastPara="1" wrap="square" lIns="0" tIns="0" rIns="0" bIns="0" anchor="b" anchorCtr="0">
             <a:noAutofit/>
           </a:bodyPr>
           <a:lstStyle/>
           <a:p>
-            <a:pPr indent="0" lvl="0" marL="0" rtl="0" algn="l">
+            <a:pPr marL="0" lvl="0" indent="0" algn="l" rtl="0">
               <a:spcBef>
                 <a:spcPts val="0"/>
               </a:spcBef>
@@ -7314,10 +7577,12 @@
       </p:sp>
       <p:sp>
         <p:nvSpPr>
-          <p:cNvPr id="131" name="Google Shape;131;p22"/>
-          <p:cNvSpPr txBox="1"/>
+          <p:cNvPr id="132" name="Google Shape;132;p22"/>
+          <p:cNvSpPr txBox="1">
+            <a:spLocks noGrp="1"/>
+          </p:cNvSpPr>
           <p:nvPr>
-            <p:ph idx="1" type="body"/>
+            <p:ph type="body" idx="1"/>
           </p:nvPr>
         </p:nvSpPr>
         <p:spPr>
@@ -7330,12 +7595,12 @@
           </a:prstGeom>
         </p:spPr>
         <p:txBody>
-          <a:bodyPr anchorCtr="0" anchor="t" bIns="0" lIns="0" spcFirstLastPara="1" rIns="0" wrap="square" tIns="0">
+          <a:bodyPr spcFirstLastPara="1" wrap="square" lIns="0" tIns="0" rIns="0" bIns="0" anchor="t" anchorCtr="0">
             <a:noAutofit/>
           </a:bodyPr>
           <a:lstStyle/>
           <a:p>
-            <a:pPr indent="-355600" lvl="0" marL="457200" rtl="0" algn="l">
+            <a:pPr marL="457200" lvl="0" indent="-355600" algn="l" rtl="0">
               <a:spcBef>
                 <a:spcPts val="600"/>
               </a:spcBef>
@@ -7352,7 +7617,7 @@
             <a:endParaRPr sz="2000"/>
           </a:p>
           <a:p>
-            <a:pPr indent="-355600" lvl="1" marL="914400" rtl="0" algn="l">
+            <a:pPr marL="914400" lvl="1" indent="-355600" algn="l" rtl="0">
               <a:spcBef>
                 <a:spcPts val="0"/>
               </a:spcBef>
@@ -7369,7 +7634,7 @@
             <a:endParaRPr sz="2000"/>
           </a:p>
           <a:p>
-            <a:pPr indent="-355600" lvl="1" marL="914400" rtl="0" algn="l">
+            <a:pPr marL="914400" lvl="1" indent="-355600" algn="l" rtl="0">
               <a:spcBef>
                 <a:spcPts val="0"/>
               </a:spcBef>
@@ -7386,7 +7651,7 @@
             <a:endParaRPr sz="2000"/>
           </a:p>
           <a:p>
-            <a:pPr indent="-355600" lvl="1" marL="914400" rtl="0" algn="l">
+            <a:pPr marL="914400" lvl="1" indent="-355600" algn="l" rtl="0">
               <a:spcBef>
                 <a:spcPts val="0"/>
               </a:spcBef>
@@ -7403,7 +7668,7 @@
             <a:endParaRPr sz="2000"/>
           </a:p>
           <a:p>
-            <a:pPr indent="-355600" lvl="0" marL="457200" rtl="0" algn="l">
+            <a:pPr marL="457200" lvl="0" indent="-355600" algn="l" rtl="0">
               <a:spcBef>
                 <a:spcPts val="0"/>
               </a:spcBef>
@@ -7420,7 +7685,7 @@
             <a:endParaRPr sz="2000"/>
           </a:p>
           <a:p>
-            <a:pPr indent="-355600" lvl="0" marL="457200" rtl="0" algn="l">
+            <a:pPr marL="457200" lvl="0" indent="-355600" algn="l" rtl="0">
               <a:spcBef>
                 <a:spcPts val="0"/>
               </a:spcBef>
@@ -7437,7 +7702,7 @@
             <a:endParaRPr sz="2000"/>
           </a:p>
           <a:p>
-            <a:pPr indent="-355600" lvl="0" marL="457200" rtl="0" algn="l">
+            <a:pPr marL="457200" lvl="0" indent="-355600" algn="l" rtl="0">
               <a:spcBef>
                 <a:spcPts val="0"/>
               </a:spcBef>
@@ -7454,7 +7719,7 @@
             <a:endParaRPr sz="2000"/>
           </a:p>
           <a:p>
-            <a:pPr indent="-355600" lvl="0" marL="457200" rtl="0" algn="l">
+            <a:pPr marL="457200" lvl="0" indent="-355600" algn="l" rtl="0">
               <a:spcBef>
                 <a:spcPts val="0"/>
               </a:spcBef>
@@ -7474,10 +7739,12 @@
       </p:sp>
       <p:sp>
         <p:nvSpPr>
-          <p:cNvPr id="132" name="Google Shape;132;p22"/>
-          <p:cNvSpPr txBox="1"/>
+          <p:cNvPr id="133" name="Google Shape;133;p22"/>
+          <p:cNvSpPr txBox="1">
+            <a:spLocks noGrp="1"/>
+          </p:cNvSpPr>
           <p:nvPr>
-            <p:ph idx="12" type="sldNum"/>
+            <p:ph type="sldNum" idx="12"/>
           </p:nvPr>
         </p:nvSpPr>
         <p:spPr>
@@ -7490,12 +7757,12 @@
           </a:prstGeom>
         </p:spPr>
         <p:txBody>
-          <a:bodyPr anchorCtr="0" anchor="ctr" bIns="0" lIns="0" spcFirstLastPara="1" rIns="0" wrap="square" tIns="0">
+          <a:bodyPr spcFirstLastPara="1" wrap="square" lIns="0" tIns="0" rIns="0" bIns="0" anchor="ctr" anchorCtr="0">
             <a:noAutofit/>
           </a:bodyPr>
           <a:lstStyle/>
           <a:p>
-            <a:pPr indent="0" lvl="0" marL="0" rtl="0" algn="r">
+            <a:pPr marL="0" lvl="0" indent="0" algn="r" rtl="0">
               <a:spcBef>
                 <a:spcPts val="0"/>
               </a:spcBef>
@@ -7506,7 +7773,7 @@
             </a:pPr>
             <a:fld id="{00000000-1234-1234-1234-123412341234}" type="slidenum">
               <a:rPr lang="en"/>
-              <a:t>‹#›</a:t>
+              <a:t>12</a:t>
             </a:fld>
             <a:endParaRPr/>
           </a:p>
@@ -7521,11 +7788,11 @@
 </file>
 
 <file path=ppt/slides/slide13.xml><?xml version="1.0" encoding="utf-8"?>
-<p:sld xmlns:a="http://schemas.openxmlformats.org/drawingml/2006/main" xmlns:r="http://schemas.openxmlformats.org/officeDocument/2006/relationships" xmlns:mc="http://schemas.openxmlformats.org/markup-compatibility/2006" xmlns:mv="urn:schemas-microsoft-com:mac:vml" xmlns:p="http://schemas.openxmlformats.org/presentationml/2006/main" xmlns:c="http://schemas.openxmlformats.org/drawingml/2006/chart" xmlns:dgm="http://schemas.openxmlformats.org/drawingml/2006/diagram" xmlns:o="urn:schemas-microsoft-com:office:office" xmlns:v="urn:schemas-microsoft-com:vml" xmlns:pvml="urn:schemas-microsoft-com:office:powerpoint" xmlns:com="http://schemas.openxmlformats.org/drawingml/2006/compatibility" xmlns:p14="http://schemas.microsoft.com/office/powerpoint/2010/main" xmlns:p15="http://schemas.microsoft.com/office/powerpoint/2012/main">
+<p:sld xmlns:a="http://schemas.openxmlformats.org/drawingml/2006/main" xmlns:r="http://schemas.openxmlformats.org/officeDocument/2006/relationships" xmlns:p="http://schemas.openxmlformats.org/presentationml/2006/main">
   <p:cSld>
     <p:spTree>
       <p:nvGrpSpPr>
-        <p:cNvPr id="136" name="Shape 136"/>
+        <p:cNvPr id="1" name="Shape 137"/>
         <p:cNvGrpSpPr/>
         <p:nvPr/>
       </p:nvGrpSpPr>
@@ -7539,8 +7806,10 @@
       </p:grpSpPr>
       <p:sp>
         <p:nvSpPr>
-          <p:cNvPr id="137" name="Google Shape;137;p23"/>
-          <p:cNvSpPr txBox="1"/>
+          <p:cNvPr id="138" name="Google Shape;138;p23"/>
+          <p:cNvSpPr txBox="1">
+            <a:spLocks noGrp="1"/>
+          </p:cNvSpPr>
           <p:nvPr>
             <p:ph type="title"/>
           </p:nvPr>
@@ -7555,12 +7824,12 @@
           </a:prstGeom>
         </p:spPr>
         <p:txBody>
-          <a:bodyPr anchorCtr="0" anchor="b" bIns="0" lIns="0" spcFirstLastPara="1" rIns="0" wrap="square" tIns="0">
+          <a:bodyPr spcFirstLastPara="1" wrap="square" lIns="0" tIns="0" rIns="0" bIns="0" anchor="b" anchorCtr="0">
             <a:noAutofit/>
           </a:bodyPr>
           <a:lstStyle/>
           <a:p>
-            <a:pPr indent="0" lvl="0" marL="0" rtl="0" algn="l">
+            <a:pPr marL="0" lvl="0" indent="0" algn="l" rtl="0">
               <a:spcBef>
                 <a:spcPts val="0"/>
               </a:spcBef>
@@ -7579,10 +7848,12 @@
       </p:sp>
       <p:sp>
         <p:nvSpPr>
-          <p:cNvPr id="138" name="Google Shape;138;p23"/>
-          <p:cNvSpPr txBox="1"/>
+          <p:cNvPr id="139" name="Google Shape;139;p23"/>
+          <p:cNvSpPr txBox="1">
+            <a:spLocks noGrp="1"/>
+          </p:cNvSpPr>
           <p:nvPr>
-            <p:ph idx="12" type="sldNum"/>
+            <p:ph type="sldNum" idx="12"/>
           </p:nvPr>
         </p:nvSpPr>
         <p:spPr>
@@ -7595,12 +7866,12 @@
           </a:prstGeom>
         </p:spPr>
         <p:txBody>
-          <a:bodyPr anchorCtr="0" anchor="ctr" bIns="0" lIns="0" spcFirstLastPara="1" rIns="0" wrap="square" tIns="0">
+          <a:bodyPr spcFirstLastPara="1" wrap="square" lIns="0" tIns="0" rIns="0" bIns="0" anchor="ctr" anchorCtr="0">
             <a:noAutofit/>
           </a:bodyPr>
           <a:lstStyle/>
           <a:p>
-            <a:pPr indent="0" lvl="0" marL="0" rtl="0" algn="r">
+            <a:pPr marL="0" lvl="0" indent="0" algn="r" rtl="0">
               <a:spcBef>
                 <a:spcPts val="0"/>
               </a:spcBef>
@@ -7611,7 +7882,7 @@
             </a:pPr>
             <a:fld id="{00000000-1234-1234-1234-123412341234}" type="slidenum">
               <a:rPr lang="en"/>
-              <a:t>‹#›</a:t>
+              <a:t>13</a:t>
             </a:fld>
             <a:endParaRPr/>
           </a:p>
@@ -7619,24 +7890,36 @@
       </p:sp>
       <p:graphicFrame>
         <p:nvGraphicFramePr>
-          <p:cNvPr id="139" name="Google Shape;139;p23"/>
+          <p:cNvPr id="140" name="Google Shape;140;p23"/>
           <p:cNvGraphicFramePr/>
           <p:nvPr/>
         </p:nvGraphicFramePr>
         <p:xfrm>
           <a:off x="685175" y="1539675"/>
-          <a:ext cx="3000000" cy="3000000"/>
+          <a:ext cx="7773650" cy="3161750"/>
         </p:xfrm>
         <a:graphic>
           <a:graphicData uri="http://schemas.openxmlformats.org/drawingml/2006/table">
             <a:tbl>
               <a:tblPr>
                 <a:noFill/>
-                <a:tableStyleId>{E0F93548-776B-448F-8F1C-A47466C38C96}</a:tableStyleId>
+                <a:tableStyleId>{11615E3F-0A91-4C26-B870-33DE5AE2E6DE}</a:tableStyleId>
               </a:tblPr>
               <a:tblGrid>
-                <a:gridCol w="4966900"/>
-                <a:gridCol w="2806750"/>
+                <a:gridCol w="4966900">
+                  <a:extLst>
+                    <a:ext uri="{9D8B030D-6E8A-4147-A177-3AD203B41FA5}">
+                      <a16:colId xmlns:a16="http://schemas.microsoft.com/office/drawing/2014/main" val="20000"/>
+                    </a:ext>
+                  </a:extLst>
+                </a:gridCol>
+                <a:gridCol w="2806750">
+                  <a:extLst>
+                    <a:ext uri="{9D8B030D-6E8A-4147-A177-3AD203B41FA5}">
+                      <a16:colId xmlns:a16="http://schemas.microsoft.com/office/drawing/2014/main" val="20001"/>
+                    </a:ext>
+                  </a:extLst>
+                </a:gridCol>
               </a:tblGrid>
               <a:tr h="515900">
                 <a:tc>
@@ -7644,7 +7927,7 @@
                     <a:bodyPr/>
                     <a:lstStyle/>
                     <a:p>
-                      <a:pPr indent="0" lvl="0" marL="0" rtl="0" algn="l">
+                      <a:pPr marL="0" lvl="0" indent="0" algn="l" rtl="0">
                         <a:spcBef>
                           <a:spcPts val="0"/>
                         </a:spcBef>
@@ -7676,7 +7959,7 @@
                       </a:endParaRPr>
                     </a:p>
                   </a:txBody>
-                  <a:tcPr marT="91425" marB="91425" marR="91425" marL="91425">
+                  <a:tcPr marL="91425" marR="91425" marT="91425" marB="91425">
                     <a:solidFill>
                       <a:srgbClr val="ED7D31"/>
                     </a:solidFill>
@@ -7687,7 +7970,7 @@
                     <a:bodyPr/>
                     <a:lstStyle/>
                     <a:p>
-                      <a:pPr indent="0" lvl="0" marL="0" rtl="0" algn="l">
+                      <a:pPr marL="0" lvl="0" indent="0" algn="l" rtl="0">
                         <a:spcBef>
                           <a:spcPts val="0"/>
                         </a:spcBef>
@@ -7719,12 +8002,17 @@
                       </a:endParaRPr>
                     </a:p>
                   </a:txBody>
-                  <a:tcPr marT="91425" marB="91425" marR="91425" marL="91425">
+                  <a:tcPr marL="91425" marR="91425" marT="91425" marB="91425">
                     <a:solidFill>
                       <a:srgbClr val="ED7D31"/>
                     </a:solidFill>
                   </a:tcPr>
                 </a:tc>
+                <a:extLst>
+                  <a:ext uri="{0D108BD9-81ED-4DB2-BD59-A6C34878D82A}">
+                    <a16:rowId xmlns:a16="http://schemas.microsoft.com/office/drawing/2014/main" val="10000"/>
+                  </a:ext>
+                </a:extLst>
               </a:tr>
               <a:tr h="440975">
                 <a:tc>
@@ -7732,7 +8020,7 @@
                     <a:bodyPr/>
                     <a:lstStyle/>
                     <a:p>
-                      <a:pPr indent="0" lvl="0" marL="0" rtl="0" algn="l">
+                      <a:pPr marL="0" lvl="0" indent="0" algn="l" rtl="0">
                         <a:spcBef>
                           <a:spcPts val="0"/>
                         </a:spcBef>
@@ -7748,7 +8036,7 @@
                       <a:endParaRPr/>
                     </a:p>
                   </a:txBody>
-                  <a:tcPr marT="91425" marB="91425" marR="91425" marL="91425">
+                  <a:tcPr marL="91425" marR="91425" marT="91425" marB="91425">
                     <a:solidFill>
                       <a:srgbClr val="B4C6E7"/>
                     </a:solidFill>
@@ -7759,7 +8047,7 @@
                     <a:bodyPr/>
                     <a:lstStyle/>
                     <a:p>
-                      <a:pPr indent="0" lvl="0" marL="0" rtl="0" algn="l">
+                      <a:pPr marL="0" lvl="0" indent="0" algn="l" rtl="0">
                         <a:spcBef>
                           <a:spcPts val="0"/>
                         </a:spcBef>
@@ -7775,12 +8063,17 @@
                       <a:endParaRPr/>
                     </a:p>
                   </a:txBody>
-                  <a:tcPr marT="91425" marB="91425" marR="91425" marL="91425">
+                  <a:tcPr marL="91425" marR="91425" marT="91425" marB="91425">
                     <a:solidFill>
                       <a:srgbClr val="B4C6E7"/>
                     </a:solidFill>
                   </a:tcPr>
                 </a:tc>
+                <a:extLst>
+                  <a:ext uri="{0D108BD9-81ED-4DB2-BD59-A6C34878D82A}">
+                    <a16:rowId xmlns:a16="http://schemas.microsoft.com/office/drawing/2014/main" val="10001"/>
+                  </a:ext>
+                </a:extLst>
               </a:tr>
               <a:tr h="440975">
                 <a:tc>
@@ -7788,7 +8081,7 @@
                     <a:bodyPr/>
                     <a:lstStyle/>
                     <a:p>
-                      <a:pPr indent="0" lvl="0" marL="0" rtl="0" algn="l">
+                      <a:pPr marL="0" lvl="0" indent="0" algn="l" rtl="0">
                         <a:spcBef>
                           <a:spcPts val="0"/>
                         </a:spcBef>
@@ -7804,7 +8097,7 @@
                       <a:endParaRPr/>
                     </a:p>
                   </a:txBody>
-                  <a:tcPr marT="91425" marB="91425" marR="91425" marL="91425">
+                  <a:tcPr marL="91425" marR="91425" marT="91425" marB="91425">
                     <a:solidFill>
                       <a:srgbClr val="D9E1F2"/>
                     </a:solidFill>
@@ -7815,7 +8108,7 @@
                     <a:bodyPr/>
                     <a:lstStyle/>
                     <a:p>
-                      <a:pPr indent="0" lvl="0" marL="0" rtl="0" algn="l">
+                      <a:pPr marL="0" lvl="0" indent="0" algn="l" rtl="0">
                         <a:spcBef>
                           <a:spcPts val="0"/>
                         </a:spcBef>
@@ -7831,12 +8124,17 @@
                       <a:endParaRPr/>
                     </a:p>
                   </a:txBody>
-                  <a:tcPr marT="91425" marB="91425" marR="91425" marL="91425">
+                  <a:tcPr marL="91425" marR="91425" marT="91425" marB="91425">
                     <a:solidFill>
                       <a:srgbClr val="D9E1F2"/>
                     </a:solidFill>
                   </a:tcPr>
                 </a:tc>
+                <a:extLst>
+                  <a:ext uri="{0D108BD9-81ED-4DB2-BD59-A6C34878D82A}">
+                    <a16:rowId xmlns:a16="http://schemas.microsoft.com/office/drawing/2014/main" val="10002"/>
+                  </a:ext>
+                </a:extLst>
               </a:tr>
               <a:tr h="440975">
                 <a:tc>
@@ -7844,7 +8142,7 @@
                     <a:bodyPr/>
                     <a:lstStyle/>
                     <a:p>
-                      <a:pPr indent="0" lvl="0" marL="0" rtl="0" algn="l">
+                      <a:pPr marL="0" lvl="0" indent="0" algn="l" rtl="0">
                         <a:spcBef>
                           <a:spcPts val="0"/>
                         </a:spcBef>
@@ -7860,7 +8158,7 @@
                       <a:endParaRPr/>
                     </a:p>
                   </a:txBody>
-                  <a:tcPr marT="91425" marB="91425" marR="91425" marL="91425">
+                  <a:tcPr marL="91425" marR="91425" marT="91425" marB="91425">
                     <a:solidFill>
                       <a:srgbClr val="B4C6E7"/>
                     </a:solidFill>
@@ -7871,7 +8169,7 @@
                     <a:bodyPr/>
                     <a:lstStyle/>
                     <a:p>
-                      <a:pPr indent="0" lvl="0" marL="0" rtl="0" algn="l">
+                      <a:pPr marL="0" lvl="0" indent="0" algn="l" rtl="0">
                         <a:spcBef>
                           <a:spcPts val="0"/>
                         </a:spcBef>
@@ -7887,12 +8185,17 @@
                       <a:endParaRPr/>
                     </a:p>
                   </a:txBody>
-                  <a:tcPr marT="91425" marB="91425" marR="91425" marL="91425">
+                  <a:tcPr marL="91425" marR="91425" marT="91425" marB="91425">
                     <a:solidFill>
                       <a:srgbClr val="B4C6E7"/>
                     </a:solidFill>
                   </a:tcPr>
                 </a:tc>
+                <a:extLst>
+                  <a:ext uri="{0D108BD9-81ED-4DB2-BD59-A6C34878D82A}">
+                    <a16:rowId xmlns:a16="http://schemas.microsoft.com/office/drawing/2014/main" val="10003"/>
+                  </a:ext>
+                </a:extLst>
               </a:tr>
               <a:tr h="440975">
                 <a:tc>
@@ -7900,7 +8203,7 @@
                     <a:bodyPr/>
                     <a:lstStyle/>
                     <a:p>
-                      <a:pPr indent="0" lvl="0" marL="0" rtl="0" algn="l">
+                      <a:pPr marL="0" lvl="0" indent="0" algn="l" rtl="0">
                         <a:spcBef>
                           <a:spcPts val="0"/>
                         </a:spcBef>
@@ -7916,7 +8219,7 @@
                       <a:endParaRPr/>
                     </a:p>
                   </a:txBody>
-                  <a:tcPr marT="91425" marB="91425" marR="91425" marL="91425">
+                  <a:tcPr marL="91425" marR="91425" marT="91425" marB="91425">
                     <a:solidFill>
                       <a:srgbClr val="D9E1F2"/>
                     </a:solidFill>
@@ -7927,7 +8230,7 @@
                     <a:bodyPr/>
                     <a:lstStyle/>
                     <a:p>
-                      <a:pPr indent="0" lvl="0" marL="0" rtl="0" algn="l">
+                      <a:pPr marL="0" lvl="0" indent="0" algn="l" rtl="0">
                         <a:spcBef>
                           <a:spcPts val="0"/>
                         </a:spcBef>
@@ -7943,12 +8246,17 @@
                       <a:endParaRPr/>
                     </a:p>
                   </a:txBody>
-                  <a:tcPr marT="91425" marB="91425" marR="91425" marL="91425">
+                  <a:tcPr marL="91425" marR="91425" marT="91425" marB="91425">
                     <a:solidFill>
                       <a:srgbClr val="D9E1F2"/>
                     </a:solidFill>
                   </a:tcPr>
                 </a:tc>
+                <a:extLst>
+                  <a:ext uri="{0D108BD9-81ED-4DB2-BD59-A6C34878D82A}">
+                    <a16:rowId xmlns:a16="http://schemas.microsoft.com/office/drawing/2014/main" val="10004"/>
+                  </a:ext>
+                </a:extLst>
               </a:tr>
               <a:tr h="440975">
                 <a:tc>
@@ -7956,7 +8264,7 @@
                     <a:bodyPr/>
                     <a:lstStyle/>
                     <a:p>
-                      <a:pPr indent="0" lvl="0" marL="0" rtl="0" algn="l">
+                      <a:pPr marL="0" lvl="0" indent="0" algn="l" rtl="0">
                         <a:spcBef>
                           <a:spcPts val="0"/>
                         </a:spcBef>
@@ -7972,7 +8280,7 @@
                       <a:endParaRPr/>
                     </a:p>
                   </a:txBody>
-                  <a:tcPr marT="91425" marB="91425" marR="91425" marL="91425">
+                  <a:tcPr marL="91425" marR="91425" marT="91425" marB="91425">
                     <a:solidFill>
                       <a:srgbClr val="B4C6E7"/>
                     </a:solidFill>
@@ -7983,7 +8291,7 @@
                     <a:bodyPr/>
                     <a:lstStyle/>
                     <a:p>
-                      <a:pPr indent="0" lvl="0" marL="0" rtl="0" algn="l">
+                      <a:pPr marL="0" lvl="0" indent="0" algn="l" rtl="0">
                         <a:spcBef>
                           <a:spcPts val="0"/>
                         </a:spcBef>
@@ -7999,12 +8307,17 @@
                       <a:endParaRPr/>
                     </a:p>
                   </a:txBody>
-                  <a:tcPr marT="91425" marB="91425" marR="91425" marL="91425">
+                  <a:tcPr marL="91425" marR="91425" marT="91425" marB="91425">
                     <a:solidFill>
                       <a:srgbClr val="B4C6E7"/>
                     </a:solidFill>
                   </a:tcPr>
                 </a:tc>
+                <a:extLst>
+                  <a:ext uri="{0D108BD9-81ED-4DB2-BD59-A6C34878D82A}">
+                    <a16:rowId xmlns:a16="http://schemas.microsoft.com/office/drawing/2014/main" val="10005"/>
+                  </a:ext>
+                </a:extLst>
               </a:tr>
               <a:tr h="440975">
                 <a:tc>
@@ -8012,7 +8325,7 @@
                     <a:bodyPr/>
                     <a:lstStyle/>
                     <a:p>
-                      <a:pPr indent="0" lvl="0" marL="0" rtl="0" algn="l">
+                      <a:pPr marL="0" lvl="0" indent="0" algn="l" rtl="0">
                         <a:spcBef>
                           <a:spcPts val="0"/>
                         </a:spcBef>
@@ -8028,7 +8341,7 @@
                       <a:endParaRPr/>
                     </a:p>
                   </a:txBody>
-                  <a:tcPr marT="91425" marB="91425" marR="91425" marL="91425">
+                  <a:tcPr marL="91425" marR="91425" marT="91425" marB="91425">
                     <a:solidFill>
                       <a:srgbClr val="D9E1F2"/>
                     </a:solidFill>
@@ -8039,7 +8352,7 @@
                     <a:bodyPr/>
                     <a:lstStyle/>
                     <a:p>
-                      <a:pPr indent="0" lvl="0" marL="0" rtl="0" algn="l">
+                      <a:pPr marL="0" lvl="0" indent="0" algn="l" rtl="0">
                         <a:spcBef>
                           <a:spcPts val="0"/>
                         </a:spcBef>
@@ -8055,12 +8368,17 @@
                       <a:endParaRPr/>
                     </a:p>
                   </a:txBody>
-                  <a:tcPr marT="91425" marB="91425" marR="91425" marL="91425">
+                  <a:tcPr marL="91425" marR="91425" marT="91425" marB="91425">
                     <a:solidFill>
                       <a:srgbClr val="D9E1F2"/>
                     </a:solidFill>
                   </a:tcPr>
                 </a:tc>
+                <a:extLst>
+                  <a:ext uri="{0D108BD9-81ED-4DB2-BD59-A6C34878D82A}">
+                    <a16:rowId xmlns:a16="http://schemas.microsoft.com/office/drawing/2014/main" val="10006"/>
+                  </a:ext>
+                </a:extLst>
               </a:tr>
             </a:tbl>
           </a:graphicData>
@@ -8075,11 +8393,11 @@
 </file>
 
 <file path=ppt/slides/slide14.xml><?xml version="1.0" encoding="utf-8"?>
-<p:sld xmlns:a="http://schemas.openxmlformats.org/drawingml/2006/main" xmlns:r="http://schemas.openxmlformats.org/officeDocument/2006/relationships" xmlns:mc="http://schemas.openxmlformats.org/markup-compatibility/2006" xmlns:mv="urn:schemas-microsoft-com:mac:vml" xmlns:p="http://schemas.openxmlformats.org/presentationml/2006/main" xmlns:c="http://schemas.openxmlformats.org/drawingml/2006/chart" xmlns:dgm="http://schemas.openxmlformats.org/drawingml/2006/diagram" xmlns:o="urn:schemas-microsoft-com:office:office" xmlns:v="urn:schemas-microsoft-com:vml" xmlns:pvml="urn:schemas-microsoft-com:office:powerpoint" xmlns:com="http://schemas.openxmlformats.org/drawingml/2006/compatibility" xmlns:p14="http://schemas.microsoft.com/office/powerpoint/2010/main" xmlns:p15="http://schemas.microsoft.com/office/powerpoint/2012/main">
+<p:sld xmlns:a="http://schemas.openxmlformats.org/drawingml/2006/main" xmlns:r="http://schemas.openxmlformats.org/officeDocument/2006/relationships" xmlns:p="http://schemas.openxmlformats.org/presentationml/2006/main">
   <p:cSld>
     <p:spTree>
       <p:nvGrpSpPr>
-        <p:cNvPr id="143" name="Shape 143"/>
+        <p:cNvPr id="1" name="Shape 144"/>
         <p:cNvGrpSpPr/>
         <p:nvPr/>
       </p:nvGrpSpPr>
@@ -8093,8 +8411,10 @@
       </p:grpSpPr>
       <p:sp>
         <p:nvSpPr>
-          <p:cNvPr id="144" name="Google Shape;144;p24"/>
-          <p:cNvSpPr txBox="1"/>
+          <p:cNvPr id="145" name="Google Shape;145;p24"/>
+          <p:cNvSpPr txBox="1">
+            <a:spLocks noGrp="1"/>
+          </p:cNvSpPr>
           <p:nvPr>
             <p:ph type="title"/>
           </p:nvPr>
@@ -8109,12 +8429,12 @@
           </a:prstGeom>
         </p:spPr>
         <p:txBody>
-          <a:bodyPr anchorCtr="0" anchor="b" bIns="0" lIns="0" spcFirstLastPara="1" rIns="0" wrap="square" tIns="0">
+          <a:bodyPr spcFirstLastPara="1" wrap="square" lIns="0" tIns="0" rIns="0" bIns="0" anchor="b" anchorCtr="0">
             <a:noAutofit/>
           </a:bodyPr>
           <a:lstStyle/>
           <a:p>
-            <a:pPr indent="0" lvl="0" marL="0" rtl="0" algn="l">
+            <a:pPr marL="0" lvl="0" indent="0" algn="l" rtl="0">
               <a:spcBef>
                 <a:spcPts val="0"/>
               </a:spcBef>
@@ -8133,10 +8453,12 @@
       </p:sp>
       <p:sp>
         <p:nvSpPr>
-          <p:cNvPr id="145" name="Google Shape;145;p24"/>
-          <p:cNvSpPr txBox="1"/>
+          <p:cNvPr id="146" name="Google Shape;146;p24"/>
+          <p:cNvSpPr txBox="1">
+            <a:spLocks noGrp="1"/>
+          </p:cNvSpPr>
           <p:nvPr>
-            <p:ph idx="12" type="sldNum"/>
+            <p:ph type="sldNum" idx="12"/>
           </p:nvPr>
         </p:nvSpPr>
         <p:spPr>
@@ -8149,12 +8471,12 @@
           </a:prstGeom>
         </p:spPr>
         <p:txBody>
-          <a:bodyPr anchorCtr="0" anchor="ctr" bIns="0" lIns="0" spcFirstLastPara="1" rIns="0" wrap="square" tIns="0">
+          <a:bodyPr spcFirstLastPara="1" wrap="square" lIns="0" tIns="0" rIns="0" bIns="0" anchor="ctr" anchorCtr="0">
             <a:noAutofit/>
           </a:bodyPr>
           <a:lstStyle/>
           <a:p>
-            <a:pPr indent="0" lvl="0" marL="0" rtl="0" algn="r">
+            <a:pPr marL="0" lvl="0" indent="0" algn="r" rtl="0">
               <a:spcBef>
                 <a:spcPts val="0"/>
               </a:spcBef>
@@ -8165,7 +8487,7 @@
             </a:pPr>
             <a:fld id="{00000000-1234-1234-1234-123412341234}" type="slidenum">
               <a:rPr lang="en"/>
-              <a:t>‹#›</a:t>
+              <a:t>14</a:t>
             </a:fld>
             <a:endParaRPr/>
           </a:p>
@@ -8173,32 +8495,44 @@
       </p:sp>
       <p:graphicFrame>
         <p:nvGraphicFramePr>
-          <p:cNvPr id="146" name="Google Shape;146;p24"/>
+          <p:cNvPr id="147" name="Google Shape;147;p24"/>
           <p:cNvGraphicFramePr/>
           <p:nvPr/>
         </p:nvGraphicFramePr>
         <p:xfrm>
           <a:off x="1541050" y="1543975"/>
-          <a:ext cx="3000000" cy="3000000"/>
+          <a:ext cx="6061900" cy="3230640"/>
         </p:xfrm>
         <a:graphic>
           <a:graphicData uri="http://schemas.openxmlformats.org/drawingml/2006/table">
             <a:tbl>
               <a:tblPr>
                 <a:noFill/>
-                <a:tableStyleId>{E0F93548-776B-448F-8F1C-A47466C38C96}</a:tableStyleId>
+                <a:tableStyleId>{11615E3F-0A91-4C26-B870-33DE5AE2E6DE}</a:tableStyleId>
               </a:tblPr>
               <a:tblGrid>
-                <a:gridCol w="3173375"/>
-                <a:gridCol w="2888525"/>
+                <a:gridCol w="3173375">
+                  <a:extLst>
+                    <a:ext uri="{9D8B030D-6E8A-4147-A177-3AD203B41FA5}">
+                      <a16:colId xmlns:a16="http://schemas.microsoft.com/office/drawing/2014/main" val="20000"/>
+                    </a:ext>
+                  </a:extLst>
+                </a:gridCol>
+                <a:gridCol w="2888525">
+                  <a:extLst>
+                    <a:ext uri="{9D8B030D-6E8A-4147-A177-3AD203B41FA5}">
+                      <a16:colId xmlns:a16="http://schemas.microsoft.com/office/drawing/2014/main" val="20001"/>
+                    </a:ext>
+                  </a:extLst>
+                </a:gridCol>
               </a:tblGrid>
-              <a:tr h="180975">
+              <a:tr h="0">
                 <a:tc>
                   <a:txBody>
                     <a:bodyPr/>
                     <a:lstStyle/>
                     <a:p>
-                      <a:pPr indent="0" lvl="0" marL="0" rtl="0" algn="l">
+                      <a:pPr marL="0" lvl="0" indent="0" algn="l" rtl="0">
                         <a:spcBef>
                           <a:spcPts val="0"/>
                         </a:spcBef>
@@ -8230,7 +8564,7 @@
                       </a:endParaRPr>
                     </a:p>
                   </a:txBody>
-                  <a:tcPr marT="91425" marB="91425" marR="91425" marL="91425">
+                  <a:tcPr marL="91425" marR="91425" marT="91425" marB="91425">
                     <a:solidFill>
                       <a:srgbClr val="ED7D31"/>
                     </a:solidFill>
@@ -8241,7 +8575,7 @@
                     <a:bodyPr/>
                     <a:lstStyle/>
                     <a:p>
-                      <a:pPr indent="0" lvl="0" marL="0" rtl="0" algn="l">
+                      <a:pPr marL="0" lvl="0" indent="0" algn="l" rtl="0">
                         <a:spcBef>
                           <a:spcPts val="0"/>
                         </a:spcBef>
@@ -8273,20 +8607,25 @@
                       </a:endParaRPr>
                     </a:p>
                   </a:txBody>
-                  <a:tcPr marT="91425" marB="91425" marR="91425" marL="91425">
+                  <a:tcPr marL="91425" marR="91425" marT="91425" marB="91425">
                     <a:solidFill>
                       <a:srgbClr val="ED7D31"/>
                     </a:solidFill>
                   </a:tcPr>
                 </a:tc>
+                <a:extLst>
+                  <a:ext uri="{0D108BD9-81ED-4DB2-BD59-A6C34878D82A}">
+                    <a16:rowId xmlns:a16="http://schemas.microsoft.com/office/drawing/2014/main" val="10000"/>
+                  </a:ext>
+                </a:extLst>
               </a:tr>
-              <a:tr h="180975">
+              <a:tr h="0">
                 <a:tc>
                   <a:txBody>
                     <a:bodyPr/>
                     <a:lstStyle/>
                     <a:p>
-                      <a:pPr indent="0" lvl="0" marL="0" rtl="0" algn="l">
+                      <a:pPr marL="0" lvl="0" indent="0" algn="l" rtl="0">
                         <a:spcBef>
                           <a:spcPts val="0"/>
                         </a:spcBef>
@@ -8302,7 +8641,7 @@
                       <a:endParaRPr/>
                     </a:p>
                   </a:txBody>
-                  <a:tcPr marT="91425" marB="91425" marR="91425" marL="91425">
+                  <a:tcPr marL="91425" marR="91425" marT="91425" marB="91425">
                     <a:solidFill>
                       <a:srgbClr val="B4C6E7"/>
                     </a:solidFill>
@@ -8313,7 +8652,7 @@
                     <a:bodyPr/>
                     <a:lstStyle/>
                     <a:p>
-                      <a:pPr indent="0" lvl="0" marL="0" rtl="0" algn="l">
+                      <a:pPr marL="0" lvl="0" indent="0" algn="l" rtl="0">
                         <a:spcBef>
                           <a:spcPts val="0"/>
                         </a:spcBef>
@@ -8329,20 +8668,25 @@
                       <a:endParaRPr/>
                     </a:p>
                   </a:txBody>
-                  <a:tcPr marT="91425" marB="91425" marR="91425" marL="91425">
+                  <a:tcPr marL="91425" marR="91425" marT="91425" marB="91425">
                     <a:solidFill>
                       <a:srgbClr val="B4C6E7"/>
                     </a:solidFill>
                   </a:tcPr>
                 </a:tc>
+                <a:extLst>
+                  <a:ext uri="{0D108BD9-81ED-4DB2-BD59-A6C34878D82A}">
+                    <a16:rowId xmlns:a16="http://schemas.microsoft.com/office/drawing/2014/main" val="10001"/>
+                  </a:ext>
+                </a:extLst>
               </a:tr>
-              <a:tr h="180975">
+              <a:tr h="0">
                 <a:tc>
                   <a:txBody>
                     <a:bodyPr/>
                     <a:lstStyle/>
                     <a:p>
-                      <a:pPr indent="0" lvl="0" marL="0" rtl="0" algn="l">
+                      <a:pPr marL="0" lvl="0" indent="0" algn="l" rtl="0">
                         <a:spcBef>
                           <a:spcPts val="0"/>
                         </a:spcBef>
@@ -8358,7 +8702,7 @@
                       <a:endParaRPr/>
                     </a:p>
                   </a:txBody>
-                  <a:tcPr marT="91425" marB="91425" marR="91425" marL="91425">
+                  <a:tcPr marL="91425" marR="91425" marT="91425" marB="91425">
                     <a:solidFill>
                       <a:srgbClr val="D9E1F2"/>
                     </a:solidFill>
@@ -8369,7 +8713,7 @@
                     <a:bodyPr/>
                     <a:lstStyle/>
                     <a:p>
-                      <a:pPr indent="0" lvl="0" marL="0" rtl="0" algn="l">
+                      <a:pPr marL="0" lvl="0" indent="0" algn="l" rtl="0">
                         <a:spcBef>
                           <a:spcPts val="0"/>
                         </a:spcBef>
@@ -8385,20 +8729,25 @@
                       <a:endParaRPr/>
                     </a:p>
                   </a:txBody>
-                  <a:tcPr marT="91425" marB="91425" marR="91425" marL="91425">
+                  <a:tcPr marL="91425" marR="91425" marT="91425" marB="91425">
                     <a:solidFill>
                       <a:srgbClr val="D9E1F2"/>
                     </a:solidFill>
                   </a:tcPr>
                 </a:tc>
+                <a:extLst>
+                  <a:ext uri="{0D108BD9-81ED-4DB2-BD59-A6C34878D82A}">
+                    <a16:rowId xmlns:a16="http://schemas.microsoft.com/office/drawing/2014/main" val="10002"/>
+                  </a:ext>
+                </a:extLst>
               </a:tr>
-              <a:tr h="180975">
+              <a:tr h="0">
                 <a:tc>
                   <a:txBody>
                     <a:bodyPr/>
                     <a:lstStyle/>
                     <a:p>
-                      <a:pPr indent="0" lvl="0" marL="0" rtl="0" algn="l">
+                      <a:pPr marL="0" lvl="0" indent="0" algn="l" rtl="0">
                         <a:spcBef>
                           <a:spcPts val="0"/>
                         </a:spcBef>
@@ -8414,7 +8763,7 @@
                       <a:endParaRPr/>
                     </a:p>
                   </a:txBody>
-                  <a:tcPr marT="91425" marB="91425" marR="91425" marL="91425">
+                  <a:tcPr marL="91425" marR="91425" marT="91425" marB="91425">
                     <a:solidFill>
                       <a:srgbClr val="B4C6E7"/>
                     </a:solidFill>
@@ -8425,7 +8774,7 @@
                     <a:bodyPr/>
                     <a:lstStyle/>
                     <a:p>
-                      <a:pPr indent="0" lvl="0" marL="0" rtl="0" algn="l">
+                      <a:pPr marL="0" lvl="0" indent="0" algn="l" rtl="0">
                         <a:spcBef>
                           <a:spcPts val="0"/>
                         </a:spcBef>
@@ -8441,20 +8790,25 @@
                       <a:endParaRPr/>
                     </a:p>
                   </a:txBody>
-                  <a:tcPr marT="91425" marB="91425" marR="91425" marL="91425">
+                  <a:tcPr marL="91425" marR="91425" marT="91425" marB="91425">
                     <a:solidFill>
                       <a:srgbClr val="B4C6E7"/>
                     </a:solidFill>
                   </a:tcPr>
                 </a:tc>
+                <a:extLst>
+                  <a:ext uri="{0D108BD9-81ED-4DB2-BD59-A6C34878D82A}">
+                    <a16:rowId xmlns:a16="http://schemas.microsoft.com/office/drawing/2014/main" val="10003"/>
+                  </a:ext>
+                </a:extLst>
               </a:tr>
-              <a:tr h="180975">
+              <a:tr h="0">
                 <a:tc>
                   <a:txBody>
                     <a:bodyPr/>
                     <a:lstStyle/>
                     <a:p>
-                      <a:pPr indent="0" lvl="0" marL="0" rtl="0" algn="l">
+                      <a:pPr marL="0" lvl="0" indent="0" algn="l" rtl="0">
                         <a:spcBef>
                           <a:spcPts val="0"/>
                         </a:spcBef>
@@ -8470,7 +8824,7 @@
                       <a:endParaRPr/>
                     </a:p>
                   </a:txBody>
-                  <a:tcPr marT="91425" marB="91425" marR="91425" marL="91425">
+                  <a:tcPr marL="91425" marR="91425" marT="91425" marB="91425">
                     <a:solidFill>
                       <a:srgbClr val="D9E1F2"/>
                     </a:solidFill>
@@ -8481,7 +8835,7 @@
                     <a:bodyPr/>
                     <a:lstStyle/>
                     <a:p>
-                      <a:pPr indent="0" lvl="0" marL="0" rtl="0" algn="l">
+                      <a:pPr marL="0" lvl="0" indent="0" algn="l" rtl="0">
                         <a:spcBef>
                           <a:spcPts val="0"/>
                         </a:spcBef>
@@ -8497,20 +8851,25 @@
                       <a:endParaRPr/>
                     </a:p>
                   </a:txBody>
-                  <a:tcPr marT="91425" marB="91425" marR="91425" marL="91425">
+                  <a:tcPr marL="91425" marR="91425" marT="91425" marB="91425">
                     <a:solidFill>
                       <a:srgbClr val="D9E1F2"/>
                     </a:solidFill>
                   </a:tcPr>
                 </a:tc>
+                <a:extLst>
+                  <a:ext uri="{0D108BD9-81ED-4DB2-BD59-A6C34878D82A}">
+                    <a16:rowId xmlns:a16="http://schemas.microsoft.com/office/drawing/2014/main" val="10004"/>
+                  </a:ext>
+                </a:extLst>
               </a:tr>
-              <a:tr h="180975">
+              <a:tr h="0">
                 <a:tc>
                   <a:txBody>
                     <a:bodyPr/>
                     <a:lstStyle/>
                     <a:p>
-                      <a:pPr indent="0" lvl="0" marL="0" rtl="0" algn="l">
+                      <a:pPr marL="0" lvl="0" indent="0" algn="l" rtl="0">
                         <a:spcBef>
                           <a:spcPts val="0"/>
                         </a:spcBef>
@@ -8526,7 +8885,7 @@
                       <a:endParaRPr/>
                     </a:p>
                   </a:txBody>
-                  <a:tcPr marT="91425" marB="91425" marR="91425" marL="91425">
+                  <a:tcPr marL="91425" marR="91425" marT="91425" marB="91425">
                     <a:solidFill>
                       <a:srgbClr val="B4C6E7"/>
                     </a:solidFill>
@@ -8537,7 +8896,7 @@
                     <a:bodyPr/>
                     <a:lstStyle/>
                     <a:p>
-                      <a:pPr indent="0" lvl="0" marL="0" rtl="0" algn="l">
+                      <a:pPr marL="0" lvl="0" indent="0" algn="l" rtl="0">
                         <a:spcBef>
                           <a:spcPts val="0"/>
                         </a:spcBef>
@@ -8553,20 +8912,25 @@
                       <a:endParaRPr/>
                     </a:p>
                   </a:txBody>
-                  <a:tcPr marT="91425" marB="91425" marR="91425" marL="91425">
+                  <a:tcPr marL="91425" marR="91425" marT="91425" marB="91425">
                     <a:solidFill>
                       <a:srgbClr val="B4C6E7"/>
                     </a:solidFill>
                   </a:tcPr>
                 </a:tc>
+                <a:extLst>
+                  <a:ext uri="{0D108BD9-81ED-4DB2-BD59-A6C34878D82A}">
+                    <a16:rowId xmlns:a16="http://schemas.microsoft.com/office/drawing/2014/main" val="10005"/>
+                  </a:ext>
+                </a:extLst>
               </a:tr>
-              <a:tr h="180975">
+              <a:tr h="0">
                 <a:tc>
                   <a:txBody>
                     <a:bodyPr/>
                     <a:lstStyle/>
                     <a:p>
-                      <a:pPr indent="0" lvl="0" marL="0" rtl="0" algn="l">
+                      <a:pPr marL="0" lvl="0" indent="0" algn="l" rtl="0">
                         <a:spcBef>
                           <a:spcPts val="0"/>
                         </a:spcBef>
@@ -8582,7 +8946,7 @@
                       <a:endParaRPr/>
                     </a:p>
                   </a:txBody>
-                  <a:tcPr marT="91425" marB="91425" marR="91425" marL="91425">
+                  <a:tcPr marL="91425" marR="91425" marT="91425" marB="91425">
                     <a:solidFill>
                       <a:srgbClr val="D9E1F2"/>
                     </a:solidFill>
@@ -8593,7 +8957,7 @@
                     <a:bodyPr/>
                     <a:lstStyle/>
                     <a:p>
-                      <a:pPr indent="0" lvl="0" marL="0" rtl="0" algn="l">
+                      <a:pPr marL="0" lvl="0" indent="0" algn="l" rtl="0">
                         <a:spcBef>
                           <a:spcPts val="0"/>
                         </a:spcBef>
@@ -8609,20 +8973,25 @@
                       <a:endParaRPr/>
                     </a:p>
                   </a:txBody>
-                  <a:tcPr marT="91425" marB="91425" marR="91425" marL="91425">
+                  <a:tcPr marL="91425" marR="91425" marT="91425" marB="91425">
                     <a:solidFill>
                       <a:srgbClr val="D9E1F2"/>
                     </a:solidFill>
                   </a:tcPr>
                 </a:tc>
+                <a:extLst>
+                  <a:ext uri="{0D108BD9-81ED-4DB2-BD59-A6C34878D82A}">
+                    <a16:rowId xmlns:a16="http://schemas.microsoft.com/office/drawing/2014/main" val="10006"/>
+                  </a:ext>
+                </a:extLst>
               </a:tr>
-              <a:tr h="180975">
+              <a:tr h="0">
                 <a:tc>
                   <a:txBody>
                     <a:bodyPr/>
                     <a:lstStyle/>
                     <a:p>
-                      <a:pPr indent="0" lvl="0" marL="0" rtl="0" algn="l">
+                      <a:pPr marL="0" lvl="0" indent="0" algn="l" rtl="0">
                         <a:spcBef>
                           <a:spcPts val="0"/>
                         </a:spcBef>
@@ -8638,7 +9007,7 @@
                       <a:endParaRPr/>
                     </a:p>
                   </a:txBody>
-                  <a:tcPr marT="91425" marB="91425" marR="91425" marL="91425">
+                  <a:tcPr marL="91425" marR="91425" marT="91425" marB="91425">
                     <a:solidFill>
                       <a:srgbClr val="B4C6E7"/>
                     </a:solidFill>
@@ -8649,7 +9018,7 @@
                     <a:bodyPr/>
                     <a:lstStyle/>
                     <a:p>
-                      <a:pPr indent="0" lvl="0" marL="0" rtl="0" algn="l">
+                      <a:pPr marL="0" lvl="0" indent="0" algn="l" rtl="0">
                         <a:spcBef>
                           <a:spcPts val="0"/>
                         </a:spcBef>
@@ -8665,12 +9034,17 @@
                       <a:endParaRPr/>
                     </a:p>
                   </a:txBody>
-                  <a:tcPr marT="91425" marB="91425" marR="91425" marL="91425">
+                  <a:tcPr marL="91425" marR="91425" marT="91425" marB="91425">
                     <a:solidFill>
                       <a:srgbClr val="B4C6E7"/>
                     </a:solidFill>
                   </a:tcPr>
                 </a:tc>
+                <a:extLst>
+                  <a:ext uri="{0D108BD9-81ED-4DB2-BD59-A6C34878D82A}">
+                    <a16:rowId xmlns:a16="http://schemas.microsoft.com/office/drawing/2014/main" val="10007"/>
+                  </a:ext>
+                </a:extLst>
               </a:tr>
             </a:tbl>
           </a:graphicData>
@@ -8685,11 +9059,11 @@
 </file>
 
 <file path=ppt/slides/slide15.xml><?xml version="1.0" encoding="utf-8"?>
-<p:sld xmlns:a="http://schemas.openxmlformats.org/drawingml/2006/main" xmlns:r="http://schemas.openxmlformats.org/officeDocument/2006/relationships" xmlns:mc="http://schemas.openxmlformats.org/markup-compatibility/2006" xmlns:mv="urn:schemas-microsoft-com:mac:vml" xmlns:p="http://schemas.openxmlformats.org/presentationml/2006/main" xmlns:c="http://schemas.openxmlformats.org/drawingml/2006/chart" xmlns:dgm="http://schemas.openxmlformats.org/drawingml/2006/diagram" xmlns:o="urn:schemas-microsoft-com:office:office" xmlns:v="urn:schemas-microsoft-com:vml" xmlns:pvml="urn:schemas-microsoft-com:office:powerpoint" xmlns:com="http://schemas.openxmlformats.org/drawingml/2006/compatibility" xmlns:p14="http://schemas.microsoft.com/office/powerpoint/2010/main" xmlns:p15="http://schemas.microsoft.com/office/powerpoint/2012/main">
+<p:sld xmlns:a="http://schemas.openxmlformats.org/drawingml/2006/main" xmlns:r="http://schemas.openxmlformats.org/officeDocument/2006/relationships" xmlns:p="http://schemas.openxmlformats.org/presentationml/2006/main">
   <p:cSld>
     <p:spTree>
       <p:nvGrpSpPr>
-        <p:cNvPr id="150" name="Shape 150"/>
+        <p:cNvPr id="1" name="Shape 151"/>
         <p:cNvGrpSpPr/>
         <p:nvPr/>
       </p:nvGrpSpPr>
@@ -8703,8 +9077,10 @@
       </p:grpSpPr>
       <p:sp>
         <p:nvSpPr>
-          <p:cNvPr id="151" name="Google Shape;151;p25"/>
-          <p:cNvSpPr txBox="1"/>
+          <p:cNvPr id="152" name="Google Shape;152;p25"/>
+          <p:cNvSpPr txBox="1">
+            <a:spLocks noGrp="1"/>
+          </p:cNvSpPr>
           <p:nvPr>
             <p:ph type="title"/>
           </p:nvPr>
@@ -8719,12 +9095,12 @@
           </a:prstGeom>
         </p:spPr>
         <p:txBody>
-          <a:bodyPr anchorCtr="0" anchor="b" bIns="0" lIns="0" spcFirstLastPara="1" rIns="0" wrap="square" tIns="0">
+          <a:bodyPr spcFirstLastPara="1" wrap="square" lIns="0" tIns="0" rIns="0" bIns="0" anchor="b" anchorCtr="0">
             <a:noAutofit/>
           </a:bodyPr>
           <a:lstStyle/>
           <a:p>
-            <a:pPr indent="0" lvl="0" marL="0" rtl="0" algn="l">
+            <a:pPr marL="0" lvl="0" indent="0" algn="l" rtl="0">
               <a:spcBef>
                 <a:spcPts val="0"/>
               </a:spcBef>
@@ -8743,10 +9119,12 @@
       </p:sp>
       <p:sp>
         <p:nvSpPr>
-          <p:cNvPr id="152" name="Google Shape;152;p25"/>
-          <p:cNvSpPr txBox="1"/>
+          <p:cNvPr id="153" name="Google Shape;153;p25"/>
+          <p:cNvSpPr txBox="1">
+            <a:spLocks noGrp="1"/>
+          </p:cNvSpPr>
           <p:nvPr>
-            <p:ph idx="1" type="body"/>
+            <p:ph type="body" idx="1"/>
           </p:nvPr>
         </p:nvSpPr>
         <p:spPr>
@@ -8759,12 +9137,12 @@
           </a:prstGeom>
         </p:spPr>
         <p:txBody>
-          <a:bodyPr anchorCtr="0" anchor="t" bIns="0" lIns="0" spcFirstLastPara="1" rIns="0" wrap="square" tIns="0">
+          <a:bodyPr spcFirstLastPara="1" wrap="square" lIns="0" tIns="0" rIns="0" bIns="0" anchor="t" anchorCtr="0">
             <a:noAutofit/>
           </a:bodyPr>
           <a:lstStyle/>
           <a:p>
-            <a:pPr indent="-381000" lvl="0" marL="457200" rtl="0" algn="l">
+            <a:pPr marL="457200" lvl="0" indent="-381000" algn="l" rtl="0">
               <a:spcBef>
                 <a:spcPts val="600"/>
               </a:spcBef>
@@ -8781,7 +9159,7 @@
             <a:endParaRPr sz="2400"/>
           </a:p>
           <a:p>
-            <a:pPr indent="-381000" lvl="0" marL="457200" rtl="0" algn="l">
+            <a:pPr marL="457200" lvl="0" indent="-381000" algn="l" rtl="0">
               <a:spcBef>
                 <a:spcPts val="0"/>
               </a:spcBef>
@@ -8798,7 +9176,7 @@
             <a:endParaRPr sz="2400"/>
           </a:p>
           <a:p>
-            <a:pPr indent="-381000" lvl="0" marL="457200" rtl="0" algn="l">
+            <a:pPr marL="457200" lvl="0" indent="-381000" algn="l" rtl="0">
               <a:spcBef>
                 <a:spcPts val="0"/>
               </a:spcBef>
@@ -8815,7 +9193,7 @@
             <a:endParaRPr sz="2400"/>
           </a:p>
           <a:p>
-            <a:pPr indent="-381000" lvl="0" marL="457200" rtl="0" algn="l">
+            <a:pPr marL="457200" lvl="0" indent="-381000" algn="l" rtl="0">
               <a:spcBef>
                 <a:spcPts val="0"/>
               </a:spcBef>
@@ -8832,7 +9210,7 @@
             <a:endParaRPr sz="2400"/>
           </a:p>
           <a:p>
-            <a:pPr indent="-381000" lvl="0" marL="457200" rtl="0" algn="l">
+            <a:pPr marL="457200" lvl="0" indent="-381000" algn="l" rtl="0">
               <a:spcBef>
                 <a:spcPts val="0"/>
               </a:spcBef>
@@ -8849,7 +9227,7 @@
             <a:endParaRPr sz="2400"/>
           </a:p>
           <a:p>
-            <a:pPr indent="0" lvl="0" marL="457200" rtl="0" algn="l">
+            <a:pPr marL="457200" lvl="0" indent="0" algn="l" rtl="0">
               <a:spcBef>
                 <a:spcPts val="600"/>
               </a:spcBef>
@@ -8858,19 +9236,18 @@
               </a:spcAft>
               <a:buNone/>
             </a:pPr>
-            <a:r>
-              <a:t/>
-            </a:r>
             <a:endParaRPr sz="1800"/>
           </a:p>
         </p:txBody>
       </p:sp>
       <p:sp>
         <p:nvSpPr>
-          <p:cNvPr id="153" name="Google Shape;153;p25"/>
-          <p:cNvSpPr txBox="1"/>
+          <p:cNvPr id="154" name="Google Shape;154;p25"/>
+          <p:cNvSpPr txBox="1">
+            <a:spLocks noGrp="1"/>
+          </p:cNvSpPr>
           <p:nvPr>
-            <p:ph idx="2" type="body"/>
+            <p:ph type="body" idx="2"/>
           </p:nvPr>
         </p:nvSpPr>
         <p:spPr>
@@ -8883,12 +9260,12 @@
           </a:prstGeom>
         </p:spPr>
         <p:txBody>
-          <a:bodyPr anchorCtr="0" anchor="t" bIns="0" lIns="0" spcFirstLastPara="1" rIns="0" wrap="square" tIns="0">
+          <a:bodyPr spcFirstLastPara="1" wrap="square" lIns="0" tIns="0" rIns="0" bIns="0" anchor="t" anchorCtr="0">
             <a:noAutofit/>
           </a:bodyPr>
           <a:lstStyle/>
           <a:p>
-            <a:pPr indent="-381000" lvl="0" marL="457200" rtl="0" algn="l">
+            <a:pPr marL="457200" lvl="0" indent="-381000" algn="l" rtl="0">
               <a:spcBef>
                 <a:spcPts val="600"/>
               </a:spcBef>
@@ -8905,7 +9282,7 @@
             <a:endParaRPr sz="2400"/>
           </a:p>
           <a:p>
-            <a:pPr indent="-381000" lvl="0" marL="457200" rtl="0" algn="l">
+            <a:pPr marL="457200" lvl="0" indent="-381000" algn="l" rtl="0">
               <a:spcBef>
                 <a:spcPts val="0"/>
               </a:spcBef>
@@ -8922,7 +9299,7 @@
             <a:endParaRPr sz="2400"/>
           </a:p>
           <a:p>
-            <a:pPr indent="-381000" lvl="0" marL="457200" rtl="0" algn="l">
+            <a:pPr marL="457200" lvl="0" indent="-381000" algn="l" rtl="0">
               <a:spcBef>
                 <a:spcPts val="0"/>
               </a:spcBef>
@@ -8939,7 +9316,7 @@
             <a:endParaRPr sz="2400"/>
           </a:p>
           <a:p>
-            <a:pPr indent="-381000" lvl="0" marL="457200" rtl="0" algn="l">
+            <a:pPr marL="457200" lvl="0" indent="-381000" algn="l" rtl="0">
               <a:spcBef>
                 <a:spcPts val="0"/>
               </a:spcBef>
@@ -8956,7 +9333,7 @@
             <a:endParaRPr sz="2400"/>
           </a:p>
           <a:p>
-            <a:pPr indent="-381000" lvl="0" marL="457200" rtl="0" algn="l">
+            <a:pPr marL="457200" lvl="0" indent="-381000" algn="l" rtl="0">
               <a:spcBef>
                 <a:spcPts val="0"/>
               </a:spcBef>
@@ -8973,7 +9350,7 @@
             <a:endParaRPr sz="2400"/>
           </a:p>
           <a:p>
-            <a:pPr indent="-381000" lvl="0" marL="457200" rtl="0" algn="l">
+            <a:pPr marL="457200" lvl="0" indent="-381000" algn="l" rtl="0">
               <a:spcBef>
                 <a:spcPts val="0"/>
               </a:spcBef>
@@ -8993,10 +9370,12 @@
       </p:sp>
       <p:sp>
         <p:nvSpPr>
-          <p:cNvPr id="154" name="Google Shape;154;p25"/>
-          <p:cNvSpPr txBox="1"/>
+          <p:cNvPr id="155" name="Google Shape;155;p25"/>
+          <p:cNvSpPr txBox="1">
+            <a:spLocks noGrp="1"/>
+          </p:cNvSpPr>
           <p:nvPr>
-            <p:ph idx="12" type="sldNum"/>
+            <p:ph type="sldNum" idx="12"/>
           </p:nvPr>
         </p:nvSpPr>
         <p:spPr>
@@ -9009,12 +9388,12 @@
           </a:prstGeom>
         </p:spPr>
         <p:txBody>
-          <a:bodyPr anchorCtr="0" anchor="ctr" bIns="0" lIns="0" spcFirstLastPara="1" rIns="0" wrap="square" tIns="0">
+          <a:bodyPr spcFirstLastPara="1" wrap="square" lIns="0" tIns="0" rIns="0" bIns="0" anchor="ctr" anchorCtr="0">
             <a:noAutofit/>
           </a:bodyPr>
           <a:lstStyle/>
           <a:p>
-            <a:pPr indent="0" lvl="0" marL="0" rtl="0" algn="r">
+            <a:pPr marL="0" lvl="0" indent="0" algn="r" rtl="0">
               <a:spcBef>
                 <a:spcPts val="0"/>
               </a:spcBef>
@@ -9025,7 +9404,7 @@
             </a:pPr>
             <a:fld id="{00000000-1234-1234-1234-123412341234}" type="slidenum">
               <a:rPr lang="en"/>
-              <a:t>‹#›</a:t>
+              <a:t>15</a:t>
             </a:fld>
             <a:endParaRPr/>
           </a:p>
@@ -9040,11 +9419,11 @@
 </file>
 
 <file path=ppt/slides/slide16.xml><?xml version="1.0" encoding="utf-8"?>
-<p:sld xmlns:a="http://schemas.openxmlformats.org/drawingml/2006/main" xmlns:r="http://schemas.openxmlformats.org/officeDocument/2006/relationships" xmlns:mc="http://schemas.openxmlformats.org/markup-compatibility/2006" xmlns:mv="urn:schemas-microsoft-com:mac:vml" xmlns:p="http://schemas.openxmlformats.org/presentationml/2006/main" xmlns:c="http://schemas.openxmlformats.org/drawingml/2006/chart" xmlns:dgm="http://schemas.openxmlformats.org/drawingml/2006/diagram" xmlns:o="urn:schemas-microsoft-com:office:office" xmlns:v="urn:schemas-microsoft-com:vml" xmlns:pvml="urn:schemas-microsoft-com:office:powerpoint" xmlns:com="http://schemas.openxmlformats.org/drawingml/2006/compatibility" xmlns:p14="http://schemas.microsoft.com/office/powerpoint/2010/main" xmlns:p15="http://schemas.microsoft.com/office/powerpoint/2012/main">
+<p:sld xmlns:a="http://schemas.openxmlformats.org/drawingml/2006/main" xmlns:r="http://schemas.openxmlformats.org/officeDocument/2006/relationships" xmlns:p="http://schemas.openxmlformats.org/presentationml/2006/main">
   <p:cSld>
     <p:spTree>
       <p:nvGrpSpPr>
-        <p:cNvPr id="158" name="Shape 158"/>
+        <p:cNvPr id="1" name="Shape 159"/>
         <p:cNvGrpSpPr/>
         <p:nvPr/>
       </p:nvGrpSpPr>
@@ -9058,8 +9437,10 @@
       </p:grpSpPr>
       <p:sp>
         <p:nvSpPr>
-          <p:cNvPr id="159" name="Google Shape;159;p26"/>
-          <p:cNvSpPr txBox="1"/>
+          <p:cNvPr id="160" name="Google Shape;160;p26"/>
+          <p:cNvSpPr txBox="1">
+            <a:spLocks noGrp="1"/>
+          </p:cNvSpPr>
           <p:nvPr>
             <p:ph type="title"/>
           </p:nvPr>
@@ -9074,12 +9455,12 @@
           </a:prstGeom>
         </p:spPr>
         <p:txBody>
-          <a:bodyPr anchorCtr="0" anchor="b" bIns="0" lIns="0" spcFirstLastPara="1" rIns="0" wrap="square" tIns="0">
+          <a:bodyPr spcFirstLastPara="1" wrap="square" lIns="0" tIns="0" rIns="0" bIns="0" anchor="b" anchorCtr="0">
             <a:noAutofit/>
           </a:bodyPr>
           <a:lstStyle/>
           <a:p>
-            <a:pPr indent="0" lvl="0" marL="0" rtl="0" algn="l">
+            <a:pPr marL="0" lvl="0" indent="0" algn="l" rtl="0">
               <a:spcBef>
                 <a:spcPts val="0"/>
               </a:spcBef>
@@ -9098,10 +9479,12 @@
       </p:sp>
       <p:sp>
         <p:nvSpPr>
-          <p:cNvPr id="160" name="Google Shape;160;p26"/>
-          <p:cNvSpPr txBox="1"/>
+          <p:cNvPr id="161" name="Google Shape;161;p26"/>
+          <p:cNvSpPr txBox="1">
+            <a:spLocks noGrp="1"/>
+          </p:cNvSpPr>
           <p:nvPr>
-            <p:ph idx="1" type="body"/>
+            <p:ph type="body" idx="1"/>
           </p:nvPr>
         </p:nvSpPr>
         <p:spPr>
@@ -9114,12 +9497,12 @@
           </a:prstGeom>
         </p:spPr>
         <p:txBody>
-          <a:bodyPr anchorCtr="0" anchor="t" bIns="0" lIns="0" spcFirstLastPara="1" rIns="0" wrap="square" tIns="0">
+          <a:bodyPr spcFirstLastPara="1" wrap="square" lIns="0" tIns="0" rIns="0" bIns="0" anchor="t" anchorCtr="0">
             <a:noAutofit/>
           </a:bodyPr>
           <a:lstStyle/>
           <a:p>
-            <a:pPr indent="-355600" lvl="0" marL="457200" rtl="0" algn="l">
+            <a:pPr marL="457200" lvl="0" indent="-355600" algn="l" rtl="0">
               <a:spcBef>
                 <a:spcPts val="600"/>
               </a:spcBef>
@@ -9136,7 +9519,7 @@
             <a:endParaRPr sz="2000"/>
           </a:p>
           <a:p>
-            <a:pPr indent="0" lvl="0" marL="457200" rtl="0" algn="l">
+            <a:pPr marL="457200" lvl="0" indent="0" algn="l" rtl="0">
               <a:spcBef>
                 <a:spcPts val="600"/>
               </a:spcBef>
@@ -9145,13 +9528,10 @@
               </a:spcAft>
               <a:buNone/>
             </a:pPr>
-            <a:r>
-              <a:t/>
-            </a:r>
             <a:endParaRPr sz="2000"/>
           </a:p>
           <a:p>
-            <a:pPr indent="-355600" lvl="0" marL="457200" rtl="0" algn="l">
+            <a:pPr marL="457200" lvl="0" indent="-355600" algn="l" rtl="0">
               <a:spcBef>
                 <a:spcPts val="600"/>
               </a:spcBef>
@@ -9168,7 +9548,7 @@
             <a:endParaRPr sz="2000"/>
           </a:p>
           <a:p>
-            <a:pPr indent="0" lvl="0" marL="457200" rtl="0" algn="l">
+            <a:pPr marL="457200" lvl="0" indent="0" algn="l" rtl="0">
               <a:spcBef>
                 <a:spcPts val="600"/>
               </a:spcBef>
@@ -9177,13 +9557,10 @@
               </a:spcAft>
               <a:buNone/>
             </a:pPr>
-            <a:r>
-              <a:t/>
-            </a:r>
             <a:endParaRPr sz="2000"/>
           </a:p>
           <a:p>
-            <a:pPr indent="-355600" lvl="0" marL="457200" rtl="0" algn="l">
+            <a:pPr marL="457200" lvl="0" indent="-355600" algn="l" rtl="0">
               <a:spcBef>
                 <a:spcPts val="600"/>
               </a:spcBef>
@@ -9200,7 +9577,7 @@
             <a:endParaRPr sz="2000"/>
           </a:p>
           <a:p>
-            <a:pPr indent="0" lvl="0" marL="457200" rtl="0" algn="l">
+            <a:pPr marL="457200" lvl="0" indent="0" algn="l" rtl="0">
               <a:spcBef>
                 <a:spcPts val="600"/>
               </a:spcBef>
@@ -9209,13 +9586,10 @@
               </a:spcAft>
               <a:buNone/>
             </a:pPr>
-            <a:r>
-              <a:t/>
-            </a:r>
             <a:endParaRPr sz="2000"/>
           </a:p>
           <a:p>
-            <a:pPr indent="-355600" lvl="0" marL="457200" rtl="0" algn="l">
+            <a:pPr marL="457200" lvl="0" indent="-355600" algn="l" rtl="0">
               <a:spcBef>
                 <a:spcPts val="600"/>
               </a:spcBef>
@@ -9232,7 +9606,7 @@
             <a:endParaRPr sz="2000"/>
           </a:p>
           <a:p>
-            <a:pPr indent="0" lvl="0" marL="457200" rtl="0" algn="l">
+            <a:pPr marL="457200" lvl="0" indent="0" algn="l" rtl="0">
               <a:spcBef>
                 <a:spcPts val="600"/>
               </a:spcBef>
@@ -9241,19 +9615,18 @@
               </a:spcAft>
               <a:buNone/>
             </a:pPr>
-            <a:r>
-              <a:t/>
-            </a:r>
             <a:endParaRPr sz="1800"/>
           </a:p>
         </p:txBody>
       </p:sp>
       <p:sp>
         <p:nvSpPr>
-          <p:cNvPr id="161" name="Google Shape;161;p26"/>
-          <p:cNvSpPr txBox="1"/>
+          <p:cNvPr id="162" name="Google Shape;162;p26"/>
+          <p:cNvSpPr txBox="1">
+            <a:spLocks noGrp="1"/>
+          </p:cNvSpPr>
           <p:nvPr>
-            <p:ph idx="12" type="sldNum"/>
+            <p:ph type="sldNum" idx="12"/>
           </p:nvPr>
         </p:nvSpPr>
         <p:spPr>
@@ -9266,12 +9639,12 @@
           </a:prstGeom>
         </p:spPr>
         <p:txBody>
-          <a:bodyPr anchorCtr="0" anchor="ctr" bIns="0" lIns="0" spcFirstLastPara="1" rIns="0" wrap="square" tIns="0">
+          <a:bodyPr spcFirstLastPara="1" wrap="square" lIns="0" tIns="0" rIns="0" bIns="0" anchor="ctr" anchorCtr="0">
             <a:noAutofit/>
           </a:bodyPr>
           <a:lstStyle/>
           <a:p>
-            <a:pPr indent="0" lvl="0" marL="0" rtl="0" algn="r">
+            <a:pPr marL="0" lvl="0" indent="0" algn="r" rtl="0">
               <a:spcBef>
                 <a:spcPts val="0"/>
               </a:spcBef>
@@ -9282,7 +9655,7 @@
             </a:pPr>
             <a:fld id="{00000000-1234-1234-1234-123412341234}" type="slidenum">
               <a:rPr lang="en"/>
-              <a:t>‹#›</a:t>
+              <a:t>16</a:t>
             </a:fld>
             <a:endParaRPr/>
           </a:p>
@@ -9297,11 +9670,11 @@
 </file>
 
 <file path=ppt/slides/slide2.xml><?xml version="1.0" encoding="utf-8"?>
-<p:sld xmlns:a="http://schemas.openxmlformats.org/drawingml/2006/main" xmlns:r="http://schemas.openxmlformats.org/officeDocument/2006/relationships" xmlns:mc="http://schemas.openxmlformats.org/markup-compatibility/2006" xmlns:mv="urn:schemas-microsoft-com:mac:vml" xmlns:p="http://schemas.openxmlformats.org/presentationml/2006/main" xmlns:c="http://schemas.openxmlformats.org/drawingml/2006/chart" xmlns:dgm="http://schemas.openxmlformats.org/drawingml/2006/diagram" xmlns:o="urn:schemas-microsoft-com:office:office" xmlns:v="urn:schemas-microsoft-com:vml" xmlns:pvml="urn:schemas-microsoft-com:office:powerpoint" xmlns:com="http://schemas.openxmlformats.org/drawingml/2006/compatibility" xmlns:p14="http://schemas.microsoft.com/office/powerpoint/2010/main" xmlns:p15="http://schemas.microsoft.com/office/powerpoint/2012/main">
+<p:sld xmlns:a="http://schemas.openxmlformats.org/drawingml/2006/main" xmlns:r="http://schemas.openxmlformats.org/officeDocument/2006/relationships" xmlns:p="http://schemas.openxmlformats.org/presentationml/2006/main">
   <p:cSld>
     <p:spTree>
       <p:nvGrpSpPr>
-        <p:cNvPr id="60" name="Shape 60"/>
+        <p:cNvPr id="1" name="Shape 60"/>
         <p:cNvGrpSpPr/>
         <p:nvPr/>
       </p:nvGrpSpPr>
@@ -9316,7 +9689,9 @@
       <p:sp>
         <p:nvSpPr>
           <p:cNvPr id="61" name="Google Shape;61;p12"/>
-          <p:cNvSpPr txBox="1"/>
+          <p:cNvSpPr txBox="1">
+            <a:spLocks noGrp="1"/>
+          </p:cNvSpPr>
           <p:nvPr>
             <p:ph type="title"/>
           </p:nvPr>
@@ -9331,12 +9706,12 @@
           </a:prstGeom>
         </p:spPr>
         <p:txBody>
-          <a:bodyPr anchorCtr="0" anchor="b" bIns="0" lIns="0" spcFirstLastPara="1" rIns="0" wrap="square" tIns="0">
+          <a:bodyPr spcFirstLastPara="1" wrap="square" lIns="0" tIns="0" rIns="0" bIns="0" anchor="b" anchorCtr="0">
             <a:noAutofit/>
           </a:bodyPr>
           <a:lstStyle/>
           <a:p>
-            <a:pPr indent="0" lvl="0" marL="0" rtl="0" algn="l">
+            <a:pPr marL="0" lvl="0" indent="0" algn="l" rtl="0">
               <a:spcBef>
                 <a:spcPts val="0"/>
               </a:spcBef>
@@ -9356,9 +9731,11 @@
       <p:sp>
         <p:nvSpPr>
           <p:cNvPr id="62" name="Google Shape;62;p12"/>
-          <p:cNvSpPr txBox="1"/>
+          <p:cNvSpPr txBox="1">
+            <a:spLocks noGrp="1"/>
+          </p:cNvSpPr>
           <p:nvPr>
-            <p:ph idx="1" type="body"/>
+            <p:ph type="body" idx="1"/>
           </p:nvPr>
         </p:nvSpPr>
         <p:spPr>
@@ -9371,12 +9748,12 @@
           </a:prstGeom>
         </p:spPr>
         <p:txBody>
-          <a:bodyPr anchorCtr="0" anchor="t" bIns="0" lIns="0" spcFirstLastPara="1" rIns="0" wrap="square" tIns="0">
+          <a:bodyPr spcFirstLastPara="1" wrap="square" lIns="0" tIns="0" rIns="0" bIns="0" anchor="t" anchorCtr="0">
             <a:noAutofit/>
           </a:bodyPr>
           <a:lstStyle/>
           <a:p>
-            <a:pPr indent="-381000" lvl="0" marL="457200" rtl="0" algn="l">
+            <a:pPr marL="457200" lvl="0" indent="-381000" algn="l" rtl="0">
               <a:spcBef>
                 <a:spcPts val="600"/>
               </a:spcBef>
@@ -9393,7 +9770,7 @@
             <a:endParaRPr/>
           </a:p>
           <a:p>
-            <a:pPr indent="-381000" lvl="0" marL="457200" rtl="0" algn="l">
+            <a:pPr marL="457200" lvl="0" indent="-381000" algn="l" rtl="0">
               <a:spcBef>
                 <a:spcPts val="0"/>
               </a:spcBef>
@@ -9414,9 +9791,11 @@
       <p:sp>
         <p:nvSpPr>
           <p:cNvPr id="63" name="Google Shape;63;p12"/>
-          <p:cNvSpPr txBox="1"/>
+          <p:cNvSpPr txBox="1">
+            <a:spLocks noGrp="1"/>
+          </p:cNvSpPr>
           <p:nvPr>
-            <p:ph idx="12" type="sldNum"/>
+            <p:ph type="sldNum" idx="12"/>
           </p:nvPr>
         </p:nvSpPr>
         <p:spPr>
@@ -9429,12 +9808,12 @@
           </a:prstGeom>
         </p:spPr>
         <p:txBody>
-          <a:bodyPr anchorCtr="0" anchor="ctr" bIns="0" lIns="0" spcFirstLastPara="1" rIns="0" wrap="square" tIns="0">
+          <a:bodyPr spcFirstLastPara="1" wrap="square" lIns="0" tIns="0" rIns="0" bIns="0" anchor="ctr" anchorCtr="0">
             <a:noAutofit/>
           </a:bodyPr>
           <a:lstStyle/>
           <a:p>
-            <a:pPr indent="0" lvl="0" marL="0" rtl="0" algn="r">
+            <a:pPr marL="0" lvl="0" indent="0" algn="r" rtl="0">
               <a:spcBef>
                 <a:spcPts val="0"/>
               </a:spcBef>
@@ -9445,7 +9824,7 @@
             </a:pPr>
             <a:fld id="{00000000-1234-1234-1234-123412341234}" type="slidenum">
               <a:rPr lang="en"/>
-              <a:t>‹#›</a:t>
+              <a:t>2</a:t>
             </a:fld>
             <a:endParaRPr/>
           </a:p>
@@ -9460,11 +9839,11 @@
 </file>
 
 <file path=ppt/slides/slide3.xml><?xml version="1.0" encoding="utf-8"?>
-<p:sld xmlns:a="http://schemas.openxmlformats.org/drawingml/2006/main" xmlns:r="http://schemas.openxmlformats.org/officeDocument/2006/relationships" xmlns:mc="http://schemas.openxmlformats.org/markup-compatibility/2006" xmlns:mv="urn:schemas-microsoft-com:mac:vml" xmlns:p="http://schemas.openxmlformats.org/presentationml/2006/main" xmlns:c="http://schemas.openxmlformats.org/drawingml/2006/chart" xmlns:dgm="http://schemas.openxmlformats.org/drawingml/2006/diagram" xmlns:o="urn:schemas-microsoft-com:office:office" xmlns:v="urn:schemas-microsoft-com:vml" xmlns:pvml="urn:schemas-microsoft-com:office:powerpoint" xmlns:com="http://schemas.openxmlformats.org/drawingml/2006/compatibility" xmlns:p14="http://schemas.microsoft.com/office/powerpoint/2010/main" xmlns:p15="http://schemas.microsoft.com/office/powerpoint/2012/main">
+<p:sld xmlns:a="http://schemas.openxmlformats.org/drawingml/2006/main" xmlns:r="http://schemas.openxmlformats.org/officeDocument/2006/relationships" xmlns:p="http://schemas.openxmlformats.org/presentationml/2006/main">
   <p:cSld>
     <p:spTree>
       <p:nvGrpSpPr>
-        <p:cNvPr id="67" name="Shape 67"/>
+        <p:cNvPr id="1" name="Shape 67"/>
         <p:cNvGrpSpPr/>
         <p:nvPr/>
       </p:nvGrpSpPr>
@@ -9479,7 +9858,9 @@
       <p:sp>
         <p:nvSpPr>
           <p:cNvPr id="68" name="Google Shape;68;p13"/>
-          <p:cNvSpPr txBox="1"/>
+          <p:cNvSpPr txBox="1">
+            <a:spLocks noGrp="1"/>
+          </p:cNvSpPr>
           <p:nvPr>
             <p:ph type="title"/>
           </p:nvPr>
@@ -9494,12 +9875,12 @@
           </a:prstGeom>
         </p:spPr>
         <p:txBody>
-          <a:bodyPr anchorCtr="0" anchor="b" bIns="0" lIns="0" spcFirstLastPara="1" rIns="0" wrap="square" tIns="0">
+          <a:bodyPr spcFirstLastPara="1" wrap="square" lIns="0" tIns="0" rIns="0" bIns="0" anchor="b" anchorCtr="0">
             <a:noAutofit/>
           </a:bodyPr>
           <a:lstStyle/>
           <a:p>
-            <a:pPr indent="0" lvl="0" marL="0" rtl="0" algn="l">
+            <a:pPr marL="0" lvl="0" indent="0" algn="l" rtl="0">
               <a:spcBef>
                 <a:spcPts val="0"/>
               </a:spcBef>
@@ -9519,9 +9900,11 @@
       <p:sp>
         <p:nvSpPr>
           <p:cNvPr id="69" name="Google Shape;69;p13"/>
-          <p:cNvSpPr txBox="1"/>
+          <p:cNvSpPr txBox="1">
+            <a:spLocks noGrp="1"/>
+          </p:cNvSpPr>
           <p:nvPr>
-            <p:ph idx="1" type="body"/>
+            <p:ph type="body" idx="1"/>
           </p:nvPr>
         </p:nvSpPr>
         <p:spPr>
@@ -9534,12 +9917,12 @@
           </a:prstGeom>
         </p:spPr>
         <p:txBody>
-          <a:bodyPr anchorCtr="0" anchor="t" bIns="0" lIns="0" spcFirstLastPara="1" rIns="0" wrap="square" tIns="0">
+          <a:bodyPr spcFirstLastPara="1" wrap="square" lIns="0" tIns="0" rIns="0" bIns="0" anchor="t" anchorCtr="0">
             <a:noAutofit/>
           </a:bodyPr>
           <a:lstStyle/>
           <a:p>
-            <a:pPr indent="-381000" lvl="0" marL="457200" rtl="0" algn="l">
+            <a:pPr marL="457200" lvl="0" indent="-381000" algn="l" rtl="0">
               <a:spcBef>
                 <a:spcPts val="600"/>
               </a:spcBef>
@@ -9556,7 +9939,7 @@
             <a:endParaRPr/>
           </a:p>
           <a:p>
-            <a:pPr indent="-381000" lvl="0" marL="457200" rtl="0" algn="l">
+            <a:pPr marL="457200" lvl="0" indent="-381000" algn="l" rtl="0">
               <a:spcBef>
                 <a:spcPts val="0"/>
               </a:spcBef>
@@ -9573,7 +9956,7 @@
             <a:endParaRPr/>
           </a:p>
           <a:p>
-            <a:pPr indent="-381000" lvl="0" marL="457200" rtl="0" algn="l">
+            <a:pPr marL="457200" lvl="0" indent="-381000" algn="l" rtl="0">
               <a:spcBef>
                 <a:spcPts val="0"/>
               </a:spcBef>
@@ -9590,7 +9973,7 @@
             <a:endParaRPr/>
           </a:p>
           <a:p>
-            <a:pPr indent="-381000" lvl="0" marL="457200" rtl="0" algn="l">
+            <a:pPr marL="457200" lvl="0" indent="-381000" algn="l" rtl="0">
               <a:spcBef>
                 <a:spcPts val="0"/>
               </a:spcBef>
@@ -9611,9 +9994,11 @@
       <p:sp>
         <p:nvSpPr>
           <p:cNvPr id="70" name="Google Shape;70;p13"/>
-          <p:cNvSpPr txBox="1"/>
+          <p:cNvSpPr txBox="1">
+            <a:spLocks noGrp="1"/>
+          </p:cNvSpPr>
           <p:nvPr>
-            <p:ph idx="12" type="sldNum"/>
+            <p:ph type="sldNum" idx="12"/>
           </p:nvPr>
         </p:nvSpPr>
         <p:spPr>
@@ -9626,12 +10011,12 @@
           </a:prstGeom>
         </p:spPr>
         <p:txBody>
-          <a:bodyPr anchorCtr="0" anchor="ctr" bIns="0" lIns="0" spcFirstLastPara="1" rIns="0" wrap="square" tIns="0">
+          <a:bodyPr spcFirstLastPara="1" wrap="square" lIns="0" tIns="0" rIns="0" bIns="0" anchor="ctr" anchorCtr="0">
             <a:noAutofit/>
           </a:bodyPr>
           <a:lstStyle/>
           <a:p>
-            <a:pPr indent="0" lvl="0" marL="0" rtl="0" algn="r">
+            <a:pPr marL="0" lvl="0" indent="0" algn="r" rtl="0">
               <a:spcBef>
                 <a:spcPts val="0"/>
               </a:spcBef>
@@ -9642,7 +10027,7 @@
             </a:pPr>
             <a:fld id="{00000000-1234-1234-1234-123412341234}" type="slidenum">
               <a:rPr lang="en"/>
-              <a:t>‹#›</a:t>
+              <a:t>3</a:t>
             </a:fld>
             <a:endParaRPr/>
           </a:p>
@@ -9657,11 +10042,11 @@
 </file>
 
 <file path=ppt/slides/slide4.xml><?xml version="1.0" encoding="utf-8"?>
-<p:sld xmlns:a="http://schemas.openxmlformats.org/drawingml/2006/main" xmlns:r="http://schemas.openxmlformats.org/officeDocument/2006/relationships" xmlns:mc="http://schemas.openxmlformats.org/markup-compatibility/2006" xmlns:mv="urn:schemas-microsoft-com:mac:vml" xmlns:p="http://schemas.openxmlformats.org/presentationml/2006/main" xmlns:c="http://schemas.openxmlformats.org/drawingml/2006/chart" xmlns:dgm="http://schemas.openxmlformats.org/drawingml/2006/diagram" xmlns:o="urn:schemas-microsoft-com:office:office" xmlns:v="urn:schemas-microsoft-com:vml" xmlns:pvml="urn:schemas-microsoft-com:office:powerpoint" xmlns:com="http://schemas.openxmlformats.org/drawingml/2006/compatibility" xmlns:p14="http://schemas.microsoft.com/office/powerpoint/2010/main" xmlns:p15="http://schemas.microsoft.com/office/powerpoint/2012/main">
+<p:sld xmlns:a="http://schemas.openxmlformats.org/drawingml/2006/main" xmlns:r="http://schemas.openxmlformats.org/officeDocument/2006/relationships" xmlns:p="http://schemas.openxmlformats.org/presentationml/2006/main">
   <p:cSld>
     <p:spTree>
       <p:nvGrpSpPr>
-        <p:cNvPr id="74" name="Shape 74"/>
+        <p:cNvPr id="1" name="Shape 74"/>
         <p:cNvGrpSpPr/>
         <p:nvPr/>
       </p:nvGrpSpPr>
@@ -9676,7 +10061,9 @@
       <p:sp>
         <p:nvSpPr>
           <p:cNvPr id="75" name="Google Shape;75;p14"/>
-          <p:cNvSpPr txBox="1"/>
+          <p:cNvSpPr txBox="1">
+            <a:spLocks noGrp="1"/>
+          </p:cNvSpPr>
           <p:nvPr>
             <p:ph type="title"/>
           </p:nvPr>
@@ -9691,12 +10078,12 @@
           </a:prstGeom>
         </p:spPr>
         <p:txBody>
-          <a:bodyPr anchorCtr="0" anchor="b" bIns="0" lIns="0" spcFirstLastPara="1" rIns="0" wrap="square" tIns="0">
+          <a:bodyPr spcFirstLastPara="1" wrap="square" lIns="0" tIns="0" rIns="0" bIns="0" anchor="b" anchorCtr="0">
             <a:noAutofit/>
           </a:bodyPr>
           <a:lstStyle/>
           <a:p>
-            <a:pPr indent="0" lvl="0" marL="0" rtl="0" algn="l">
+            <a:pPr marL="0" lvl="0" indent="0" algn="l" rtl="0">
               <a:spcBef>
                 <a:spcPts val="0"/>
               </a:spcBef>
@@ -9716,9 +10103,11 @@
       <p:sp>
         <p:nvSpPr>
           <p:cNvPr id="76" name="Google Shape;76;p14"/>
-          <p:cNvSpPr txBox="1"/>
+          <p:cNvSpPr txBox="1">
+            <a:spLocks noGrp="1"/>
+          </p:cNvSpPr>
           <p:nvPr>
-            <p:ph idx="1" type="body"/>
+            <p:ph type="body" idx="1"/>
           </p:nvPr>
         </p:nvSpPr>
         <p:spPr>
@@ -9731,12 +10120,12 @@
           </a:prstGeom>
         </p:spPr>
         <p:txBody>
-          <a:bodyPr anchorCtr="0" anchor="t" bIns="0" lIns="0" spcFirstLastPara="1" rIns="0" wrap="square" tIns="0">
+          <a:bodyPr spcFirstLastPara="1" wrap="square" lIns="0" tIns="0" rIns="0" bIns="0" anchor="t" anchorCtr="0">
             <a:noAutofit/>
           </a:bodyPr>
           <a:lstStyle/>
           <a:p>
-            <a:pPr indent="-381000" lvl="0" marL="457200" rtl="0" algn="l">
+            <a:pPr marL="457200" lvl="0" indent="-381000" algn="l" rtl="0">
               <a:spcBef>
                 <a:spcPts val="600"/>
               </a:spcBef>
@@ -9753,7 +10142,7 @@
             <a:endParaRPr/>
           </a:p>
           <a:p>
-            <a:pPr indent="0" lvl="0" marL="0" rtl="0" algn="l">
+            <a:pPr marL="0" lvl="0" indent="0" algn="l" rtl="0">
               <a:spcBef>
                 <a:spcPts val="600"/>
               </a:spcBef>
@@ -9762,13 +10151,10 @@
               </a:spcAft>
               <a:buNone/>
             </a:pPr>
-            <a:r>
-              <a:t/>
-            </a:r>
             <a:endParaRPr/>
           </a:p>
           <a:p>
-            <a:pPr indent="-381000" lvl="0" marL="457200" rtl="0" algn="l">
+            <a:pPr marL="457200" lvl="0" indent="-381000" algn="l" rtl="0">
               <a:spcBef>
                 <a:spcPts val="600"/>
               </a:spcBef>
@@ -9789,9 +10175,11 @@
       <p:sp>
         <p:nvSpPr>
           <p:cNvPr id="77" name="Google Shape;77;p14"/>
-          <p:cNvSpPr txBox="1"/>
+          <p:cNvSpPr txBox="1">
+            <a:spLocks noGrp="1"/>
+          </p:cNvSpPr>
           <p:nvPr>
-            <p:ph idx="12" type="sldNum"/>
+            <p:ph type="sldNum" idx="12"/>
           </p:nvPr>
         </p:nvSpPr>
         <p:spPr>
@@ -9804,12 +10192,12 @@
           </a:prstGeom>
         </p:spPr>
         <p:txBody>
-          <a:bodyPr anchorCtr="0" anchor="ctr" bIns="0" lIns="0" spcFirstLastPara="1" rIns="0" wrap="square" tIns="0">
+          <a:bodyPr spcFirstLastPara="1" wrap="square" lIns="0" tIns="0" rIns="0" bIns="0" anchor="ctr" anchorCtr="0">
             <a:noAutofit/>
           </a:bodyPr>
           <a:lstStyle/>
           <a:p>
-            <a:pPr indent="0" lvl="0" marL="0" rtl="0" algn="r">
+            <a:pPr marL="0" lvl="0" indent="0" algn="r" rtl="0">
               <a:spcBef>
                 <a:spcPts val="0"/>
               </a:spcBef>
@@ -9820,7 +10208,7 @@
             </a:pPr>
             <a:fld id="{00000000-1234-1234-1234-123412341234}" type="slidenum">
               <a:rPr lang="en"/>
-              <a:t>‹#›</a:t>
+              <a:t>4</a:t>
             </a:fld>
             <a:endParaRPr/>
           </a:p>
@@ -9835,11 +10223,11 @@
 </file>
 
 <file path=ppt/slides/slide5.xml><?xml version="1.0" encoding="utf-8"?>
-<p:sld xmlns:a="http://schemas.openxmlformats.org/drawingml/2006/main" xmlns:r="http://schemas.openxmlformats.org/officeDocument/2006/relationships" xmlns:mc="http://schemas.openxmlformats.org/markup-compatibility/2006" xmlns:mv="urn:schemas-microsoft-com:mac:vml" xmlns:p="http://schemas.openxmlformats.org/presentationml/2006/main" xmlns:c="http://schemas.openxmlformats.org/drawingml/2006/chart" xmlns:dgm="http://schemas.openxmlformats.org/drawingml/2006/diagram" xmlns:o="urn:schemas-microsoft-com:office:office" xmlns:v="urn:schemas-microsoft-com:vml" xmlns:pvml="urn:schemas-microsoft-com:office:powerpoint" xmlns:com="http://schemas.openxmlformats.org/drawingml/2006/compatibility" xmlns:p14="http://schemas.microsoft.com/office/powerpoint/2010/main" xmlns:p15="http://schemas.microsoft.com/office/powerpoint/2012/main">
+<p:sld xmlns:a="http://schemas.openxmlformats.org/drawingml/2006/main" xmlns:r="http://schemas.openxmlformats.org/officeDocument/2006/relationships" xmlns:p="http://schemas.openxmlformats.org/presentationml/2006/main">
   <p:cSld>
     <p:spTree>
       <p:nvGrpSpPr>
-        <p:cNvPr id="81" name="Shape 81"/>
+        <p:cNvPr id="1" name="Shape 81"/>
         <p:cNvGrpSpPr/>
         <p:nvPr/>
       </p:nvGrpSpPr>
@@ -9854,7 +10242,9 @@
       <p:sp>
         <p:nvSpPr>
           <p:cNvPr id="82" name="Google Shape;82;p15"/>
-          <p:cNvSpPr txBox="1"/>
+          <p:cNvSpPr txBox="1">
+            <a:spLocks noGrp="1"/>
+          </p:cNvSpPr>
           <p:nvPr>
             <p:ph type="title"/>
           </p:nvPr>
@@ -9869,12 +10259,12 @@
           </a:prstGeom>
         </p:spPr>
         <p:txBody>
-          <a:bodyPr anchorCtr="0" anchor="b" bIns="0" lIns="0" spcFirstLastPara="1" rIns="0" wrap="square" tIns="0">
+          <a:bodyPr spcFirstLastPara="1" wrap="square" lIns="0" tIns="0" rIns="0" bIns="0" anchor="b" anchorCtr="0">
             <a:noAutofit/>
           </a:bodyPr>
           <a:lstStyle/>
           <a:p>
-            <a:pPr indent="0" lvl="0" marL="0" rtl="0" algn="l">
+            <a:pPr marL="0" lvl="0" indent="0" algn="l" rtl="0">
               <a:spcBef>
                 <a:spcPts val="0"/>
               </a:spcBef>
@@ -9894,9 +10284,11 @@
       <p:sp>
         <p:nvSpPr>
           <p:cNvPr id="83" name="Google Shape;83;p15"/>
-          <p:cNvSpPr txBox="1"/>
+          <p:cNvSpPr txBox="1">
+            <a:spLocks noGrp="1"/>
+          </p:cNvSpPr>
           <p:nvPr>
-            <p:ph idx="1" type="body"/>
+            <p:ph type="body" idx="1"/>
           </p:nvPr>
         </p:nvSpPr>
         <p:spPr>
@@ -9909,12 +10301,12 @@
           </a:prstGeom>
         </p:spPr>
         <p:txBody>
-          <a:bodyPr anchorCtr="0" anchor="t" bIns="0" lIns="0" spcFirstLastPara="1" rIns="0" wrap="square" tIns="0">
+          <a:bodyPr spcFirstLastPara="1" wrap="square" lIns="0" tIns="0" rIns="0" bIns="0" anchor="t" anchorCtr="0">
             <a:noAutofit/>
           </a:bodyPr>
           <a:lstStyle/>
           <a:p>
-            <a:pPr indent="-381000" lvl="0" marL="457200" rtl="0" algn="l">
+            <a:pPr marL="457200" lvl="0" indent="-381000" algn="l" rtl="0">
               <a:spcBef>
                 <a:spcPts val="600"/>
               </a:spcBef>
@@ -9926,57 +10318,41 @@
             </a:pPr>
             <a:r>
               <a:rPr lang="en"/>
-              <a:t>Allows the student to sign into class and </a:t>
+              <a:t>Allows the student to sign into class and receive uploaded images from the instructor</a:t>
             </a:r>
+            <a:endParaRPr/>
+          </a:p>
+          <a:p>
+            <a:pPr marL="457200" lvl="0" indent="-381000" algn="l" rtl="0">
+              <a:spcBef>
+                <a:spcPts val="0"/>
+              </a:spcBef>
+              <a:spcAft>
+                <a:spcPts val="0"/>
+              </a:spcAft>
+              <a:buSzPts val="2400"/>
+              <a:buChar char="▰"/>
+            </a:pPr>
             <a:r>
               <a:rPr lang="en"/>
-              <a:t>receive</a:t>
+              <a:t>The student can answer questions anonymously with the press of a button that will be saved and neatly organized for the class to view</a:t>
             </a:r>
+            <a:endParaRPr/>
+          </a:p>
+          <a:p>
+            <a:pPr marL="457200" lvl="0" indent="-381000" algn="l" rtl="0">
+              <a:spcBef>
+                <a:spcPts val="0"/>
+              </a:spcBef>
+              <a:spcAft>
+                <a:spcPts val="0"/>
+              </a:spcAft>
+              <a:buSzPts val="2400"/>
+              <a:buChar char="▰"/>
+            </a:pPr>
             <a:r>
               <a:rPr lang="en"/>
-              <a:t> uploaded images from the instructor</a:t>
-            </a:r>
-            <a:endParaRPr/>
-          </a:p>
-          <a:p>
-            <a:pPr indent="-381000" lvl="0" marL="457200" rtl="0" algn="l">
-              <a:spcBef>
-                <a:spcPts val="0"/>
-              </a:spcBef>
-              <a:spcAft>
-                <a:spcPts val="0"/>
-              </a:spcAft>
-              <a:buSzPts val="2400"/>
-              <a:buChar char="▰"/>
-            </a:pPr>
-            <a:r>
-              <a:rPr lang="en"/>
-              <a:t>The student can answer questions </a:t>
-            </a:r>
-            <a:r>
-              <a:rPr lang="en"/>
-              <a:t>anonymously with the press of a button that will be saved and neatly organized for the class to view</a:t>
-            </a:r>
-            <a:endParaRPr/>
-          </a:p>
-          <a:p>
-            <a:pPr indent="-381000" lvl="0" marL="457200" rtl="0" algn="l">
-              <a:spcBef>
-                <a:spcPts val="0"/>
-              </a:spcBef>
-              <a:spcAft>
-                <a:spcPts val="0"/>
-              </a:spcAft>
-              <a:buSzPts val="2400"/>
-              <a:buChar char="▰"/>
-            </a:pPr>
-            <a:r>
-              <a:rPr lang="en"/>
-              <a:t>Students can go back in the future to be able to view the questions/answers for study purposes</a:t>
-            </a:r>
-            <a:r>
-              <a:rPr lang="en"/>
-              <a:t>  </a:t>
+              <a:t>Students can go back in the future to be able to view the questions/answers for study purposes  </a:t>
             </a:r>
             <a:endParaRPr/>
           </a:p>
@@ -9985,9 +10361,11 @@
       <p:sp>
         <p:nvSpPr>
           <p:cNvPr id="84" name="Google Shape;84;p15"/>
-          <p:cNvSpPr txBox="1"/>
+          <p:cNvSpPr txBox="1">
+            <a:spLocks noGrp="1"/>
+          </p:cNvSpPr>
           <p:nvPr>
-            <p:ph idx="12" type="sldNum"/>
+            <p:ph type="sldNum" idx="12"/>
           </p:nvPr>
         </p:nvSpPr>
         <p:spPr>
@@ -10000,12 +10378,12 @@
           </a:prstGeom>
         </p:spPr>
         <p:txBody>
-          <a:bodyPr anchorCtr="0" anchor="ctr" bIns="0" lIns="0" spcFirstLastPara="1" rIns="0" wrap="square" tIns="0">
+          <a:bodyPr spcFirstLastPara="1" wrap="square" lIns="0" tIns="0" rIns="0" bIns="0" anchor="ctr" anchorCtr="0">
             <a:noAutofit/>
           </a:bodyPr>
           <a:lstStyle/>
           <a:p>
-            <a:pPr indent="0" lvl="0" marL="0" rtl="0" algn="r">
+            <a:pPr marL="0" lvl="0" indent="0" algn="r" rtl="0">
               <a:spcBef>
                 <a:spcPts val="0"/>
               </a:spcBef>
@@ -10016,7 +10394,7 @@
             </a:pPr>
             <a:fld id="{00000000-1234-1234-1234-123412341234}" type="slidenum">
               <a:rPr lang="en"/>
-              <a:t>‹#›</a:t>
+              <a:t>5</a:t>
             </a:fld>
             <a:endParaRPr/>
           </a:p>
@@ -10031,11 +10409,11 @@
 </file>
 
 <file path=ppt/slides/slide6.xml><?xml version="1.0" encoding="utf-8"?>
-<p:sld xmlns:a="http://schemas.openxmlformats.org/drawingml/2006/main" xmlns:r="http://schemas.openxmlformats.org/officeDocument/2006/relationships" xmlns:mc="http://schemas.openxmlformats.org/markup-compatibility/2006" xmlns:mv="urn:schemas-microsoft-com:mac:vml" xmlns:p="http://schemas.openxmlformats.org/presentationml/2006/main" xmlns:c="http://schemas.openxmlformats.org/drawingml/2006/chart" xmlns:dgm="http://schemas.openxmlformats.org/drawingml/2006/diagram" xmlns:o="urn:schemas-microsoft-com:office:office" xmlns:v="urn:schemas-microsoft-com:vml" xmlns:pvml="urn:schemas-microsoft-com:office:powerpoint" xmlns:com="http://schemas.openxmlformats.org/drawingml/2006/compatibility" xmlns:p14="http://schemas.microsoft.com/office/powerpoint/2010/main" xmlns:p15="http://schemas.microsoft.com/office/powerpoint/2012/main">
+<p:sld xmlns:a="http://schemas.openxmlformats.org/drawingml/2006/main" xmlns:r="http://schemas.openxmlformats.org/officeDocument/2006/relationships" xmlns:p="http://schemas.openxmlformats.org/presentationml/2006/main">
   <p:cSld>
     <p:spTree>
       <p:nvGrpSpPr>
-        <p:cNvPr id="88" name="Shape 88"/>
+        <p:cNvPr id="1" name="Shape 88"/>
         <p:cNvGrpSpPr/>
         <p:nvPr/>
       </p:nvGrpSpPr>
@@ -10050,7 +10428,9 @@
       <p:sp>
         <p:nvSpPr>
           <p:cNvPr id="89" name="Google Shape;89;p16"/>
-          <p:cNvSpPr txBox="1"/>
+          <p:cNvSpPr txBox="1">
+            <a:spLocks noGrp="1"/>
+          </p:cNvSpPr>
           <p:nvPr>
             <p:ph type="title"/>
           </p:nvPr>
@@ -10065,12 +10445,12 @@
           </a:prstGeom>
         </p:spPr>
         <p:txBody>
-          <a:bodyPr anchorCtr="0" anchor="b" bIns="0" lIns="0" spcFirstLastPara="1" rIns="0" wrap="square" tIns="0">
+          <a:bodyPr spcFirstLastPara="1" wrap="square" lIns="0" tIns="0" rIns="0" bIns="0" anchor="b" anchorCtr="0">
             <a:noAutofit/>
           </a:bodyPr>
           <a:lstStyle/>
           <a:p>
-            <a:pPr indent="0" lvl="0" marL="0" rtl="0" algn="l">
+            <a:pPr marL="0" lvl="0" indent="0" algn="l" rtl="0">
               <a:spcBef>
                 <a:spcPts val="0"/>
               </a:spcBef>
@@ -10090,9 +10470,11 @@
       <p:sp>
         <p:nvSpPr>
           <p:cNvPr id="90" name="Google Shape;90;p16"/>
-          <p:cNvSpPr txBox="1"/>
+          <p:cNvSpPr txBox="1">
+            <a:spLocks noGrp="1"/>
+          </p:cNvSpPr>
           <p:nvPr>
-            <p:ph idx="1" type="body"/>
+            <p:ph type="body" idx="1"/>
           </p:nvPr>
         </p:nvSpPr>
         <p:spPr>
@@ -10105,12 +10487,12 @@
           </a:prstGeom>
         </p:spPr>
         <p:txBody>
-          <a:bodyPr anchorCtr="0" anchor="t" bIns="0" lIns="0" spcFirstLastPara="1" rIns="0" wrap="square" tIns="0">
+          <a:bodyPr spcFirstLastPara="1" wrap="square" lIns="0" tIns="0" rIns="0" bIns="0" anchor="t" anchorCtr="0">
             <a:noAutofit/>
           </a:bodyPr>
           <a:lstStyle/>
           <a:p>
-            <a:pPr indent="-381000" lvl="0" marL="457200" rtl="0" algn="l">
+            <a:pPr marL="457200" lvl="0" indent="-381000" algn="l" rtl="0">
               <a:spcBef>
                 <a:spcPts val="600"/>
               </a:spcBef>
@@ -10127,7 +10509,7 @@
             <a:endParaRPr/>
           </a:p>
           <a:p>
-            <a:pPr indent="-381000" lvl="0" marL="457200" rtl="0" algn="l">
+            <a:pPr marL="457200" lvl="0" indent="-381000" algn="l" rtl="0">
               <a:spcBef>
                 <a:spcPts val="0"/>
               </a:spcBef>
@@ -10144,7 +10526,7 @@
             <a:endParaRPr/>
           </a:p>
           <a:p>
-            <a:pPr indent="-381000" lvl="0" marL="457200" rtl="0" algn="l">
+            <a:pPr marL="457200" lvl="0" indent="-381000" algn="l" rtl="0">
               <a:spcBef>
                 <a:spcPts val="0"/>
               </a:spcBef>
@@ -10156,20 +10538,12 @@
             </a:pPr>
             <a:r>
               <a:rPr lang="en"/>
-              <a:t>Sort questions by topic and </a:t>
-            </a:r>
-            <a:r>
-              <a:rPr lang="en"/>
-              <a:t>receive</a:t>
-            </a:r>
-            <a:r>
-              <a:rPr lang="en"/>
-              <a:t> student averages for future reference</a:t>
+              <a:t>Sort questions by topic and receive student averages for future reference</a:t>
             </a:r>
             <a:endParaRPr/>
           </a:p>
           <a:p>
-            <a:pPr indent="-381000" lvl="0" marL="457200" rtl="0" algn="l">
+            <a:pPr marL="457200" lvl="0" indent="-381000" algn="l" rtl="0">
               <a:spcBef>
                 <a:spcPts val="0"/>
               </a:spcBef>
@@ -10190,9 +10564,11 @@
       <p:sp>
         <p:nvSpPr>
           <p:cNvPr id="91" name="Google Shape;91;p16"/>
-          <p:cNvSpPr txBox="1"/>
+          <p:cNvSpPr txBox="1">
+            <a:spLocks noGrp="1"/>
+          </p:cNvSpPr>
           <p:nvPr>
-            <p:ph idx="12" type="sldNum"/>
+            <p:ph type="sldNum" idx="12"/>
           </p:nvPr>
         </p:nvSpPr>
         <p:spPr>
@@ -10205,12 +10581,12 @@
           </a:prstGeom>
         </p:spPr>
         <p:txBody>
-          <a:bodyPr anchorCtr="0" anchor="ctr" bIns="0" lIns="0" spcFirstLastPara="1" rIns="0" wrap="square" tIns="0">
+          <a:bodyPr spcFirstLastPara="1" wrap="square" lIns="0" tIns="0" rIns="0" bIns="0" anchor="ctr" anchorCtr="0">
             <a:noAutofit/>
           </a:bodyPr>
           <a:lstStyle/>
           <a:p>
-            <a:pPr indent="0" lvl="0" marL="0" rtl="0" algn="r">
+            <a:pPr marL="0" lvl="0" indent="0" algn="r" rtl="0">
               <a:spcBef>
                 <a:spcPts val="0"/>
               </a:spcBef>
@@ -10221,7 +10597,7 @@
             </a:pPr>
             <a:fld id="{00000000-1234-1234-1234-123412341234}" type="slidenum">
               <a:rPr lang="en"/>
-              <a:t>‹#›</a:t>
+              <a:t>6</a:t>
             </a:fld>
             <a:endParaRPr/>
           </a:p>
@@ -10236,11 +10612,11 @@
 </file>
 
 <file path=ppt/slides/slide7.xml><?xml version="1.0" encoding="utf-8"?>
-<p:sld xmlns:a="http://schemas.openxmlformats.org/drawingml/2006/main" xmlns:r="http://schemas.openxmlformats.org/officeDocument/2006/relationships" xmlns:mc="http://schemas.openxmlformats.org/markup-compatibility/2006" xmlns:mv="urn:schemas-microsoft-com:mac:vml" xmlns:p="http://schemas.openxmlformats.org/presentationml/2006/main" xmlns:c="http://schemas.openxmlformats.org/drawingml/2006/chart" xmlns:dgm="http://schemas.openxmlformats.org/drawingml/2006/diagram" xmlns:o="urn:schemas-microsoft-com:office:office" xmlns:v="urn:schemas-microsoft-com:vml" xmlns:pvml="urn:schemas-microsoft-com:office:powerpoint" xmlns:com="http://schemas.openxmlformats.org/drawingml/2006/compatibility" xmlns:p14="http://schemas.microsoft.com/office/powerpoint/2010/main" xmlns:p15="http://schemas.microsoft.com/office/powerpoint/2012/main">
+<p:sld xmlns:a="http://schemas.openxmlformats.org/drawingml/2006/main" xmlns:r="http://schemas.openxmlformats.org/officeDocument/2006/relationships" xmlns:p="http://schemas.openxmlformats.org/presentationml/2006/main">
   <p:cSld>
     <p:spTree>
       <p:nvGrpSpPr>
-        <p:cNvPr id="95" name="Shape 95"/>
+        <p:cNvPr id="1" name="Shape 95"/>
         <p:cNvGrpSpPr/>
         <p:nvPr/>
       </p:nvGrpSpPr>
@@ -10255,7 +10631,9 @@
       <p:sp>
         <p:nvSpPr>
           <p:cNvPr id="96" name="Google Shape;96;p17"/>
-          <p:cNvSpPr txBox="1"/>
+          <p:cNvSpPr txBox="1">
+            <a:spLocks noGrp="1"/>
+          </p:cNvSpPr>
           <p:nvPr>
             <p:ph type="title"/>
           </p:nvPr>
@@ -10270,12 +10648,12 @@
           </a:prstGeom>
         </p:spPr>
         <p:txBody>
-          <a:bodyPr anchorCtr="0" anchor="b" bIns="0" lIns="0" spcFirstLastPara="1" rIns="0" wrap="square" tIns="0">
+          <a:bodyPr spcFirstLastPara="1" wrap="square" lIns="0" tIns="0" rIns="0" bIns="0" anchor="b" anchorCtr="0">
             <a:noAutofit/>
           </a:bodyPr>
           <a:lstStyle/>
           <a:p>
-            <a:pPr indent="0" lvl="0" marL="0" rtl="0" algn="l">
+            <a:pPr marL="0" lvl="0" indent="0" algn="l" rtl="0">
               <a:spcBef>
                 <a:spcPts val="0"/>
               </a:spcBef>
@@ -10291,7 +10669,7 @@
             <a:endParaRPr/>
           </a:p>
           <a:p>
-            <a:pPr indent="0" lvl="0" marL="0" rtl="0" algn="l">
+            <a:pPr marL="0" lvl="0" indent="0" algn="l" rtl="0">
               <a:spcBef>
                 <a:spcPts val="0"/>
               </a:spcBef>
@@ -10311,9 +10689,11 @@
       <p:sp>
         <p:nvSpPr>
           <p:cNvPr id="97" name="Google Shape;97;p17"/>
-          <p:cNvSpPr txBox="1"/>
+          <p:cNvSpPr txBox="1">
+            <a:spLocks noGrp="1"/>
+          </p:cNvSpPr>
           <p:nvPr>
-            <p:ph idx="12" type="sldNum"/>
+            <p:ph type="sldNum" idx="12"/>
           </p:nvPr>
         </p:nvSpPr>
         <p:spPr>
@@ -10326,12 +10706,12 @@
           </a:prstGeom>
         </p:spPr>
         <p:txBody>
-          <a:bodyPr anchorCtr="0" anchor="ctr" bIns="0" lIns="0" spcFirstLastPara="1" rIns="0" wrap="square" tIns="0">
+          <a:bodyPr spcFirstLastPara="1" wrap="square" lIns="0" tIns="0" rIns="0" bIns="0" anchor="ctr" anchorCtr="0">
             <a:noAutofit/>
           </a:bodyPr>
           <a:lstStyle/>
           <a:p>
-            <a:pPr indent="0" lvl="0" marL="0" rtl="0" algn="r">
+            <a:pPr marL="0" lvl="0" indent="0" algn="r" rtl="0">
               <a:spcBef>
                 <a:spcPts val="0"/>
               </a:spcBef>
@@ -10342,7 +10722,7 @@
             </a:pPr>
             <a:fld id="{00000000-1234-1234-1234-123412341234}" type="slidenum">
               <a:rPr lang="en"/>
-              <a:t>‹#›</a:t>
+              <a:t>7</a:t>
             </a:fld>
             <a:endParaRPr/>
           </a:p>
@@ -10385,11 +10765,11 @@
 </file>
 
 <file path=ppt/slides/slide8.xml><?xml version="1.0" encoding="utf-8"?>
-<p:sld xmlns:a="http://schemas.openxmlformats.org/drawingml/2006/main" xmlns:r="http://schemas.openxmlformats.org/officeDocument/2006/relationships" xmlns:mc="http://schemas.openxmlformats.org/markup-compatibility/2006" xmlns:mv="urn:schemas-microsoft-com:mac:vml" xmlns:p="http://schemas.openxmlformats.org/presentationml/2006/main" xmlns:c="http://schemas.openxmlformats.org/drawingml/2006/chart" xmlns:dgm="http://schemas.openxmlformats.org/drawingml/2006/diagram" xmlns:o="urn:schemas-microsoft-com:office:office" xmlns:v="urn:schemas-microsoft-com:vml" xmlns:pvml="urn:schemas-microsoft-com:office:powerpoint" xmlns:com="http://schemas.openxmlformats.org/drawingml/2006/compatibility" xmlns:p14="http://schemas.microsoft.com/office/powerpoint/2010/main" xmlns:p15="http://schemas.microsoft.com/office/powerpoint/2012/main">
+<p:sld xmlns:a="http://schemas.openxmlformats.org/drawingml/2006/main" xmlns:r="http://schemas.openxmlformats.org/officeDocument/2006/relationships" xmlns:p="http://schemas.openxmlformats.org/presentationml/2006/main">
   <p:cSld>
     <p:spTree>
       <p:nvGrpSpPr>
-        <p:cNvPr id="102" name="Shape 102"/>
+        <p:cNvPr id="1" name="Shape 102"/>
         <p:cNvGrpSpPr/>
         <p:nvPr/>
       </p:nvGrpSpPr>
@@ -10404,7 +10784,9 @@
       <p:sp>
         <p:nvSpPr>
           <p:cNvPr id="103" name="Google Shape;103;p18"/>
-          <p:cNvSpPr txBox="1"/>
+          <p:cNvSpPr txBox="1">
+            <a:spLocks noGrp="1"/>
+          </p:cNvSpPr>
           <p:nvPr>
             <p:ph type="title"/>
           </p:nvPr>
@@ -10419,12 +10801,12 @@
           </a:prstGeom>
         </p:spPr>
         <p:txBody>
-          <a:bodyPr anchorCtr="0" anchor="b" bIns="0" lIns="0" spcFirstLastPara="1" rIns="0" wrap="square" tIns="0">
+          <a:bodyPr spcFirstLastPara="1" wrap="square" lIns="0" tIns="0" rIns="0" bIns="0" anchor="b" anchorCtr="0">
             <a:noAutofit/>
           </a:bodyPr>
           <a:lstStyle/>
           <a:p>
-            <a:pPr indent="0" lvl="0" marL="0" rtl="0" algn="l">
+            <a:pPr marL="0" lvl="0" indent="0" algn="l" rtl="0">
               <a:spcBef>
                 <a:spcPts val="0"/>
               </a:spcBef>
@@ -10444,9 +10826,11 @@
       <p:sp>
         <p:nvSpPr>
           <p:cNvPr id="104" name="Google Shape;104;p18"/>
-          <p:cNvSpPr txBox="1"/>
+          <p:cNvSpPr txBox="1">
+            <a:spLocks noGrp="1"/>
+          </p:cNvSpPr>
           <p:nvPr>
-            <p:ph idx="12" type="sldNum"/>
+            <p:ph type="sldNum" idx="12"/>
           </p:nvPr>
         </p:nvSpPr>
         <p:spPr>
@@ -10459,12 +10843,12 @@
           </a:prstGeom>
         </p:spPr>
         <p:txBody>
-          <a:bodyPr anchorCtr="0" anchor="ctr" bIns="0" lIns="0" spcFirstLastPara="1" rIns="0" wrap="square" tIns="0">
+          <a:bodyPr spcFirstLastPara="1" wrap="square" lIns="0" tIns="0" rIns="0" bIns="0" anchor="ctr" anchorCtr="0">
             <a:noAutofit/>
           </a:bodyPr>
           <a:lstStyle/>
           <a:p>
-            <a:pPr indent="0" lvl="0" marL="0" rtl="0" algn="r">
+            <a:pPr marL="0" lvl="0" indent="0" algn="r" rtl="0">
               <a:spcBef>
                 <a:spcPts val="0"/>
               </a:spcBef>
@@ -10475,7 +10859,7 @@
             </a:pPr>
             <a:fld id="{00000000-1234-1234-1234-123412341234}" type="slidenum">
               <a:rPr lang="en"/>
-              <a:t>‹#›</a:t>
+              <a:t>8</a:t>
             </a:fld>
             <a:endParaRPr/>
           </a:p>
@@ -10518,11 +10902,11 @@
 </file>
 
 <file path=ppt/slides/slide9.xml><?xml version="1.0" encoding="utf-8"?>
-<p:sld xmlns:a="http://schemas.openxmlformats.org/drawingml/2006/main" xmlns:r="http://schemas.openxmlformats.org/officeDocument/2006/relationships" xmlns:mc="http://schemas.openxmlformats.org/markup-compatibility/2006" xmlns:mv="urn:schemas-microsoft-com:mac:vml" xmlns:p="http://schemas.openxmlformats.org/presentationml/2006/main" xmlns:c="http://schemas.openxmlformats.org/drawingml/2006/chart" xmlns:dgm="http://schemas.openxmlformats.org/drawingml/2006/diagram" xmlns:o="urn:schemas-microsoft-com:office:office" xmlns:v="urn:schemas-microsoft-com:vml" xmlns:pvml="urn:schemas-microsoft-com:office:powerpoint" xmlns:com="http://schemas.openxmlformats.org/drawingml/2006/compatibility" xmlns:p14="http://schemas.microsoft.com/office/powerpoint/2010/main" xmlns:p15="http://schemas.microsoft.com/office/powerpoint/2012/main">
+<p:sld xmlns:a="http://schemas.openxmlformats.org/drawingml/2006/main" xmlns:r="http://schemas.openxmlformats.org/officeDocument/2006/relationships" xmlns:p="http://schemas.openxmlformats.org/presentationml/2006/main">
   <p:cSld>
     <p:spTree>
       <p:nvGrpSpPr>
-        <p:cNvPr id="109" name="Shape 109"/>
+        <p:cNvPr id="1" name="Shape 109"/>
         <p:cNvGrpSpPr/>
         <p:nvPr/>
       </p:nvGrpSpPr>
@@ -10537,7 +10921,9 @@
       <p:sp>
         <p:nvSpPr>
           <p:cNvPr id="110" name="Google Shape;110;p19"/>
-          <p:cNvSpPr txBox="1"/>
+          <p:cNvSpPr txBox="1">
+            <a:spLocks noGrp="1"/>
+          </p:cNvSpPr>
           <p:nvPr>
             <p:ph type="title"/>
           </p:nvPr>
@@ -10552,12 +10938,12 @@
           </a:prstGeom>
         </p:spPr>
         <p:txBody>
-          <a:bodyPr anchorCtr="0" anchor="b" bIns="0" lIns="0" spcFirstLastPara="1" rIns="0" wrap="square" tIns="0">
+          <a:bodyPr spcFirstLastPara="1" wrap="square" lIns="0" tIns="0" rIns="0" bIns="0" anchor="b" anchorCtr="0">
             <a:noAutofit/>
           </a:bodyPr>
           <a:lstStyle/>
           <a:p>
-            <a:pPr indent="0" lvl="0" marL="0" rtl="0" algn="l">
+            <a:pPr marL="0" lvl="0" indent="0" algn="l" rtl="0">
               <a:spcBef>
                 <a:spcPts val="0"/>
               </a:spcBef>
@@ -10577,9 +10963,11 @@
       <p:sp>
         <p:nvSpPr>
           <p:cNvPr id="111" name="Google Shape;111;p19"/>
-          <p:cNvSpPr txBox="1"/>
+          <p:cNvSpPr txBox="1">
+            <a:spLocks noGrp="1"/>
+          </p:cNvSpPr>
           <p:nvPr>
-            <p:ph idx="12" type="sldNum"/>
+            <p:ph type="sldNum" idx="12"/>
           </p:nvPr>
         </p:nvSpPr>
         <p:spPr>
@@ -10592,12 +10980,12 @@
           </a:prstGeom>
         </p:spPr>
         <p:txBody>
-          <a:bodyPr anchorCtr="0" anchor="ctr" bIns="0" lIns="0" spcFirstLastPara="1" rIns="0" wrap="square" tIns="0">
+          <a:bodyPr spcFirstLastPara="1" wrap="square" lIns="0" tIns="0" rIns="0" bIns="0" anchor="ctr" anchorCtr="0">
             <a:noAutofit/>
           </a:bodyPr>
           <a:lstStyle/>
           <a:p>
-            <a:pPr indent="0" lvl="0" marL="0" rtl="0" algn="r">
+            <a:pPr marL="0" lvl="0" indent="0" algn="r" rtl="0">
               <a:spcBef>
                 <a:spcPts val="0"/>
               </a:spcBef>
@@ -10608,7 +10996,7 @@
             </a:pPr>
             <a:fld id="{00000000-1234-1234-1234-123412341234}" type="slidenum">
               <a:rPr lang="en"/>
-              <a:t>‹#›</a:t>
+              <a:t>9</a:t>
             </a:fld>
             <a:endParaRPr/>
           </a:p>
@@ -10651,7 +11039,7 @@
 </file>
 
 <file path=ppt/theme/theme1.xml><?xml version="1.0" encoding="utf-8"?>
-<a:theme xmlns:a="http://schemas.openxmlformats.org/drawingml/2006/main" xmlns:r="http://schemas.openxmlformats.org/officeDocument/2006/relationships" name="Ninacor template">
+<a:theme xmlns:a="http://schemas.openxmlformats.org/drawingml/2006/main" name="Ninacor template">
   <a:themeElements>
     <a:clrScheme name="Custom 347">
       <a:dk1>
@@ -10926,11 +11314,13 @@
       </a:bgFillStyleLst>
     </a:fmtScheme>
   </a:themeElements>
+  <a:objectDefaults/>
+  <a:extraClrSchemeLst/>
 </a:theme>
 </file>
 
 <file path=ppt/theme/theme2.xml><?xml version="1.0" encoding="utf-8"?>
-<a:theme xmlns:a="http://schemas.openxmlformats.org/drawingml/2006/main" xmlns:r="http://schemas.openxmlformats.org/officeDocument/2006/relationships">
+<a:theme xmlns:a="http://schemas.openxmlformats.org/drawingml/2006/main">
   <a:themeElements>
     <a:clrScheme name="Default">
       <a:dk1>
@@ -11205,5 +11595,7 @@
       </a:bgFillStyleLst>
     </a:fmtScheme>
   </a:themeElements>
+  <a:objectDefaults/>
+  <a:extraClrSchemeLst/>
 </a:theme>
 </file>
--- a/CSC-520/Final Report/Student Polling Application.pptx
+++ b/CSC-520/Final Report/Student Polling Application.pptx
@@ -6958,7 +6958,7 @@
         </p:nvSpPr>
         <p:spPr>
           <a:xfrm>
-            <a:off x="142881" y="2080051"/>
+            <a:off x="150025" y="2128550"/>
             <a:ext cx="8486700" cy="1159800"/>
           </a:xfrm>
           <a:prstGeom prst="rect">
@@ -7612,7 +7612,7 @@
             </a:pPr>
             <a:r>
               <a:rPr lang="en" sz="2000"/>
-              <a:t>(B1) Back-End Database Implementation</a:t>
+              <a:t>Back-End Database Implementation</a:t>
             </a:r>
             <a:endParaRPr sz="2000"/>
           </a:p>
@@ -7680,7 +7680,7 @@
             </a:pPr>
             <a:r>
               <a:rPr lang="en" sz="2000"/>
-              <a:t>(B2) Instructor Functionality, Implementation / Testing</a:t>
+              <a:t>Instructor Functionality, Implementation / Testing</a:t>
             </a:r>
             <a:endParaRPr sz="2000"/>
           </a:p>
@@ -7697,7 +7697,7 @@
             </a:pPr>
             <a:r>
               <a:rPr lang="en" sz="2000"/>
-              <a:t>(B3) Student Functionality, Implementation / Testing</a:t>
+              <a:t>Student Functionality, Implementation / Testing</a:t>
             </a:r>
             <a:endParaRPr sz="2000"/>
           </a:p>
@@ -7714,7 +7714,7 @@
             </a:pPr>
             <a:r>
               <a:rPr lang="en" sz="2000"/>
-              <a:t>(B4) Admin Functionality, Implementation / Testing</a:t>
+              <a:t>Admin Functionality, Implementation / Testing</a:t>
             </a:r>
             <a:endParaRPr sz="2000"/>
           </a:p>
@@ -7731,7 +7731,7 @@
             </a:pPr>
             <a:r>
               <a:rPr lang="en" sz="2000"/>
-              <a:t>(B5) Integrated Testing</a:t>
+              <a:t>Integrated Testing</a:t>
             </a:r>
             <a:endParaRPr sz="2000"/>
           </a:p>
@@ -7903,7 +7903,7 @@
             <a:tbl>
               <a:tblPr>
                 <a:noFill/>
-                <a:tableStyleId>{11615E3F-0A91-4C26-B870-33DE5AE2E6DE}</a:tableStyleId>
+                <a:tableStyleId>{1E44662E-8AE6-4D25-B14C-350DAC113D96}</a:tableStyleId>
               </a:tblPr>
               <a:tblGrid>
                 <a:gridCol w="4966900">
@@ -8508,7 +8508,7 @@
             <a:tbl>
               <a:tblPr>
                 <a:noFill/>
-                <a:tableStyleId>{11615E3F-0A91-4C26-B870-33DE5AE2E6DE}</a:tableStyleId>
+                <a:tableStyleId>{1E44662E-8AE6-4D25-B14C-350DAC113D96}</a:tableStyleId>
               </a:tblPr>
               <a:tblGrid>
                 <a:gridCol w="3173375">
@@ -10744,8 +10744,8 @@
         </p:blipFill>
         <p:spPr>
           <a:xfrm>
-            <a:off x="3039122" y="50175"/>
-            <a:ext cx="5328450" cy="4937550"/>
+            <a:off x="2732475" y="255725"/>
+            <a:ext cx="5100650" cy="4786224"/>
           </a:xfrm>
           <a:prstGeom prst="rect">
             <a:avLst/>

--- a/CSC-520/Final Report/Student Polling Application.pptx
+++ b/CSC-520/Final Report/Student Polling Application.pptx
@@ -5,7 +5,7 @@
     <p:sldMasterId id="2147483657" r:id="rId1"/>
   </p:sldMasterIdLst>
   <p:notesMasterIdLst>
-    <p:notesMasterId r:id="rId18"/>
+    <p:notesMasterId r:id="rId19"/>
   </p:notesMasterIdLst>
   <p:sldIdLst>
     <p:sldId id="256" r:id="rId2"/>
@@ -24,30 +24,31 @@
     <p:sldId id="269" r:id="rId15"/>
     <p:sldId id="270" r:id="rId16"/>
     <p:sldId id="271" r:id="rId17"/>
+    <p:sldId id="272" r:id="rId18"/>
   </p:sldIdLst>
   <p:sldSz cx="9144000" cy="5143500" type="screen16x9"/>
   <p:notesSz cx="6858000" cy="9144000"/>
   <p:embeddedFontLst>
     <p:embeddedFont>
       <p:font typeface="Calibri" panose="020F0502020204030204" pitchFamily="34" charset="0"/>
-      <p:regular r:id="rId19"/>
-      <p:bold r:id="rId20"/>
-      <p:italic r:id="rId21"/>
-      <p:boldItalic r:id="rId22"/>
+      <p:regular r:id="rId20"/>
+      <p:bold r:id="rId21"/>
+      <p:italic r:id="rId22"/>
+      <p:boldItalic r:id="rId23"/>
     </p:embeddedFont>
     <p:embeddedFont>
       <p:font typeface="Titillium Web" panose="020B0604020202020204" charset="0"/>
-      <p:regular r:id="rId23"/>
-      <p:bold r:id="rId24"/>
-      <p:italic r:id="rId25"/>
-      <p:boldItalic r:id="rId26"/>
+      <p:regular r:id="rId24"/>
+      <p:bold r:id="rId25"/>
+      <p:italic r:id="rId26"/>
+      <p:boldItalic r:id="rId27"/>
     </p:embeddedFont>
     <p:embeddedFont>
       <p:font typeface="Titillium Web Light" panose="020B0604020202020204" charset="0"/>
-      <p:regular r:id="rId27"/>
-      <p:bold r:id="rId28"/>
-      <p:italic r:id="rId29"/>
-      <p:boldItalic r:id="rId30"/>
+      <p:regular r:id="rId28"/>
+      <p:bold r:id="rId29"/>
+      <p:italic r:id="rId30"/>
+      <p:boldItalic r:id="rId31"/>
     </p:embeddedFont>
   </p:embeddedFontLst>
   <p:defaultTextStyle>
@@ -1512,6 +1513,110 @@
       <p:sp>
         <p:nvSpPr>
           <p:cNvPr id="158" name="Google Shape;158;g75d15ec91f_0_86:notes"/>
+          <p:cNvSpPr txBox="1">
+            <a:spLocks noGrp="1"/>
+          </p:cNvSpPr>
+          <p:nvPr>
+            <p:ph type="body" idx="1"/>
+          </p:nvPr>
+        </p:nvSpPr>
+        <p:spPr>
+          <a:xfrm>
+            <a:off x="685800" y="4343400"/>
+            <a:ext cx="5486400" cy="4114800"/>
+          </a:xfrm>
+          <a:prstGeom prst="rect">
+            <a:avLst/>
+          </a:prstGeom>
+        </p:spPr>
+        <p:txBody>
+          <a:bodyPr spcFirstLastPara="1" wrap="square" lIns="91425" tIns="91425" rIns="91425" bIns="91425" anchor="t" anchorCtr="0">
+            <a:noAutofit/>
+          </a:bodyPr>
+          <a:lstStyle/>
+          <a:p>
+            <a:pPr marL="0" lvl="0" indent="0" algn="l" rtl="0">
+              <a:spcBef>
+                <a:spcPts val="0"/>
+              </a:spcBef>
+              <a:spcAft>
+                <a:spcPts val="0"/>
+              </a:spcAft>
+              <a:buNone/>
+            </a:pPr>
+            <a:endParaRPr/>
+          </a:p>
+        </p:txBody>
+      </p:sp>
+    </p:spTree>
+  </p:cSld>
+  <p:clrMapOvr>
+    <a:masterClrMapping/>
+  </p:clrMapOvr>
+</p:notes>
+</file>
+
+<file path=ppt/notesSlides/notesSlide17.xml><?xml version="1.0" encoding="utf-8"?>
+<p:notes xmlns:a="http://schemas.openxmlformats.org/drawingml/2006/main" xmlns:r="http://schemas.openxmlformats.org/officeDocument/2006/relationships" xmlns:p="http://schemas.openxmlformats.org/presentationml/2006/main" showMasterSp="0" showMasterPhAnim="0">
+  <p:cSld>
+    <p:spTree>
+      <p:nvGrpSpPr>
+        <p:cNvPr id="1" name="Shape 163"/>
+        <p:cNvGrpSpPr/>
+        <p:nvPr/>
+      </p:nvGrpSpPr>
+      <p:grpSpPr>
+        <a:xfrm>
+          <a:off x="0" y="0"/>
+          <a:ext cx="0" cy="0"/>
+          <a:chOff x="0" y="0"/>
+          <a:chExt cx="0" cy="0"/>
+        </a:xfrm>
+      </p:grpSpPr>
+      <p:sp>
+        <p:nvSpPr>
+          <p:cNvPr id="164" name="Google Shape;164;g6c2184af95_0_0:notes"/>
+          <p:cNvSpPr>
+            <a:spLocks noGrp="1" noRot="1" noChangeAspect="1"/>
+          </p:cNvSpPr>
+          <p:nvPr>
+            <p:ph type="sldImg" idx="2"/>
+          </p:nvPr>
+        </p:nvSpPr>
+        <p:spPr>
+          <a:xfrm>
+            <a:off x="381175" y="685800"/>
+            <a:ext cx="6096300" cy="3429000"/>
+          </a:xfrm>
+          <a:custGeom>
+            <a:avLst/>
+            <a:gdLst/>
+            <a:ahLst/>
+            <a:cxnLst/>
+            <a:rect l="l" t="t" r="r" b="b"/>
+            <a:pathLst>
+              <a:path w="120000" h="120000" extrusionOk="0">
+                <a:moveTo>
+                  <a:pt x="0" y="0"/>
+                </a:moveTo>
+                <a:lnTo>
+                  <a:pt x="120000" y="0"/>
+                </a:lnTo>
+                <a:lnTo>
+                  <a:pt x="120000" y="120000"/>
+                </a:lnTo>
+                <a:lnTo>
+                  <a:pt x="0" y="120000"/>
+                </a:lnTo>
+                <a:close/>
+              </a:path>
+            </a:pathLst>
+          </a:custGeom>
+        </p:spPr>
+      </p:sp>
+      <p:sp>
+        <p:nvSpPr>
+          <p:cNvPr id="165" name="Google Shape;165;g6c2184af95_0_0:notes"/>
           <p:cNvSpPr txBox="1">
             <a:spLocks noGrp="1"/>
           </p:cNvSpPr>
@@ -7903,7 +8008,7 @@
             <a:tbl>
               <a:tblPr>
                 <a:noFill/>
-                <a:tableStyleId>{1E44662E-8AE6-4D25-B14C-350DAC113D96}</a:tableStyleId>
+                <a:tableStyleId>{04403C1D-1F4A-4B68-9961-E6178E5F6D82}</a:tableStyleId>
               </a:tblPr>
               <a:tblGrid>
                 <a:gridCol w="4966900">
@@ -8508,7 +8613,7 @@
             <a:tbl>
               <a:tblPr>
                 <a:noFill/>
-                <a:tableStyleId>{1E44662E-8AE6-4D25-B14C-350DAC113D96}</a:tableStyleId>
+                <a:tableStyleId>{04403C1D-1F4A-4B68-9961-E6178E5F6D82}</a:tableStyleId>
               </a:tblPr>
               <a:tblGrid>
                 <a:gridCol w="3173375">
@@ -9110,10 +9215,10 @@
               <a:buNone/>
             </a:pPr>
             <a:r>
-              <a:rPr lang="en"/>
+              <a:rPr lang="en" dirty="0"/>
               <a:t>Deliverables</a:t>
             </a:r>
-            <a:endParaRPr/>
+            <a:endParaRPr dirty="0"/>
           </a:p>
         </p:txBody>
       </p:sp>
@@ -9153,10 +9258,10 @@
               <a:buChar char="▰"/>
             </a:pPr>
             <a:r>
-              <a:rPr lang="en" sz="2400"/>
+              <a:rPr lang="en" sz="2400" dirty="0"/>
               <a:t>Original Presentation</a:t>
             </a:r>
-            <a:endParaRPr sz="2400"/>
+            <a:endParaRPr sz="2400" dirty="0"/>
           </a:p>
           <a:p>
             <a:pPr marL="457200" lvl="0" indent="-381000" algn="l" rtl="0">
@@ -9170,10 +9275,10 @@
               <a:buChar char="▰"/>
             </a:pPr>
             <a:r>
-              <a:rPr lang="en" sz="2400"/>
+              <a:rPr lang="en" sz="2400" dirty="0"/>
               <a:t>Original Proposal</a:t>
             </a:r>
-            <a:endParaRPr sz="2400"/>
+            <a:endParaRPr sz="2400" dirty="0"/>
           </a:p>
           <a:p>
             <a:pPr marL="457200" lvl="0" indent="-381000" algn="l" rtl="0">
@@ -9187,10 +9292,10 @@
               <a:buChar char="▰"/>
             </a:pPr>
             <a:r>
-              <a:rPr lang="en" sz="2400"/>
+              <a:rPr lang="en" sz="2400" dirty="0"/>
               <a:t>Amendments</a:t>
             </a:r>
-            <a:endParaRPr sz="2400"/>
+            <a:endParaRPr sz="2400" dirty="0"/>
           </a:p>
           <a:p>
             <a:pPr marL="457200" lvl="0" indent="-381000" algn="l" rtl="0">
@@ -9204,10 +9309,10 @@
               <a:buChar char="▰"/>
             </a:pPr>
             <a:r>
-              <a:rPr lang="en" sz="2400"/>
+              <a:rPr lang="en" sz="2400" dirty="0"/>
               <a:t>System Architecture Diagrams</a:t>
             </a:r>
-            <a:endParaRPr sz="2400"/>
+            <a:endParaRPr sz="2400" dirty="0"/>
           </a:p>
           <a:p>
             <a:pPr marL="457200" lvl="0" indent="-381000" algn="l" rtl="0">
@@ -9221,10 +9326,10 @@
               <a:buChar char="▰"/>
             </a:pPr>
             <a:r>
-              <a:rPr lang="en" sz="2400"/>
+              <a:rPr lang="en" sz="2400" dirty="0"/>
               <a:t>Project Version Control URL</a:t>
             </a:r>
-            <a:endParaRPr sz="2400"/>
+            <a:endParaRPr sz="2400" dirty="0"/>
           </a:p>
           <a:p>
             <a:pPr marL="457200" lvl="0" indent="0" algn="l" rtl="0">
@@ -9236,7 +9341,7 @@
               </a:spcAft>
               <a:buNone/>
             </a:pPr>
-            <a:endParaRPr sz="1800"/>
+            <a:endParaRPr sz="1800" dirty="0"/>
           </a:p>
         </p:txBody>
       </p:sp>
@@ -9276,10 +9381,10 @@
               <a:buChar char="▰"/>
             </a:pPr>
             <a:r>
-              <a:rPr lang="en" sz="2400"/>
+              <a:rPr lang="en" sz="2400" dirty="0"/>
               <a:t>User Manual</a:t>
             </a:r>
-            <a:endParaRPr sz="2400"/>
+            <a:endParaRPr sz="2400" dirty="0"/>
           </a:p>
           <a:p>
             <a:pPr marL="457200" lvl="0" indent="-381000" algn="l" rtl="0">
@@ -9293,10 +9398,10 @@
               <a:buChar char="▰"/>
             </a:pPr>
             <a:r>
-              <a:rPr lang="en" sz="2400"/>
+              <a:rPr lang="en" sz="2400" dirty="0"/>
               <a:t>Sample Output</a:t>
             </a:r>
-            <a:endParaRPr sz="2400"/>
+            <a:endParaRPr sz="2400" dirty="0"/>
           </a:p>
           <a:p>
             <a:pPr marL="457200" lvl="0" indent="-381000" algn="l" rtl="0">
@@ -9310,10 +9415,10 @@
               <a:buChar char="▰"/>
             </a:pPr>
             <a:r>
-              <a:rPr lang="en" sz="2400"/>
+              <a:rPr lang="en" sz="2400" dirty="0"/>
               <a:t>Project Journal</a:t>
             </a:r>
-            <a:endParaRPr sz="2400"/>
+            <a:endParaRPr sz="2400" dirty="0"/>
           </a:p>
           <a:p>
             <a:pPr marL="457200" lvl="0" indent="-381000" algn="l" rtl="0">
@@ -9327,10 +9432,10 @@
               <a:buChar char="▰"/>
             </a:pPr>
             <a:r>
-              <a:rPr lang="en" sz="2400"/>
+              <a:rPr lang="en" sz="2400" dirty="0"/>
               <a:t>Postmortem</a:t>
             </a:r>
-            <a:endParaRPr sz="2400"/>
+            <a:endParaRPr sz="2400" dirty="0"/>
           </a:p>
           <a:p>
             <a:pPr marL="457200" lvl="0" indent="-381000" algn="l" rtl="0">
@@ -9344,10 +9449,10 @@
               <a:buChar char="▰"/>
             </a:pPr>
             <a:r>
-              <a:rPr lang="en" sz="2400"/>
+              <a:rPr lang="en" sz="2400" dirty="0"/>
               <a:t>Final Presentation / Report</a:t>
             </a:r>
-            <a:endParaRPr sz="2400"/>
+            <a:endParaRPr sz="2400" dirty="0"/>
           </a:p>
           <a:p>
             <a:pPr marL="457200" lvl="0" indent="-381000" algn="l" rtl="0">
@@ -9361,10 +9466,10 @@
               <a:buChar char="▰"/>
             </a:pPr>
             <a:r>
-              <a:rPr lang="en" sz="2400"/>
+              <a:rPr lang="en" sz="2400" dirty="0"/>
               <a:t>Zip of All Files</a:t>
             </a:r>
-            <a:endParaRPr sz="2400"/>
+            <a:endParaRPr sz="2400" dirty="0"/>
           </a:p>
         </p:txBody>
       </p:sp>
@@ -9657,6 +9762,73 @@
               <a:rPr lang="en"/>
               <a:t>16</a:t>
             </a:fld>
+            <a:endParaRPr/>
+          </a:p>
+        </p:txBody>
+      </p:sp>
+    </p:spTree>
+  </p:cSld>
+  <p:clrMapOvr>
+    <a:masterClrMapping/>
+  </p:clrMapOvr>
+</p:sld>
+</file>
+
+<file path=ppt/slides/slide17.xml><?xml version="1.0" encoding="utf-8"?>
+<p:sld xmlns:a="http://schemas.openxmlformats.org/drawingml/2006/main" xmlns:r="http://schemas.openxmlformats.org/officeDocument/2006/relationships" xmlns:p="http://schemas.openxmlformats.org/presentationml/2006/main">
+  <p:cSld>
+    <p:spTree>
+      <p:nvGrpSpPr>
+        <p:cNvPr id="1" name="Shape 166"/>
+        <p:cNvGrpSpPr/>
+        <p:nvPr/>
+      </p:nvGrpSpPr>
+      <p:grpSpPr>
+        <a:xfrm>
+          <a:off x="0" y="0"/>
+          <a:ext cx="0" cy="0"/>
+          <a:chOff x="0" y="0"/>
+          <a:chExt cx="0" cy="0"/>
+        </a:xfrm>
+      </p:grpSpPr>
+      <p:sp>
+        <p:nvSpPr>
+          <p:cNvPr id="167" name="Google Shape;167;p27"/>
+          <p:cNvSpPr txBox="1">
+            <a:spLocks noGrp="1"/>
+          </p:cNvSpPr>
+          <p:nvPr>
+            <p:ph type="ctrTitle"/>
+          </p:nvPr>
+        </p:nvSpPr>
+        <p:spPr>
+          <a:xfrm>
+            <a:off x="610775" y="1991850"/>
+            <a:ext cx="5796900" cy="1159800"/>
+          </a:xfrm>
+          <a:prstGeom prst="rect">
+            <a:avLst/>
+          </a:prstGeom>
+        </p:spPr>
+        <p:txBody>
+          <a:bodyPr spcFirstLastPara="1" wrap="square" lIns="0" tIns="0" rIns="0" bIns="0" anchor="t" anchorCtr="0">
+            <a:noAutofit/>
+          </a:bodyPr>
+          <a:lstStyle/>
+          <a:p>
+            <a:pPr marL="0" lvl="0" indent="0" algn="l" rtl="0">
+              <a:spcBef>
+                <a:spcPts val="0"/>
+              </a:spcBef>
+              <a:spcAft>
+                <a:spcPts val="0"/>
+              </a:spcAft>
+              <a:buNone/>
+            </a:pPr>
+            <a:r>
+              <a:rPr lang="en"/>
+              <a:t>Any Questions?</a:t>
+            </a:r>
             <a:endParaRPr/>
           </a:p>
         </p:txBody>
